--- a/PowerPoint/report_hokada picture.pptx
+++ b/PowerPoint/report_hokada picture.pptx
@@ -5261,16 +5261,23 @@
         <a:lstStyle/>
         <a:p>
           <a:r>
-            <a:rPr kumimoji="1" lang="en-US" altLang="ja-JP" sz="2000" dirty="0" smtClean="0"/>
-            <a:t>Template</a:t>
+            <a:rPr kumimoji="1" lang="en-US" altLang="ja-JP" sz="2800" dirty="0" smtClean="0">
+              <a:latin typeface="+mn-ea"/>
+              <a:ea typeface="+mn-ea"/>
+            </a:rPr>
+            <a:t>Template(HTML</a:t>
           </a:r>
-        </a:p>
-        <a:p>
           <a:r>
-            <a:rPr kumimoji="1" lang="en-US" altLang="ja-JP" sz="2000" dirty="0" smtClean="0"/>
-            <a:t>(HTML)</a:t>
+            <a:rPr kumimoji="1" lang="en-US" altLang="ja-JP" sz="2800" dirty="0" smtClean="0">
+              <a:latin typeface="+mn-ea"/>
+              <a:ea typeface="+mn-ea"/>
+            </a:rPr>
+            <a:t>)</a:t>
           </a:r>
-          <a:endParaRPr kumimoji="1" lang="ja-JP" altLang="en-US" sz="2000" dirty="0"/>
+          <a:endParaRPr kumimoji="1" lang="ja-JP" altLang="en-US" sz="2800" dirty="0">
+            <a:latin typeface="+mn-ea"/>
+            <a:ea typeface="+mn-ea"/>
+          </a:endParaRPr>
         </a:p>
       </dgm:t>
     </dgm:pt>
@@ -5305,7 +5312,7 @@
       <dgm:spPr/>
     </dgm:pt>
     <dgm:pt modelId="{3DC283DF-D7B0-4A65-A0D0-EB6E206D1F32}" type="pres">
-      <dgm:prSet presAssocID="{C30F128F-5FC6-4FB2-8E28-F3A6CA49493C}" presName="node" presStyleLbl="node1" presStyleIdx="0" presStyleCnt="3" custScaleX="292926" custScaleY="49637" custLinFactNeighborX="-7511" custLinFactNeighborY="4543">
+      <dgm:prSet presAssocID="{C30F128F-5FC6-4FB2-8E28-F3A6CA49493C}" presName="node" presStyleLbl="node1" presStyleIdx="0" presStyleCnt="3" custScaleX="292926" custScaleY="36676" custLinFactNeighborX="-7511" custLinFactNeighborY="4543">
         <dgm:presLayoutVars>
           <dgm:bulletEnabled val="1"/>
         </dgm:presLayoutVars>
@@ -5320,7 +5327,7 @@
       </dgm:t>
     </dgm:pt>
     <dgm:pt modelId="{221C45B9-0A70-4B8B-AC8A-BD7900775BE0}" type="pres">
-      <dgm:prSet presAssocID="{1181AF34-004D-4230-B511-69E383AE5B9A}" presName="sibTrans" presStyleLbl="sibTrans2D1" presStyleIdx="0" presStyleCnt="2" custScaleY="58003"/>
+      <dgm:prSet presAssocID="{1181AF34-004D-4230-B511-69E383AE5B9A}" presName="sibTrans" presStyleLbl="sibTrans2D1" presStyleIdx="0" presStyleCnt="2" custScaleX="84316" custScaleY="112881"/>
       <dgm:spPr/>
       <dgm:t>
         <a:bodyPr/>
@@ -5342,7 +5349,7 @@
       </dgm:t>
     </dgm:pt>
     <dgm:pt modelId="{32096418-5AFE-43BA-A159-3E2DC8CFD86F}" type="pres">
-      <dgm:prSet presAssocID="{7DB8D309-F5AD-4713-A223-7E7CEF990F43}" presName="node" presStyleLbl="node1" presStyleIdx="1" presStyleCnt="3" custScaleX="292926" custScaleY="49637" custLinFactNeighborY="-33398">
+      <dgm:prSet presAssocID="{7DB8D309-F5AD-4713-A223-7E7CEF990F43}" presName="node" presStyleLbl="node1" presStyleIdx="1" presStyleCnt="3" custScaleX="292926" custScaleY="37221" custLinFactNeighborY="-19614">
         <dgm:presLayoutVars>
           <dgm:bulletEnabled val="1"/>
         </dgm:presLayoutVars>
@@ -5379,7 +5386,7 @@
       </dgm:t>
     </dgm:pt>
     <dgm:pt modelId="{953DA09D-46E1-4BB7-A273-2C8123AEFA2D}" type="pres">
-      <dgm:prSet presAssocID="{3FC66FEA-F2EB-43DF-8348-E20CC060D3F2}" presName="node" presStyleLbl="node1" presStyleIdx="2" presStyleCnt="3" custScaleX="292926" custScaleY="49637">
+      <dgm:prSet presAssocID="{3FC66FEA-F2EB-43DF-8348-E20CC060D3F2}" presName="node" presStyleLbl="node1" presStyleIdx="2" presStyleCnt="3" custScaleX="292926" custScaleY="34244" custLinFactNeighborY="-5457">
         <dgm:presLayoutVars>
           <dgm:bulletEnabled val="1"/>
         </dgm:presLayoutVars>
@@ -7048,8 +7055,8 @@
       </dsp:nvSpPr>
       <dsp:spPr>
         <a:xfrm>
-          <a:off x="0" y="72010"/>
-          <a:ext cx="2808312" cy="859914"/>
+          <a:off x="0" y="35173"/>
+          <a:ext cx="3024336" cy="582531"/>
         </a:xfrm>
         <a:prstGeom prst="roundRect">
           <a:avLst>
@@ -7092,12 +7099,12 @@
         </a:fontRef>
       </dsp:style>
       <dsp:txBody>
-        <a:bodyPr spcFirstLastPara="0" vert="horz" wrap="square" lIns="76200" tIns="76200" rIns="76200" bIns="76200" numCol="1" spcCol="1270" anchor="ctr" anchorCtr="0">
+        <a:bodyPr spcFirstLastPara="0" vert="horz" wrap="square" lIns="106680" tIns="106680" rIns="106680" bIns="106680" numCol="1" spcCol="1270" anchor="ctr" anchorCtr="0">
           <a:noAutofit/>
         </a:bodyPr>
         <a:lstStyle/>
         <a:p>
-          <a:pPr lvl="0" algn="ctr" defTabSz="889000">
+          <a:pPr lvl="0" algn="ctr" defTabSz="1244600">
             <a:lnSpc>
               <a:spcPct val="90000"/>
             </a:lnSpc>
@@ -7109,32 +7116,28 @@
             </a:spcAft>
           </a:pPr>
           <a:r>
-            <a:rPr kumimoji="1" lang="en-US" altLang="ja-JP" sz="2000" kern="1200" dirty="0" smtClean="0"/>
-            <a:t>Template</a:t>
+            <a:rPr kumimoji="1" lang="en-US" altLang="ja-JP" sz="2800" kern="1200" dirty="0" smtClean="0">
+              <a:latin typeface="+mn-ea"/>
+              <a:ea typeface="+mn-ea"/>
+            </a:rPr>
+            <a:t>Template(HTML</a:t>
           </a:r>
-        </a:p>
-        <a:p>
-          <a:pPr lvl="0" algn="ctr" defTabSz="889000">
-            <a:lnSpc>
-              <a:spcPct val="90000"/>
-            </a:lnSpc>
-            <a:spcBef>
-              <a:spcPct val="0"/>
-            </a:spcBef>
-            <a:spcAft>
-              <a:spcPct val="35000"/>
-            </a:spcAft>
-          </a:pPr>
           <a:r>
-            <a:rPr kumimoji="1" lang="en-US" altLang="ja-JP" sz="2000" kern="1200" dirty="0" smtClean="0"/>
-            <a:t>(HTML)</a:t>
+            <a:rPr kumimoji="1" lang="en-US" altLang="ja-JP" sz="2800" kern="1200" dirty="0" smtClean="0">
+              <a:latin typeface="+mn-ea"/>
+              <a:ea typeface="+mn-ea"/>
+            </a:rPr>
+            <a:t>)</a:t>
           </a:r>
-          <a:endParaRPr kumimoji="1" lang="ja-JP" altLang="en-US" sz="2000" kern="1200" dirty="0"/>
+          <a:endParaRPr kumimoji="1" lang="ja-JP" altLang="en-US" sz="2800" kern="1200" dirty="0">
+            <a:latin typeface="+mn-ea"/>
+            <a:ea typeface="+mn-ea"/>
+          </a:endParaRPr>
         </a:p>
       </dsp:txBody>
       <dsp:txXfrm>
-        <a:off x="0" y="72010"/>
-        <a:ext cx="2808312" cy="859914"/>
+        <a:off x="0" y="35173"/>
+        <a:ext cx="3024336" cy="582531"/>
       </dsp:txXfrm>
     </dsp:sp>
     <dsp:sp modelId="{221C45B9-0A70-4B8B-AC8A-BD7900775BE0}">
@@ -7144,8 +7147,8 @@
       </dsp:nvSpPr>
       <dsp:spPr>
         <a:xfrm rot="5400000">
-          <a:off x="1213256" y="960365"/>
-          <a:ext cx="381798" cy="452181"/>
+          <a:off x="1320423" y="517516"/>
+          <a:ext cx="383489" cy="806809"/>
         </a:xfrm>
         <a:prstGeom prst="rightArrow">
           <a:avLst>
@@ -7201,8 +7204,8 @@
         </a:p>
       </dsp:txBody>
       <dsp:txXfrm rot="5400000">
-        <a:off x="1213256" y="960365"/>
-        <a:ext cx="381798" cy="452181"/>
+        <a:off x="1320423" y="517516"/>
+        <a:ext cx="383489" cy="806809"/>
       </dsp:txXfrm>
     </dsp:sp>
     <dsp:sp modelId="{32096418-5AFE-43BA-A159-3E2DC8CFD86F}">
@@ -7212,8 +7215,8 @@
       </dsp:nvSpPr>
       <dsp:spPr>
         <a:xfrm>
-          <a:off x="0" y="1440988"/>
-          <a:ext cx="2808312" cy="859914"/>
+          <a:off x="0" y="1224137"/>
+          <a:ext cx="3024336" cy="591188"/>
         </a:xfrm>
         <a:prstGeom prst="roundRect">
           <a:avLst>
@@ -7275,8 +7278,8 @@
         </a:p>
       </dsp:txBody>
       <dsp:txXfrm>
-        <a:off x="0" y="1440988"/>
-        <a:ext cx="2808312" cy="859914"/>
+        <a:off x="0" y="1224137"/>
+        <a:ext cx="3024336" cy="591188"/>
       </dsp:txXfrm>
     </dsp:sp>
     <dsp:sp modelId="{47653CA6-9F03-4706-B05E-832520DDD624}">
@@ -7286,8 +7289,8 @@
       </dsp:nvSpPr>
       <dsp:spPr>
         <a:xfrm rot="5400000">
-          <a:off x="970844" y="2488859"/>
-          <a:ext cx="866622" cy="779582"/>
+          <a:off x="1172197" y="1911248"/>
+          <a:ext cx="679941" cy="714743"/>
         </a:xfrm>
         <a:prstGeom prst="rightArrow">
           <a:avLst>
@@ -7321,7 +7324,7 @@
         </a:bodyPr>
         <a:lstStyle/>
         <a:p>
-          <a:pPr lvl="0" algn="ctr" defTabSz="2000250">
+          <a:pPr lvl="0" algn="ctr" defTabSz="1511300">
             <a:lnSpc>
               <a:spcPct val="90000"/>
             </a:lnSpc>
@@ -7332,12 +7335,12 @@
               <a:spcPct val="35000"/>
             </a:spcAft>
           </a:pPr>
-          <a:endParaRPr kumimoji="1" lang="ja-JP" altLang="en-US" sz="4500" kern="1200" dirty="0"/>
+          <a:endParaRPr kumimoji="1" lang="ja-JP" altLang="en-US" sz="3400" kern="1200" dirty="0"/>
         </a:p>
       </dsp:txBody>
       <dsp:txXfrm rot="5400000">
-        <a:off x="970844" y="2488859"/>
-        <a:ext cx="866622" cy="779582"/>
+        <a:off x="1172197" y="1911248"/>
+        <a:ext cx="679941" cy="714743"/>
       </dsp:txXfrm>
     </dsp:sp>
     <dsp:sp modelId="{953DA09D-46E1-4BB7-A273-2C8123AEFA2D}">
@@ -7347,8 +7350,8 @@
       </dsp:nvSpPr>
       <dsp:spPr>
         <a:xfrm>
-          <a:off x="0" y="3456399"/>
-          <a:ext cx="2808312" cy="859914"/>
+          <a:off x="0" y="2721914"/>
+          <a:ext cx="3024336" cy="543904"/>
         </a:xfrm>
         <a:prstGeom prst="roundRect">
           <a:avLst>
@@ -7410,8 +7413,8 @@
         </a:p>
       </dsp:txBody>
       <dsp:txXfrm>
-        <a:off x="0" y="3456399"/>
-        <a:ext cx="2808312" cy="859914"/>
+        <a:off x="0" y="2721914"/>
+        <a:ext cx="3024336" cy="543904"/>
       </dsp:txXfrm>
     </dsp:sp>
   </dsp:spTree>
@@ -17238,7 +17241,7 @@
             <a:fld id="{768736D5-E0D3-4111-8C4C-E5098B8E037F}" type="datetimeFigureOut">
               <a:rPr kumimoji="1" lang="ja-JP" altLang="en-US" smtClean="0"/>
               <a:pPr/>
-              <a:t>2014/12/1</a:t>
+              <a:t>2014/12/3</a:t>
             </a:fld>
             <a:endParaRPr kumimoji="1" lang="ja-JP" altLang="en-US" dirty="0"/>
           </a:p>
@@ -17982,7 +17985,7 @@
             <a:fld id="{A9FED28E-9910-4CC0-BDE8-5AFA225D5F47}" type="datetime1">
               <a:rPr kumimoji="1" lang="ja-JP" altLang="en-US" smtClean="0"/>
               <a:pPr/>
-              <a:t>2014/12/1</a:t>
+              <a:t>2014/12/3</a:t>
             </a:fld>
             <a:endParaRPr kumimoji="1" lang="ja-JP" altLang="en-US" dirty="0"/>
           </a:p>
@@ -18181,7 +18184,7 @@
             <a:fld id="{6A6F51AD-34C9-47F4-86A8-3B69DA90BEA2}" type="datetime1">
               <a:rPr kumimoji="1" lang="ja-JP" altLang="en-US" smtClean="0"/>
               <a:pPr/>
-              <a:t>2014/12/1</a:t>
+              <a:t>2014/12/3</a:t>
             </a:fld>
             <a:endParaRPr kumimoji="1" lang="ja-JP" altLang="en-US" dirty="0"/>
           </a:p>
@@ -18390,7 +18393,7 @@
             <a:fld id="{7590417E-B2DC-43DB-A4CD-B72741785689}" type="datetime1">
               <a:rPr kumimoji="1" lang="ja-JP" altLang="en-US" smtClean="0"/>
               <a:pPr/>
-              <a:t>2014/12/1</a:t>
+              <a:t>2014/12/3</a:t>
             </a:fld>
             <a:endParaRPr kumimoji="1" lang="ja-JP" altLang="en-US" dirty="0"/>
           </a:p>
@@ -18589,7 +18592,7 @@
             <a:fld id="{BD1CCC0A-69FD-4DB1-8F69-9B7E47B35B06}" type="datetime1">
               <a:rPr kumimoji="1" lang="ja-JP" altLang="en-US" smtClean="0"/>
               <a:pPr/>
-              <a:t>2014/12/1</a:t>
+              <a:t>2014/12/3</a:t>
             </a:fld>
             <a:endParaRPr kumimoji="1" lang="ja-JP" altLang="en-US" dirty="0"/>
           </a:p>
@@ -18841,7 +18844,7 @@
             <a:fld id="{0070CAFA-E75C-41BD-BE36-3967424809FA}" type="datetime1">
               <a:rPr kumimoji="1" lang="ja-JP" altLang="en-US" smtClean="0"/>
               <a:pPr/>
-              <a:t>2014/12/1</a:t>
+              <a:t>2014/12/3</a:t>
             </a:fld>
             <a:endParaRPr kumimoji="1" lang="ja-JP" altLang="en-US" dirty="0"/>
           </a:p>
@@ -19190,7 +19193,7 @@
             <a:fld id="{068F4025-64F1-4470-B5D1-4B3DAE112D35}" type="datetime1">
               <a:rPr kumimoji="1" lang="ja-JP" altLang="en-US" smtClean="0"/>
               <a:pPr/>
-              <a:t>2014/12/1</a:t>
+              <a:t>2014/12/3</a:t>
             </a:fld>
             <a:endParaRPr kumimoji="1" lang="ja-JP" altLang="en-US" dirty="0"/>
           </a:p>
@@ -19673,7 +19676,7 @@
             <a:fld id="{B9D22DCD-7121-4433-9452-1134E9B0F84C}" type="datetime1">
               <a:rPr kumimoji="1" lang="ja-JP" altLang="en-US" smtClean="0"/>
               <a:pPr/>
-              <a:t>2014/12/1</a:t>
+              <a:t>2014/12/3</a:t>
             </a:fld>
             <a:endParaRPr kumimoji="1" lang="ja-JP" altLang="en-US" dirty="0"/>
           </a:p>
@@ -19788,7 +19791,7 @@
             <a:fld id="{C7DC36FC-1499-47BD-B33A-43ABA6D8900D}" type="datetime1">
               <a:rPr kumimoji="1" lang="ja-JP" altLang="en-US" smtClean="0"/>
               <a:pPr/>
-              <a:t>2014/12/1</a:t>
+              <a:t>2014/12/3</a:t>
             </a:fld>
             <a:endParaRPr kumimoji="1" lang="ja-JP" altLang="en-US" dirty="0"/>
           </a:p>
@@ -19880,7 +19883,7 @@
             <a:fld id="{D659CCE9-15B5-4EA3-8B94-9C5237C58DE4}" type="datetime1">
               <a:rPr kumimoji="1" lang="ja-JP" altLang="en-US" smtClean="0"/>
               <a:pPr/>
-              <a:t>2014/12/1</a:t>
+              <a:t>2014/12/3</a:t>
             </a:fld>
             <a:endParaRPr kumimoji="1" lang="ja-JP" altLang="en-US" dirty="0"/>
           </a:p>
@@ -20186,7 +20189,7 @@
             <a:fld id="{E175F6F9-74FF-4910-8619-FBBF32934514}" type="datetime1">
               <a:rPr kumimoji="1" lang="ja-JP" altLang="en-US" smtClean="0"/>
               <a:pPr/>
-              <a:t>2014/12/1</a:t>
+              <a:t>2014/12/3</a:t>
             </a:fld>
             <a:endParaRPr kumimoji="1" lang="ja-JP" altLang="en-US" dirty="0"/>
           </a:p>
@@ -20436,7 +20439,7 @@
             <a:fld id="{F71BFCFD-31AB-4D54-B301-796373502974}" type="datetime1">
               <a:rPr kumimoji="1" lang="ja-JP" altLang="en-US" smtClean="0"/>
               <a:pPr/>
-              <a:t>2014/12/1</a:t>
+              <a:t>2014/12/3</a:t>
             </a:fld>
             <a:endParaRPr kumimoji="1" lang="ja-JP" altLang="en-US" dirty="0"/>
           </a:p>
@@ -20515,2028 +20518,6 @@
           <a:chExt cx="0" cy="0"/>
         </a:xfrm>
       </p:grpSpPr>
-      <p:grpSp>
-        <p:nvGrpSpPr>
-          <p:cNvPr id="29" name="Shape 7"/>
-          <p:cNvGrpSpPr/>
-          <p:nvPr userDrawn="1"/>
-        </p:nvGrpSpPr>
-        <p:grpSpPr>
-          <a:xfrm>
-            <a:off x="0" y="0"/>
-            <a:ext cx="9144000" cy="6957392"/>
-            <a:chOff x="0" y="0"/>
-            <a:chExt cx="9144000" cy="6858000"/>
-          </a:xfrm>
-        </p:grpSpPr>
-        <p:sp>
-          <p:nvSpPr>
-            <p:cNvPr id="30" name="Shape 8"/>
-            <p:cNvSpPr/>
-            <p:nvPr/>
-          </p:nvSpPr>
-          <p:spPr>
-            <a:xfrm>
-              <a:off x="0" y="0"/>
-              <a:ext cx="9144000" cy="6858000"/>
-            </a:xfrm>
-            <a:prstGeom prst="rect">
-              <a:avLst/>
-            </a:prstGeom>
-            <a:solidFill>
-              <a:schemeClr val="lt1"/>
-            </a:solidFill>
-            <a:ln>
-              <a:noFill/>
-            </a:ln>
-          </p:spPr>
-          <p:txBody>
-            <a:bodyPr lIns="91425" tIns="45700" rIns="91425" bIns="45700" anchor="ctr" anchorCtr="0">
-              <a:noAutofit/>
-            </a:bodyPr>
-            <a:lstStyle/>
-            <a:p>
-              <a:pPr marL="0" marR="0" lvl="0" indent="0" algn="ctr" rtl="0">
-                <a:spcBef>
-                  <a:spcPts val="0"/>
-                </a:spcBef>
-                <a:buNone/>
-              </a:pPr>
-              <a:endParaRPr sz="1800" b="0" i="0" u="none" strike="noStrike" cap="none" baseline="0">
-                <a:solidFill>
-                  <a:schemeClr val="lt1"/>
-                </a:solidFill>
-                <a:latin typeface="Calibri"/>
-                <a:ea typeface="Calibri"/>
-                <a:cs typeface="Calibri"/>
-                <a:sym typeface="Calibri"/>
-              </a:endParaRPr>
-            </a:p>
-          </p:txBody>
-        </p:sp>
-        <p:sp>
-          <p:nvSpPr>
-            <p:cNvPr id="31" name="Shape 9"/>
-            <p:cNvSpPr/>
-            <p:nvPr/>
-          </p:nvSpPr>
-          <p:spPr>
-            <a:xfrm>
-              <a:off x="7543798" y="0"/>
-              <a:ext cx="1600202" cy="2209799"/>
-            </a:xfrm>
-            <a:custGeom>
-              <a:avLst/>
-              <a:gdLst/>
-              <a:ahLst/>
-              <a:cxnLst/>
-              <a:rect l="0" t="0" r="0" b="0"/>
-              <a:pathLst>
-                <a:path w="1432" h="3492" extrusionOk="0">
-                  <a:moveTo>
-                    <a:pt x="0" y="0"/>
-                  </a:moveTo>
-                  <a:lnTo>
-                    <a:pt x="1432" y="0"/>
-                  </a:lnTo>
-                  <a:lnTo>
-                    <a:pt x="1432" y="3492"/>
-                  </a:lnTo>
-                  <a:lnTo>
-                    <a:pt x="1419" y="3252"/>
-                  </a:lnTo>
-                  <a:lnTo>
-                    <a:pt x="1406" y="3024"/>
-                  </a:lnTo>
-                  <a:lnTo>
-                    <a:pt x="1393" y="2807"/>
-                  </a:lnTo>
-                  <a:lnTo>
-                    <a:pt x="1379" y="2601"/>
-                  </a:lnTo>
-                  <a:lnTo>
-                    <a:pt x="1364" y="2407"/>
-                  </a:lnTo>
-                  <a:lnTo>
-                    <a:pt x="1348" y="2222"/>
-                  </a:lnTo>
-                  <a:lnTo>
-                    <a:pt x="1330" y="2047"/>
-                  </a:lnTo>
-                  <a:lnTo>
-                    <a:pt x="1311" y="1881"/>
-                  </a:lnTo>
-                  <a:lnTo>
-                    <a:pt x="1291" y="1726"/>
-                  </a:lnTo>
-                  <a:lnTo>
-                    <a:pt x="1268" y="1580"/>
-                  </a:lnTo>
-                  <a:lnTo>
-                    <a:pt x="1245" y="1442"/>
-                  </a:lnTo>
-                  <a:lnTo>
-                    <a:pt x="1218" y="1313"/>
-                  </a:lnTo>
-                  <a:lnTo>
-                    <a:pt x="1190" y="1192"/>
-                  </a:lnTo>
-                  <a:lnTo>
-                    <a:pt x="1158" y="1078"/>
-                  </a:lnTo>
-                  <a:lnTo>
-                    <a:pt x="1125" y="973"/>
-                  </a:lnTo>
-                  <a:lnTo>
-                    <a:pt x="1089" y="873"/>
-                  </a:lnTo>
-                  <a:lnTo>
-                    <a:pt x="1049" y="781"/>
-                  </a:lnTo>
-                  <a:lnTo>
-                    <a:pt x="1007" y="696"/>
-                  </a:lnTo>
-                  <a:lnTo>
-                    <a:pt x="962" y="617"/>
-                  </a:lnTo>
-                  <a:lnTo>
-                    <a:pt x="913" y="544"/>
-                  </a:lnTo>
-                  <a:lnTo>
-                    <a:pt x="860" y="475"/>
-                  </a:lnTo>
-                  <a:lnTo>
-                    <a:pt x="804" y="413"/>
-                  </a:lnTo>
-                  <a:lnTo>
-                    <a:pt x="744" y="354"/>
-                  </a:lnTo>
-                  <a:lnTo>
-                    <a:pt x="680" y="301"/>
-                  </a:lnTo>
-                  <a:lnTo>
-                    <a:pt x="611" y="252"/>
-                  </a:lnTo>
-                  <a:lnTo>
-                    <a:pt x="539" y="206"/>
-                  </a:lnTo>
-                  <a:lnTo>
-                    <a:pt x="461" y="165"/>
-                  </a:lnTo>
-                  <a:lnTo>
-                    <a:pt x="379" y="128"/>
-                  </a:lnTo>
-                  <a:lnTo>
-                    <a:pt x="292" y="92"/>
-                  </a:lnTo>
-                  <a:lnTo>
-                    <a:pt x="200" y="59"/>
-                  </a:lnTo>
-                  <a:lnTo>
-                    <a:pt x="103" y="28"/>
-                  </a:lnTo>
-                  <a:lnTo>
-                    <a:pt x="0" y="0"/>
-                  </a:lnTo>
-                  <a:close/>
-                </a:path>
-              </a:pathLst>
-            </a:custGeom>
-            <a:solidFill>
-              <a:srgbClr val="47D147"/>
-            </a:solidFill>
-            <a:ln>
-              <a:noFill/>
-            </a:ln>
-          </p:spPr>
-          <p:txBody>
-            <a:bodyPr lIns="91425" tIns="45700" rIns="91425" bIns="45700" anchor="t" anchorCtr="0">
-              <a:noAutofit/>
-            </a:bodyPr>
-            <a:lstStyle/>
-            <a:p>
-              <a:pPr marL="0" marR="0" lvl="0" indent="0" algn="l" rtl="0">
-                <a:spcBef>
-                  <a:spcPts val="0"/>
-                </a:spcBef>
-                <a:buNone/>
-              </a:pPr>
-              <a:endParaRPr sz="1800" b="0" i="0" u="none" strike="noStrike" cap="none" baseline="0">
-                <a:solidFill>
-                  <a:schemeClr val="dk1"/>
-                </a:solidFill>
-                <a:latin typeface="Calibri"/>
-                <a:ea typeface="Calibri"/>
-                <a:cs typeface="Calibri"/>
-                <a:sym typeface="Calibri"/>
-              </a:endParaRPr>
-            </a:p>
-          </p:txBody>
-        </p:sp>
-        <p:sp>
-          <p:nvSpPr>
-            <p:cNvPr id="32" name="Shape 10"/>
-            <p:cNvSpPr/>
-            <p:nvPr/>
-          </p:nvSpPr>
-          <p:spPr>
-            <a:xfrm>
-              <a:off x="5580112" y="6219186"/>
-              <a:ext cx="3456384" cy="425876"/>
-            </a:xfrm>
-            <a:custGeom>
-              <a:avLst/>
-              <a:gdLst/>
-              <a:ahLst/>
-              <a:cxnLst/>
-              <a:rect l="0" t="0" r="0" b="0"/>
-              <a:pathLst>
-                <a:path w="17264" h="2710" extrusionOk="0">
-                  <a:moveTo>
-                    <a:pt x="17264" y="0"/>
-                  </a:moveTo>
-                  <a:lnTo>
-                    <a:pt x="17264" y="180"/>
-                  </a:lnTo>
-                  <a:lnTo>
-                    <a:pt x="17010" y="442"/>
-                  </a:lnTo>
-                  <a:lnTo>
-                    <a:pt x="16706" y="689"/>
-                  </a:lnTo>
-                  <a:lnTo>
-                    <a:pt x="16354" y="923"/>
-                  </a:lnTo>
-                  <a:lnTo>
-                    <a:pt x="15959" y="1141"/>
-                  </a:lnTo>
-                  <a:lnTo>
-                    <a:pt x="15524" y="1345"/>
-                  </a:lnTo>
-                  <a:lnTo>
-                    <a:pt x="15050" y="1535"/>
-                  </a:lnTo>
-                  <a:lnTo>
-                    <a:pt x="14543" y="1710"/>
-                  </a:lnTo>
-                  <a:lnTo>
-                    <a:pt x="14003" y="1871"/>
-                  </a:lnTo>
-                  <a:lnTo>
-                    <a:pt x="13437" y="2018"/>
-                  </a:lnTo>
-                  <a:lnTo>
-                    <a:pt x="12844" y="2151"/>
-                  </a:lnTo>
-                  <a:lnTo>
-                    <a:pt x="12232" y="2269"/>
-                  </a:lnTo>
-                  <a:lnTo>
-                    <a:pt x="11599" y="2374"/>
-                  </a:lnTo>
-                  <a:lnTo>
-                    <a:pt x="10952" y="2464"/>
-                  </a:lnTo>
-                  <a:lnTo>
-                    <a:pt x="10294" y="2540"/>
-                  </a:lnTo>
-                  <a:lnTo>
-                    <a:pt x="9625" y="2602"/>
-                  </a:lnTo>
-                  <a:lnTo>
-                    <a:pt x="8951" y="2649"/>
-                  </a:lnTo>
-                  <a:lnTo>
-                    <a:pt x="8275" y="2684"/>
-                  </a:lnTo>
-                  <a:lnTo>
-                    <a:pt x="7599" y="2704"/>
-                  </a:lnTo>
-                  <a:lnTo>
-                    <a:pt x="6928" y="2710"/>
-                  </a:lnTo>
-                  <a:lnTo>
-                    <a:pt x="6264" y="2702"/>
-                  </a:lnTo>
-                  <a:lnTo>
-                    <a:pt x="5609" y="2681"/>
-                  </a:lnTo>
-                  <a:lnTo>
-                    <a:pt x="4968" y="2645"/>
-                  </a:lnTo>
-                  <a:lnTo>
-                    <a:pt x="4344" y="2597"/>
-                  </a:lnTo>
-                  <a:lnTo>
-                    <a:pt x="3740" y="2534"/>
-                  </a:lnTo>
-                  <a:lnTo>
-                    <a:pt x="3158" y="2457"/>
-                  </a:lnTo>
-                  <a:lnTo>
-                    <a:pt x="2603" y="2367"/>
-                  </a:lnTo>
-                  <a:lnTo>
-                    <a:pt x="2077" y="2264"/>
-                  </a:lnTo>
-                  <a:lnTo>
-                    <a:pt x="1584" y="2147"/>
-                  </a:lnTo>
-                  <a:lnTo>
-                    <a:pt x="1126" y="2016"/>
-                  </a:lnTo>
-                  <a:lnTo>
-                    <a:pt x="708" y="1871"/>
-                  </a:lnTo>
-                  <a:lnTo>
-                    <a:pt x="331" y="1714"/>
-                  </a:lnTo>
-                  <a:lnTo>
-                    <a:pt x="0" y="1543"/>
-                  </a:lnTo>
-                  <a:lnTo>
-                    <a:pt x="0" y="1474"/>
-                  </a:lnTo>
-                  <a:lnTo>
-                    <a:pt x="341" y="1635"/>
-                  </a:lnTo>
-                  <a:lnTo>
-                    <a:pt x="727" y="1784"/>
-                  </a:lnTo>
-                  <a:lnTo>
-                    <a:pt x="1155" y="1920"/>
-                  </a:lnTo>
-                  <a:lnTo>
-                    <a:pt x="1621" y="2042"/>
-                  </a:lnTo>
-                  <a:lnTo>
-                    <a:pt x="2121" y="2151"/>
-                  </a:lnTo>
-                  <a:lnTo>
-                    <a:pt x="2654" y="2249"/>
-                  </a:lnTo>
-                  <a:lnTo>
-                    <a:pt x="3215" y="2331"/>
-                  </a:lnTo>
-                  <a:lnTo>
-                    <a:pt x="3803" y="2401"/>
-                  </a:lnTo>
-                  <a:lnTo>
-                    <a:pt x="4413" y="2457"/>
-                  </a:lnTo>
-                  <a:lnTo>
-                    <a:pt x="5041" y="2500"/>
-                  </a:lnTo>
-                  <a:lnTo>
-                    <a:pt x="5686" y="2531"/>
-                  </a:lnTo>
-                  <a:lnTo>
-                    <a:pt x="6343" y="2547"/>
-                  </a:lnTo>
-                  <a:lnTo>
-                    <a:pt x="7011" y="2550"/>
-                  </a:lnTo>
-                  <a:lnTo>
-                    <a:pt x="7685" y="2539"/>
-                  </a:lnTo>
-                  <a:lnTo>
-                    <a:pt x="8361" y="2515"/>
-                  </a:lnTo>
-                  <a:lnTo>
-                    <a:pt x="9039" y="2478"/>
-                  </a:lnTo>
-                  <a:lnTo>
-                    <a:pt x="9712" y="2426"/>
-                  </a:lnTo>
-                  <a:lnTo>
-                    <a:pt x="10379" y="2361"/>
-                  </a:lnTo>
-                  <a:lnTo>
-                    <a:pt x="11037" y="2283"/>
-                  </a:lnTo>
-                  <a:lnTo>
-                    <a:pt x="11682" y="2190"/>
-                  </a:lnTo>
-                  <a:lnTo>
-                    <a:pt x="12311" y="2084"/>
-                  </a:lnTo>
-                  <a:lnTo>
-                    <a:pt x="12921" y="1964"/>
-                  </a:lnTo>
-                  <a:lnTo>
-                    <a:pt x="13509" y="1831"/>
-                  </a:lnTo>
-                  <a:lnTo>
-                    <a:pt x="14070" y="1683"/>
-                  </a:lnTo>
-                  <a:lnTo>
-                    <a:pt x="14604" y="1522"/>
-                  </a:lnTo>
-                  <a:lnTo>
-                    <a:pt x="15105" y="1347"/>
-                  </a:lnTo>
-                  <a:lnTo>
-                    <a:pt x="15571" y="1158"/>
-                  </a:lnTo>
-                  <a:lnTo>
-                    <a:pt x="15999" y="954"/>
-                  </a:lnTo>
-                  <a:lnTo>
-                    <a:pt x="16386" y="737"/>
-                  </a:lnTo>
-                  <a:lnTo>
-                    <a:pt x="16728" y="506"/>
-                  </a:lnTo>
-                  <a:lnTo>
-                    <a:pt x="17021" y="260"/>
-                  </a:lnTo>
-                  <a:lnTo>
-                    <a:pt x="17264" y="0"/>
-                  </a:lnTo>
-                  <a:close/>
-                </a:path>
-              </a:pathLst>
-            </a:custGeom>
-            <a:solidFill>
-              <a:srgbClr val="47D147"/>
-            </a:solidFill>
-            <a:ln>
-              <a:noFill/>
-            </a:ln>
-          </p:spPr>
-          <p:txBody>
-            <a:bodyPr lIns="91425" tIns="45700" rIns="91425" bIns="45700" anchor="t" anchorCtr="0">
-              <a:noAutofit/>
-            </a:bodyPr>
-            <a:lstStyle/>
-            <a:p>
-              <a:pPr marL="0" marR="0" lvl="0" indent="0" algn="l" rtl="0">
-                <a:spcBef>
-                  <a:spcPts val="0"/>
-                </a:spcBef>
-                <a:buNone/>
-              </a:pPr>
-              <a:endParaRPr sz="1800" b="0" i="0" u="none" strike="noStrike" cap="none" baseline="0">
-                <a:solidFill>
-                  <a:schemeClr val="dk1"/>
-                </a:solidFill>
-                <a:latin typeface="Calibri"/>
-                <a:ea typeface="Calibri"/>
-                <a:cs typeface="Calibri"/>
-                <a:sym typeface="Calibri"/>
-              </a:endParaRPr>
-            </a:p>
-          </p:txBody>
-        </p:sp>
-      </p:grpSp>
-      <p:grpSp>
-        <p:nvGrpSpPr>
-          <p:cNvPr id="19" name="Shape 12"/>
-          <p:cNvGrpSpPr/>
-          <p:nvPr userDrawn="1"/>
-        </p:nvGrpSpPr>
-        <p:grpSpPr>
-          <a:xfrm>
-            <a:off x="-1" y="2141264"/>
-            <a:ext cx="5626745" cy="4716736"/>
-            <a:chOff x="0" y="2533588"/>
-            <a:chExt cx="8022335" cy="8966518"/>
-          </a:xfrm>
-        </p:grpSpPr>
-        <p:sp>
-          <p:nvSpPr>
-            <p:cNvPr id="20" name="Shape 13"/>
-            <p:cNvSpPr/>
-            <p:nvPr/>
-          </p:nvSpPr>
-          <p:spPr>
-            <a:xfrm>
-              <a:off x="0" y="2533588"/>
-              <a:ext cx="4127500" cy="2514597"/>
-            </a:xfrm>
-            <a:custGeom>
-              <a:avLst/>
-              <a:gdLst/>
-              <a:ahLst/>
-              <a:cxnLst/>
-              <a:rect l="0" t="0" r="0" b="0"/>
-              <a:pathLst>
-                <a:path w="2600" h="1587" extrusionOk="0">
-                  <a:moveTo>
-                    <a:pt x="0" y="0"/>
-                  </a:moveTo>
-                  <a:lnTo>
-                    <a:pt x="0" y="0"/>
-                  </a:lnTo>
-                  <a:lnTo>
-                    <a:pt x="63" y="8"/>
-                  </a:lnTo>
-                  <a:lnTo>
-                    <a:pt x="124" y="18"/>
-                  </a:lnTo>
-                  <a:lnTo>
-                    <a:pt x="185" y="28"/>
-                  </a:lnTo>
-                  <a:lnTo>
-                    <a:pt x="246" y="40"/>
-                  </a:lnTo>
-                  <a:lnTo>
-                    <a:pt x="305" y="53"/>
-                  </a:lnTo>
-                  <a:lnTo>
-                    <a:pt x="365" y="64"/>
-                  </a:lnTo>
-                  <a:lnTo>
-                    <a:pt x="480" y="94"/>
-                  </a:lnTo>
-                  <a:lnTo>
-                    <a:pt x="596" y="127"/>
-                  </a:lnTo>
-                  <a:lnTo>
-                    <a:pt x="706" y="162"/>
-                  </a:lnTo>
-                  <a:lnTo>
-                    <a:pt x="815" y="200"/>
-                  </a:lnTo>
-                  <a:lnTo>
-                    <a:pt x="921" y="241"/>
-                  </a:lnTo>
-                  <a:lnTo>
-                    <a:pt x="1025" y="286"/>
-                  </a:lnTo>
-                  <a:lnTo>
-                    <a:pt x="1126" y="330"/>
-                  </a:lnTo>
-                  <a:lnTo>
-                    <a:pt x="1223" y="380"/>
-                  </a:lnTo>
-                  <a:lnTo>
-                    <a:pt x="1319" y="429"/>
-                  </a:lnTo>
-                  <a:lnTo>
-                    <a:pt x="1411" y="482"/>
-                  </a:lnTo>
-                  <a:lnTo>
-                    <a:pt x="1502" y="537"/>
-                  </a:lnTo>
-                  <a:lnTo>
-                    <a:pt x="1588" y="591"/>
-                  </a:lnTo>
-                  <a:lnTo>
-                    <a:pt x="1672" y="649"/>
-                  </a:lnTo>
-                  <a:lnTo>
-                    <a:pt x="1753" y="707"/>
-                  </a:lnTo>
-                  <a:lnTo>
-                    <a:pt x="1831" y="764"/>
-                  </a:lnTo>
-                  <a:lnTo>
-                    <a:pt x="1907" y="824"/>
-                  </a:lnTo>
-                  <a:lnTo>
-                    <a:pt x="1979" y="885"/>
-                  </a:lnTo>
-                  <a:lnTo>
-                    <a:pt x="2047" y="946"/>
-                  </a:lnTo>
-                  <a:lnTo>
-                    <a:pt x="2113" y="1005"/>
-                  </a:lnTo>
-                  <a:lnTo>
-                    <a:pt x="2177" y="1066"/>
-                  </a:lnTo>
-                  <a:lnTo>
-                    <a:pt x="2237" y="1128"/>
-                  </a:lnTo>
-                  <a:lnTo>
-                    <a:pt x="2293" y="1189"/>
-                  </a:lnTo>
-                  <a:lnTo>
-                    <a:pt x="2347" y="1248"/>
-                  </a:lnTo>
-                  <a:lnTo>
-                    <a:pt x="2397" y="1308"/>
-                  </a:lnTo>
-                  <a:lnTo>
-                    <a:pt x="2445" y="1365"/>
-                  </a:lnTo>
-                  <a:lnTo>
-                    <a:pt x="2488" y="1423"/>
-                  </a:lnTo>
-                  <a:lnTo>
-                    <a:pt x="2529" y="1479"/>
-                  </a:lnTo>
-                  <a:lnTo>
-                    <a:pt x="2565" y="1534"/>
-                  </a:lnTo>
-                  <a:lnTo>
-                    <a:pt x="2600" y="1587"/>
-                  </a:lnTo>
-                  <a:lnTo>
-                    <a:pt x="2600" y="1587"/>
-                  </a:lnTo>
-                  <a:lnTo>
-                    <a:pt x="2570" y="1555"/>
-                  </a:lnTo>
-                  <a:lnTo>
-                    <a:pt x="2535" y="1522"/>
-                  </a:lnTo>
-                  <a:lnTo>
-                    <a:pt x="2497" y="1487"/>
-                  </a:lnTo>
-                  <a:lnTo>
-                    <a:pt x="2455" y="1451"/>
-                  </a:lnTo>
-                  <a:lnTo>
-                    <a:pt x="2408" y="1413"/>
-                  </a:lnTo>
-                  <a:lnTo>
-                    <a:pt x="2359" y="1375"/>
-                  </a:lnTo>
-                  <a:lnTo>
-                    <a:pt x="2304" y="1336"/>
-                  </a:lnTo>
-                  <a:lnTo>
-                    <a:pt x="2247" y="1294"/>
-                  </a:lnTo>
-                  <a:lnTo>
-                    <a:pt x="2185" y="1255"/>
-                  </a:lnTo>
-                  <a:lnTo>
-                    <a:pt x="2119" y="1215"/>
-                  </a:lnTo>
-                  <a:lnTo>
-                    <a:pt x="2052" y="1174"/>
-                  </a:lnTo>
-                  <a:lnTo>
-                    <a:pt x="1981" y="1134"/>
-                  </a:lnTo>
-                  <a:lnTo>
-                    <a:pt x="1905" y="1096"/>
-                  </a:lnTo>
-                  <a:lnTo>
-                    <a:pt x="1827" y="1058"/>
-                  </a:lnTo>
-                  <a:lnTo>
-                    <a:pt x="1746" y="1020"/>
-                  </a:lnTo>
-                  <a:lnTo>
-                    <a:pt x="1662" y="986"/>
-                  </a:lnTo>
-                  <a:lnTo>
-                    <a:pt x="1576" y="953"/>
-                  </a:lnTo>
-                  <a:lnTo>
-                    <a:pt x="1486" y="921"/>
-                  </a:lnTo>
-                  <a:lnTo>
-                    <a:pt x="1393" y="891"/>
-                  </a:lnTo>
-                  <a:lnTo>
-                    <a:pt x="1299" y="865"/>
-                  </a:lnTo>
-                  <a:lnTo>
-                    <a:pt x="1202" y="840"/>
-                  </a:lnTo>
-                  <a:lnTo>
-                    <a:pt x="1103" y="819"/>
-                  </a:lnTo>
-                  <a:lnTo>
-                    <a:pt x="1000" y="801"/>
-                  </a:lnTo>
-                  <a:lnTo>
-                    <a:pt x="896" y="787"/>
-                  </a:lnTo>
-                  <a:lnTo>
-                    <a:pt x="843" y="781"/>
-                  </a:lnTo>
-                  <a:lnTo>
-                    <a:pt x="791" y="776"/>
-                  </a:lnTo>
-                  <a:lnTo>
-                    <a:pt x="738" y="773"/>
-                  </a:lnTo>
-                  <a:lnTo>
-                    <a:pt x="683" y="769"/>
-                  </a:lnTo>
-                  <a:lnTo>
-                    <a:pt x="629" y="768"/>
-                  </a:lnTo>
-                  <a:lnTo>
-                    <a:pt x="573" y="768"/>
-                  </a:lnTo>
-                  <a:lnTo>
-                    <a:pt x="518" y="768"/>
-                  </a:lnTo>
-                  <a:lnTo>
-                    <a:pt x="462" y="769"/>
-                  </a:lnTo>
-                  <a:lnTo>
-                    <a:pt x="406" y="773"/>
-                  </a:lnTo>
-                  <a:lnTo>
-                    <a:pt x="348" y="776"/>
-                  </a:lnTo>
-                  <a:lnTo>
-                    <a:pt x="292" y="781"/>
-                  </a:lnTo>
-                  <a:lnTo>
-                    <a:pt x="234" y="787"/>
-                  </a:lnTo>
-                  <a:lnTo>
-                    <a:pt x="177" y="796"/>
-                  </a:lnTo>
-                  <a:lnTo>
-                    <a:pt x="117" y="806"/>
-                  </a:lnTo>
-                  <a:lnTo>
-                    <a:pt x="59" y="816"/>
-                  </a:lnTo>
-                  <a:lnTo>
-                    <a:pt x="0" y="827"/>
-                  </a:lnTo>
-                  <a:lnTo>
-                    <a:pt x="0" y="0"/>
-                  </a:lnTo>
-                  <a:lnTo>
-                    <a:pt x="0" y="0"/>
-                  </a:lnTo>
-                  <a:close/>
-                </a:path>
-              </a:pathLst>
-            </a:custGeom>
-            <a:solidFill>
-              <a:srgbClr val="D9F5D9"/>
-            </a:solidFill>
-            <a:ln>
-              <a:noFill/>
-            </a:ln>
-          </p:spPr>
-          <p:txBody>
-            <a:bodyPr lIns="91425" tIns="45700" rIns="91425" bIns="45700" anchor="t" anchorCtr="0">
-              <a:noAutofit/>
-            </a:bodyPr>
-            <a:lstStyle/>
-            <a:p>
-              <a:pPr marL="0" marR="0" lvl="0" indent="0" algn="l" rtl="0">
-                <a:spcBef>
-                  <a:spcPts val="0"/>
-                </a:spcBef>
-                <a:buNone/>
-              </a:pPr>
-              <a:endParaRPr sz="1800" b="0" i="0" u="none" strike="noStrike" cap="none" baseline="0">
-                <a:solidFill>
-                  <a:schemeClr val="dk1"/>
-                </a:solidFill>
-                <a:latin typeface="Calibri"/>
-                <a:ea typeface="Calibri"/>
-                <a:cs typeface="Calibri"/>
-                <a:sym typeface="Calibri"/>
-              </a:endParaRPr>
-            </a:p>
-          </p:txBody>
-        </p:sp>
-        <p:sp>
-          <p:nvSpPr>
-            <p:cNvPr id="21" name="Shape 14"/>
-            <p:cNvSpPr/>
-            <p:nvPr/>
-          </p:nvSpPr>
-          <p:spPr>
-            <a:xfrm>
-              <a:off x="0" y="4980432"/>
-              <a:ext cx="3184027" cy="6519673"/>
-            </a:xfrm>
-            <a:custGeom>
-              <a:avLst/>
-              <a:gdLst/>
-              <a:ahLst/>
-              <a:cxnLst/>
-              <a:rect l="0" t="0" r="0" b="0"/>
-              <a:pathLst>
-                <a:path w="857" h="2024" extrusionOk="0">
-                  <a:moveTo>
-                    <a:pt x="0" y="776"/>
-                  </a:moveTo>
-                  <a:lnTo>
-                    <a:pt x="0" y="776"/>
-                  </a:lnTo>
-                  <a:lnTo>
-                    <a:pt x="38" y="703"/>
-                  </a:lnTo>
-                  <a:lnTo>
-                    <a:pt x="78" y="634"/>
-                  </a:lnTo>
-                  <a:lnTo>
-                    <a:pt x="119" y="566"/>
-                  </a:lnTo>
-                  <a:lnTo>
-                    <a:pt x="162" y="502"/>
-                  </a:lnTo>
-                  <a:lnTo>
-                    <a:pt x="208" y="441"/>
-                  </a:lnTo>
-                  <a:lnTo>
-                    <a:pt x="256" y="381"/>
-                  </a:lnTo>
-                  <a:lnTo>
-                    <a:pt x="305" y="327"/>
-                  </a:lnTo>
-                  <a:lnTo>
-                    <a:pt x="330" y="300"/>
-                  </a:lnTo>
-                  <a:lnTo>
-                    <a:pt x="357" y="274"/>
-                  </a:lnTo>
-                  <a:lnTo>
-                    <a:pt x="385" y="249"/>
-                  </a:lnTo>
-                  <a:lnTo>
-                    <a:pt x="411" y="226"/>
-                  </a:lnTo>
-                  <a:lnTo>
-                    <a:pt x="439" y="203"/>
-                  </a:lnTo>
-                  <a:lnTo>
-                    <a:pt x="469" y="182"/>
-                  </a:lnTo>
-                  <a:lnTo>
-                    <a:pt x="497" y="160"/>
-                  </a:lnTo>
-                  <a:lnTo>
-                    <a:pt x="527" y="140"/>
-                  </a:lnTo>
-                  <a:lnTo>
-                    <a:pt x="558" y="122"/>
-                  </a:lnTo>
-                  <a:lnTo>
-                    <a:pt x="588" y="104"/>
-                  </a:lnTo>
-                  <a:lnTo>
-                    <a:pt x="619" y="87"/>
-                  </a:lnTo>
-                  <a:lnTo>
-                    <a:pt x="652" y="71"/>
-                  </a:lnTo>
-                  <a:lnTo>
-                    <a:pt x="685" y="56"/>
-                  </a:lnTo>
-                  <a:lnTo>
-                    <a:pt x="718" y="43"/>
-                  </a:lnTo>
-                  <a:lnTo>
-                    <a:pt x="751" y="31"/>
-                  </a:lnTo>
-                  <a:lnTo>
-                    <a:pt x="786" y="20"/>
-                  </a:lnTo>
-                  <a:lnTo>
-                    <a:pt x="822" y="10"/>
-                  </a:lnTo>
-                  <a:lnTo>
-                    <a:pt x="857" y="0"/>
-                  </a:lnTo>
-                  <a:lnTo>
-                    <a:pt x="857" y="0"/>
-                  </a:lnTo>
-                  <a:lnTo>
-                    <a:pt x="806" y="46"/>
-                  </a:lnTo>
-                  <a:lnTo>
-                    <a:pt x="754" y="94"/>
-                  </a:lnTo>
-                  <a:lnTo>
-                    <a:pt x="706" y="144"/>
-                  </a:lnTo>
-                  <a:lnTo>
-                    <a:pt x="660" y="196"/>
-                  </a:lnTo>
-                  <a:lnTo>
-                    <a:pt x="617" y="249"/>
-                  </a:lnTo>
-                  <a:lnTo>
-                    <a:pt x="576" y="304"/>
-                  </a:lnTo>
-                  <a:lnTo>
-                    <a:pt x="536" y="362"/>
-                  </a:lnTo>
-                  <a:lnTo>
-                    <a:pt x="498" y="419"/>
-                  </a:lnTo>
-                  <a:lnTo>
-                    <a:pt x="462" y="479"/>
-                  </a:lnTo>
-                  <a:lnTo>
-                    <a:pt x="429" y="538"/>
-                  </a:lnTo>
-                  <a:lnTo>
-                    <a:pt x="398" y="601"/>
-                  </a:lnTo>
-                  <a:lnTo>
-                    <a:pt x="368" y="664"/>
-                  </a:lnTo>
-                  <a:lnTo>
-                    <a:pt x="340" y="728"/>
-                  </a:lnTo>
-                  <a:lnTo>
-                    <a:pt x="315" y="792"/>
-                  </a:lnTo>
-                  <a:lnTo>
-                    <a:pt x="291" y="858"/>
-                  </a:lnTo>
-                  <a:lnTo>
-                    <a:pt x="269" y="925"/>
-                  </a:lnTo>
-                  <a:lnTo>
-                    <a:pt x="249" y="992"/>
-                  </a:lnTo>
-                  <a:lnTo>
-                    <a:pt x="229" y="1060"/>
-                  </a:lnTo>
-                  <a:lnTo>
-                    <a:pt x="213" y="1128"/>
-                  </a:lnTo>
-                  <a:lnTo>
-                    <a:pt x="198" y="1197"/>
-                  </a:lnTo>
-                  <a:lnTo>
-                    <a:pt x="185" y="1266"/>
-                  </a:lnTo>
-                  <a:lnTo>
-                    <a:pt x="173" y="1336"/>
-                  </a:lnTo>
-                  <a:lnTo>
-                    <a:pt x="162" y="1405"/>
-                  </a:lnTo>
-                  <a:lnTo>
-                    <a:pt x="154" y="1474"/>
-                  </a:lnTo>
-                  <a:lnTo>
-                    <a:pt x="147" y="1544"/>
-                  </a:lnTo>
-                  <a:lnTo>
-                    <a:pt x="140" y="1613"/>
-                  </a:lnTo>
-                  <a:lnTo>
-                    <a:pt x="137" y="1682"/>
-                  </a:lnTo>
-                  <a:lnTo>
-                    <a:pt x="134" y="1752"/>
-                  </a:lnTo>
-                  <a:lnTo>
-                    <a:pt x="132" y="1821"/>
-                  </a:lnTo>
-                  <a:lnTo>
-                    <a:pt x="132" y="1889"/>
-                  </a:lnTo>
-                  <a:lnTo>
-                    <a:pt x="134" y="1956"/>
-                  </a:lnTo>
-                  <a:lnTo>
-                    <a:pt x="135" y="2024"/>
-                  </a:lnTo>
-                  <a:lnTo>
-                    <a:pt x="0" y="2024"/>
-                  </a:lnTo>
-                  <a:lnTo>
-                    <a:pt x="0" y="776"/>
-                  </a:lnTo>
-                  <a:lnTo>
-                    <a:pt x="0" y="776"/>
-                  </a:lnTo>
-                  <a:close/>
-                </a:path>
-              </a:pathLst>
-            </a:custGeom>
-            <a:solidFill>
-              <a:srgbClr val="B4ECB4">
-                <a:alpha val="43921"/>
-              </a:srgbClr>
-            </a:solidFill>
-            <a:ln>
-              <a:noFill/>
-            </a:ln>
-          </p:spPr>
-          <p:txBody>
-            <a:bodyPr lIns="91425" tIns="45700" rIns="91425" bIns="45700" anchor="t" anchorCtr="0">
-              <a:noAutofit/>
-            </a:bodyPr>
-            <a:lstStyle/>
-            <a:p>
-              <a:pPr marL="0" marR="0" lvl="0" indent="0" algn="l" rtl="0">
-                <a:spcBef>
-                  <a:spcPts val="0"/>
-                </a:spcBef>
-                <a:buNone/>
-              </a:pPr>
-              <a:endParaRPr sz="1800" b="0" i="0" u="none" strike="noStrike" cap="none" baseline="0">
-                <a:solidFill>
-                  <a:schemeClr val="dk1"/>
-                </a:solidFill>
-                <a:latin typeface="Calibri"/>
-                <a:ea typeface="Calibri"/>
-                <a:cs typeface="Calibri"/>
-                <a:sym typeface="Calibri"/>
-              </a:endParaRPr>
-            </a:p>
-          </p:txBody>
-        </p:sp>
-        <p:sp>
-          <p:nvSpPr>
-            <p:cNvPr id="22" name="Shape 15"/>
-            <p:cNvSpPr/>
-            <p:nvPr/>
-          </p:nvSpPr>
-          <p:spPr>
-            <a:xfrm>
-              <a:off x="0" y="3371787"/>
-              <a:ext cx="2895601" cy="2154237"/>
-            </a:xfrm>
-            <a:custGeom>
-              <a:avLst/>
-              <a:gdLst/>
-              <a:ahLst/>
-              <a:cxnLst/>
-              <a:rect l="0" t="0" r="0" b="0"/>
-              <a:pathLst>
-                <a:path w="1974" h="1357" extrusionOk="0">
-                  <a:moveTo>
-                    <a:pt x="0" y="118"/>
-                  </a:moveTo>
-                  <a:lnTo>
-                    <a:pt x="0" y="118"/>
-                  </a:lnTo>
-                  <a:lnTo>
-                    <a:pt x="83" y="92"/>
-                  </a:lnTo>
-                  <a:lnTo>
-                    <a:pt x="165" y="69"/>
-                  </a:lnTo>
-                  <a:lnTo>
-                    <a:pt x="246" y="49"/>
-                  </a:lnTo>
-                  <a:lnTo>
-                    <a:pt x="327" y="33"/>
-                  </a:lnTo>
-                  <a:lnTo>
-                    <a:pt x="408" y="21"/>
-                  </a:lnTo>
-                  <a:lnTo>
-                    <a:pt x="487" y="11"/>
-                  </a:lnTo>
-                  <a:lnTo>
-                    <a:pt x="566" y="5"/>
-                  </a:lnTo>
-                  <a:lnTo>
-                    <a:pt x="645" y="1"/>
-                  </a:lnTo>
-                  <a:lnTo>
-                    <a:pt x="721" y="0"/>
-                  </a:lnTo>
-                  <a:lnTo>
-                    <a:pt x="797" y="1"/>
-                  </a:lnTo>
-                  <a:lnTo>
-                    <a:pt x="873" y="6"/>
-                  </a:lnTo>
-                  <a:lnTo>
-                    <a:pt x="946" y="13"/>
-                  </a:lnTo>
-                  <a:lnTo>
-                    <a:pt x="1018" y="23"/>
-                  </a:lnTo>
-                  <a:lnTo>
-                    <a:pt x="1088" y="33"/>
-                  </a:lnTo>
-                  <a:lnTo>
-                    <a:pt x="1157" y="47"/>
-                  </a:lnTo>
-                  <a:lnTo>
-                    <a:pt x="1225" y="62"/>
-                  </a:lnTo>
-                  <a:lnTo>
-                    <a:pt x="1289" y="79"/>
-                  </a:lnTo>
-                  <a:lnTo>
-                    <a:pt x="1352" y="97"/>
-                  </a:lnTo>
-                  <a:lnTo>
-                    <a:pt x="1413" y="117"/>
-                  </a:lnTo>
-                  <a:lnTo>
-                    <a:pt x="1472" y="138"/>
-                  </a:lnTo>
-                  <a:lnTo>
-                    <a:pt x="1530" y="161"/>
-                  </a:lnTo>
-                  <a:lnTo>
-                    <a:pt x="1585" y="184"/>
-                  </a:lnTo>
-                  <a:lnTo>
-                    <a:pt x="1636" y="209"/>
-                  </a:lnTo>
-                  <a:lnTo>
-                    <a:pt x="1685" y="236"/>
-                  </a:lnTo>
-                  <a:lnTo>
-                    <a:pt x="1732" y="262"/>
-                  </a:lnTo>
-                  <a:lnTo>
-                    <a:pt x="1776" y="288"/>
-                  </a:lnTo>
-                  <a:lnTo>
-                    <a:pt x="1816" y="315"/>
-                  </a:lnTo>
-                  <a:lnTo>
-                    <a:pt x="1854" y="343"/>
-                  </a:lnTo>
-                  <a:lnTo>
-                    <a:pt x="1888" y="371"/>
-                  </a:lnTo>
-                  <a:lnTo>
-                    <a:pt x="1921" y="399"/>
-                  </a:lnTo>
-                  <a:lnTo>
-                    <a:pt x="1949" y="427"/>
-                  </a:lnTo>
-                  <a:lnTo>
-                    <a:pt x="1974" y="455"/>
-                  </a:lnTo>
-                  <a:lnTo>
-                    <a:pt x="1974" y="455"/>
-                  </a:lnTo>
-                  <a:lnTo>
-                    <a:pt x="1920" y="434"/>
-                  </a:lnTo>
-                  <a:lnTo>
-                    <a:pt x="1864" y="412"/>
-                  </a:lnTo>
-                  <a:lnTo>
-                    <a:pt x="1804" y="394"/>
-                  </a:lnTo>
-                  <a:lnTo>
-                    <a:pt x="1743" y="376"/>
-                  </a:lnTo>
-                  <a:lnTo>
-                    <a:pt x="1680" y="361"/>
-                  </a:lnTo>
-                  <a:lnTo>
-                    <a:pt x="1614" y="348"/>
-                  </a:lnTo>
-                  <a:lnTo>
-                    <a:pt x="1548" y="338"/>
-                  </a:lnTo>
-                  <a:lnTo>
-                    <a:pt x="1481" y="330"/>
-                  </a:lnTo>
-                  <a:lnTo>
-                    <a:pt x="1413" y="323"/>
-                  </a:lnTo>
-                  <a:lnTo>
-                    <a:pt x="1344" y="320"/>
-                  </a:lnTo>
-                  <a:lnTo>
-                    <a:pt x="1273" y="321"/>
-                  </a:lnTo>
-                  <a:lnTo>
-                    <a:pt x="1203" y="325"/>
-                  </a:lnTo>
-                  <a:lnTo>
-                    <a:pt x="1132" y="331"/>
-                  </a:lnTo>
-                  <a:lnTo>
-                    <a:pt x="1061" y="341"/>
-                  </a:lnTo>
-                  <a:lnTo>
-                    <a:pt x="990" y="356"/>
-                  </a:lnTo>
-                  <a:lnTo>
-                    <a:pt x="954" y="364"/>
-                  </a:lnTo>
-                  <a:lnTo>
-                    <a:pt x="919" y="374"/>
-                  </a:lnTo>
-                  <a:lnTo>
-                    <a:pt x="885" y="384"/>
-                  </a:lnTo>
-                  <a:lnTo>
-                    <a:pt x="850" y="396"/>
-                  </a:lnTo>
-                  <a:lnTo>
-                    <a:pt x="815" y="409"/>
-                  </a:lnTo>
-                  <a:lnTo>
-                    <a:pt x="781" y="424"/>
-                  </a:lnTo>
-                  <a:lnTo>
-                    <a:pt x="746" y="439"/>
-                  </a:lnTo>
-                  <a:lnTo>
-                    <a:pt x="711" y="455"/>
-                  </a:lnTo>
-                  <a:lnTo>
-                    <a:pt x="678" y="472"/>
-                  </a:lnTo>
-                  <a:lnTo>
-                    <a:pt x="645" y="490"/>
-                  </a:lnTo>
-                  <a:lnTo>
-                    <a:pt x="612" y="510"/>
-                  </a:lnTo>
-                  <a:lnTo>
-                    <a:pt x="579" y="531"/>
-                  </a:lnTo>
-                  <a:lnTo>
-                    <a:pt x="546" y="554"/>
-                  </a:lnTo>
-                  <a:lnTo>
-                    <a:pt x="515" y="577"/>
-                  </a:lnTo>
-                  <a:lnTo>
-                    <a:pt x="484" y="602"/>
-                  </a:lnTo>
-                  <a:lnTo>
-                    <a:pt x="452" y="629"/>
-                  </a:lnTo>
-                  <a:lnTo>
-                    <a:pt x="421" y="657"/>
-                  </a:lnTo>
-                  <a:lnTo>
-                    <a:pt x="391" y="685"/>
-                  </a:lnTo>
-                  <a:lnTo>
-                    <a:pt x="361" y="716"/>
-                  </a:lnTo>
-                  <a:lnTo>
-                    <a:pt x="333" y="747"/>
-                  </a:lnTo>
-                  <a:lnTo>
-                    <a:pt x="304" y="780"/>
-                  </a:lnTo>
-                  <a:lnTo>
-                    <a:pt x="277" y="815"/>
-                  </a:lnTo>
-                  <a:lnTo>
-                    <a:pt x="249" y="851"/>
-                  </a:lnTo>
-                  <a:lnTo>
-                    <a:pt x="223" y="889"/>
-                  </a:lnTo>
-                  <a:lnTo>
-                    <a:pt x="198" y="929"/>
-                  </a:lnTo>
-                  <a:lnTo>
-                    <a:pt x="172" y="970"/>
-                  </a:lnTo>
-                  <a:lnTo>
-                    <a:pt x="149" y="1012"/>
-                  </a:lnTo>
-                  <a:lnTo>
-                    <a:pt x="124" y="1056"/>
-                  </a:lnTo>
-                  <a:lnTo>
-                    <a:pt x="101" y="1102"/>
-                  </a:lnTo>
-                  <a:lnTo>
-                    <a:pt x="79" y="1150"/>
-                  </a:lnTo>
-                  <a:lnTo>
-                    <a:pt x="58" y="1198"/>
-                  </a:lnTo>
-                  <a:lnTo>
-                    <a:pt x="38" y="1249"/>
-                  </a:lnTo>
-                  <a:lnTo>
-                    <a:pt x="18" y="1302"/>
-                  </a:lnTo>
-                  <a:lnTo>
-                    <a:pt x="0" y="1357"/>
-                  </a:lnTo>
-                  <a:lnTo>
-                    <a:pt x="0" y="118"/>
-                  </a:lnTo>
-                  <a:lnTo>
-                    <a:pt x="0" y="118"/>
-                  </a:lnTo>
-                  <a:close/>
-                </a:path>
-              </a:pathLst>
-            </a:custGeom>
-            <a:solidFill>
-              <a:srgbClr val="B4ECB4"/>
-            </a:solidFill>
-            <a:ln>
-              <a:noFill/>
-            </a:ln>
-          </p:spPr>
-          <p:txBody>
-            <a:bodyPr lIns="91425" tIns="45700" rIns="91425" bIns="45700" anchor="t" anchorCtr="0">
-              <a:noAutofit/>
-            </a:bodyPr>
-            <a:lstStyle/>
-            <a:p>
-              <a:pPr marL="0" marR="0" lvl="0" indent="0" algn="l" rtl="0">
-                <a:spcBef>
-                  <a:spcPts val="0"/>
-                </a:spcBef>
-                <a:buNone/>
-              </a:pPr>
-              <a:endParaRPr sz="1800" b="0" i="0" u="none" strike="noStrike" cap="none" baseline="0">
-                <a:solidFill>
-                  <a:schemeClr val="dk1"/>
-                </a:solidFill>
-                <a:latin typeface="Calibri"/>
-                <a:ea typeface="Calibri"/>
-                <a:cs typeface="Calibri"/>
-                <a:sym typeface="Calibri"/>
-              </a:endParaRPr>
-            </a:p>
-          </p:txBody>
-        </p:sp>
-        <p:sp>
-          <p:nvSpPr>
-            <p:cNvPr id="23" name="Shape 16"/>
-            <p:cNvSpPr/>
-            <p:nvPr/>
-          </p:nvSpPr>
-          <p:spPr>
-            <a:xfrm>
-              <a:off x="1502663" y="5586916"/>
-              <a:ext cx="6519671" cy="5913190"/>
-            </a:xfrm>
-            <a:custGeom>
-              <a:avLst/>
-              <a:gdLst/>
-              <a:ahLst/>
-              <a:cxnLst/>
-              <a:rect l="0" t="0" r="0" b="0"/>
-              <a:pathLst>
-                <a:path w="2552" h="2085" extrusionOk="0">
-                  <a:moveTo>
-                    <a:pt x="1377" y="130"/>
-                  </a:moveTo>
-                  <a:lnTo>
-                    <a:pt x="1377" y="130"/>
-                  </a:lnTo>
-                  <a:lnTo>
-                    <a:pt x="1339" y="109"/>
-                  </a:lnTo>
-                  <a:lnTo>
-                    <a:pt x="1299" y="89"/>
-                  </a:lnTo>
-                  <a:lnTo>
-                    <a:pt x="1260" y="73"/>
-                  </a:lnTo>
-                  <a:lnTo>
-                    <a:pt x="1220" y="56"/>
-                  </a:lnTo>
-                  <a:lnTo>
-                    <a:pt x="1179" y="43"/>
-                  </a:lnTo>
-                  <a:lnTo>
-                    <a:pt x="1137" y="30"/>
-                  </a:lnTo>
-                  <a:lnTo>
-                    <a:pt x="1094" y="20"/>
-                  </a:lnTo>
-                  <a:lnTo>
-                    <a:pt x="1052" y="11"/>
-                  </a:lnTo>
-                  <a:lnTo>
-                    <a:pt x="1009" y="7"/>
-                  </a:lnTo>
-                  <a:lnTo>
-                    <a:pt x="966" y="2"/>
-                  </a:lnTo>
-                  <a:lnTo>
-                    <a:pt x="923" y="0"/>
-                  </a:lnTo>
-                  <a:lnTo>
-                    <a:pt x="880" y="0"/>
-                  </a:lnTo>
-                  <a:lnTo>
-                    <a:pt x="837" y="2"/>
-                  </a:lnTo>
-                  <a:lnTo>
-                    <a:pt x="794" y="5"/>
-                  </a:lnTo>
-                  <a:lnTo>
-                    <a:pt x="751" y="10"/>
-                  </a:lnTo>
-                  <a:lnTo>
-                    <a:pt x="708" y="18"/>
-                  </a:lnTo>
-                  <a:lnTo>
-                    <a:pt x="667" y="28"/>
-                  </a:lnTo>
-                  <a:lnTo>
-                    <a:pt x="624" y="40"/>
-                  </a:lnTo>
-                  <a:lnTo>
-                    <a:pt x="584" y="54"/>
-                  </a:lnTo>
-                  <a:lnTo>
-                    <a:pt x="543" y="69"/>
-                  </a:lnTo>
-                  <a:lnTo>
-                    <a:pt x="504" y="87"/>
-                  </a:lnTo>
-                  <a:lnTo>
-                    <a:pt x="466" y="107"/>
-                  </a:lnTo>
-                  <a:lnTo>
-                    <a:pt x="428" y="130"/>
-                  </a:lnTo>
-                  <a:lnTo>
-                    <a:pt x="391" y="155"/>
-                  </a:lnTo>
-                  <a:lnTo>
-                    <a:pt x="357" y="182"/>
-                  </a:lnTo>
-                  <a:lnTo>
-                    <a:pt x="322" y="210"/>
-                  </a:lnTo>
-                  <a:lnTo>
-                    <a:pt x="289" y="241"/>
-                  </a:lnTo>
-                  <a:lnTo>
-                    <a:pt x="258" y="272"/>
-                  </a:lnTo>
-                  <a:lnTo>
-                    <a:pt x="228" y="309"/>
-                  </a:lnTo>
-                  <a:lnTo>
-                    <a:pt x="200" y="345"/>
-                  </a:lnTo>
-                  <a:lnTo>
-                    <a:pt x="173" y="385"/>
-                  </a:lnTo>
-                  <a:lnTo>
-                    <a:pt x="149" y="426"/>
-                  </a:lnTo>
-                  <a:lnTo>
-                    <a:pt x="149" y="426"/>
-                  </a:lnTo>
-                  <a:lnTo>
-                    <a:pt x="124" y="472"/>
-                  </a:lnTo>
-                  <a:lnTo>
-                    <a:pt x="102" y="520"/>
-                  </a:lnTo>
-                  <a:lnTo>
-                    <a:pt x="83" y="568"/>
-                  </a:lnTo>
-                  <a:lnTo>
-                    <a:pt x="64" y="617"/>
-                  </a:lnTo>
-                  <a:lnTo>
-                    <a:pt x="48" y="667"/>
-                  </a:lnTo>
-                  <a:lnTo>
-                    <a:pt x="35" y="718"/>
-                  </a:lnTo>
-                  <a:lnTo>
-                    <a:pt x="23" y="769"/>
-                  </a:lnTo>
-                  <a:lnTo>
-                    <a:pt x="15" y="822"/>
-                  </a:lnTo>
-                  <a:lnTo>
-                    <a:pt x="7" y="875"/>
-                  </a:lnTo>
-                  <a:lnTo>
-                    <a:pt x="2" y="928"/>
-                  </a:lnTo>
-                  <a:lnTo>
-                    <a:pt x="0" y="982"/>
-                  </a:lnTo>
-                  <a:lnTo>
-                    <a:pt x="0" y="1035"/>
-                  </a:lnTo>
-                  <a:lnTo>
-                    <a:pt x="2" y="1090"/>
-                  </a:lnTo>
-                  <a:lnTo>
-                    <a:pt x="5" y="1146"/>
-                  </a:lnTo>
-                  <a:lnTo>
-                    <a:pt x="12" y="1200"/>
-                  </a:lnTo>
-                  <a:lnTo>
-                    <a:pt x="22" y="1255"/>
-                  </a:lnTo>
-                  <a:lnTo>
-                    <a:pt x="31" y="1311"/>
-                  </a:lnTo>
-                  <a:lnTo>
-                    <a:pt x="46" y="1365"/>
-                  </a:lnTo>
-                  <a:lnTo>
-                    <a:pt x="61" y="1420"/>
-                  </a:lnTo>
-                  <a:lnTo>
-                    <a:pt x="79" y="1474"/>
-                  </a:lnTo>
-                  <a:lnTo>
-                    <a:pt x="101" y="1529"/>
-                  </a:lnTo>
-                  <a:lnTo>
-                    <a:pt x="124" y="1583"/>
-                  </a:lnTo>
-                  <a:lnTo>
-                    <a:pt x="149" y="1636"/>
-                  </a:lnTo>
-                  <a:lnTo>
-                    <a:pt x="177" y="1689"/>
-                  </a:lnTo>
-                  <a:lnTo>
-                    <a:pt x="206" y="1742"/>
-                  </a:lnTo>
-                  <a:lnTo>
-                    <a:pt x="239" y="1793"/>
-                  </a:lnTo>
-                  <a:lnTo>
-                    <a:pt x="274" y="1844"/>
-                  </a:lnTo>
-                  <a:lnTo>
-                    <a:pt x="312" y="1895"/>
-                  </a:lnTo>
-                  <a:lnTo>
-                    <a:pt x="353" y="1943"/>
-                  </a:lnTo>
-                  <a:lnTo>
-                    <a:pt x="396" y="1993"/>
-                  </a:lnTo>
-                  <a:lnTo>
-                    <a:pt x="441" y="2039"/>
-                  </a:lnTo>
-                  <a:lnTo>
-                    <a:pt x="489" y="2085"/>
-                  </a:lnTo>
-                  <a:lnTo>
-                    <a:pt x="2552" y="2085"/>
-                  </a:lnTo>
-                  <a:lnTo>
-                    <a:pt x="2552" y="2085"/>
-                  </a:lnTo>
-                  <a:lnTo>
-                    <a:pt x="2526" y="2070"/>
-                  </a:lnTo>
-                  <a:lnTo>
-                    <a:pt x="2450" y="2026"/>
-                  </a:lnTo>
-                  <a:lnTo>
-                    <a:pt x="2336" y="1955"/>
-                  </a:lnTo>
-                  <a:lnTo>
-                    <a:pt x="2266" y="1910"/>
-                  </a:lnTo>
-                  <a:lnTo>
-                    <a:pt x="2192" y="1860"/>
-                  </a:lnTo>
-                  <a:lnTo>
-                    <a:pt x="2111" y="1808"/>
-                  </a:lnTo>
-                  <a:lnTo>
-                    <a:pt x="2025" y="1748"/>
-                  </a:lnTo>
-                  <a:lnTo>
-                    <a:pt x="1938" y="1685"/>
-                  </a:lnTo>
-                  <a:lnTo>
-                    <a:pt x="1849" y="1619"/>
-                  </a:lnTo>
-                  <a:lnTo>
-                    <a:pt x="1758" y="1550"/>
-                  </a:lnTo>
-                  <a:lnTo>
-                    <a:pt x="1667" y="1477"/>
-                  </a:lnTo>
-                  <a:lnTo>
-                    <a:pt x="1578" y="1403"/>
-                  </a:lnTo>
-                  <a:lnTo>
-                    <a:pt x="1492" y="1326"/>
-                  </a:lnTo>
-                  <a:lnTo>
-                    <a:pt x="1451" y="1286"/>
-                  </a:lnTo>
-                  <a:lnTo>
-                    <a:pt x="1410" y="1246"/>
-                  </a:lnTo>
-                  <a:lnTo>
-                    <a:pt x="1370" y="1207"/>
-                  </a:lnTo>
-                  <a:lnTo>
-                    <a:pt x="1332" y="1167"/>
-                  </a:lnTo>
-                  <a:lnTo>
-                    <a:pt x="1296" y="1126"/>
-                  </a:lnTo>
-                  <a:lnTo>
-                    <a:pt x="1261" y="1086"/>
-                  </a:lnTo>
-                  <a:lnTo>
-                    <a:pt x="1227" y="1045"/>
-                  </a:lnTo>
-                  <a:lnTo>
-                    <a:pt x="1195" y="1004"/>
-                  </a:lnTo>
-                  <a:lnTo>
-                    <a:pt x="1167" y="962"/>
-                  </a:lnTo>
-                  <a:lnTo>
-                    <a:pt x="1139" y="923"/>
-                  </a:lnTo>
-                  <a:lnTo>
-                    <a:pt x="1114" y="881"/>
-                  </a:lnTo>
-                  <a:lnTo>
-                    <a:pt x="1091" y="840"/>
-                  </a:lnTo>
-                  <a:lnTo>
-                    <a:pt x="1071" y="801"/>
-                  </a:lnTo>
-                  <a:lnTo>
-                    <a:pt x="1055" y="761"/>
-                  </a:lnTo>
-                  <a:lnTo>
-                    <a:pt x="1042" y="720"/>
-                  </a:lnTo>
-                  <a:lnTo>
-                    <a:pt x="1030" y="680"/>
-                  </a:lnTo>
-                  <a:lnTo>
-                    <a:pt x="1022" y="642"/>
-                  </a:lnTo>
-                  <a:lnTo>
-                    <a:pt x="1017" y="602"/>
-                  </a:lnTo>
-                  <a:lnTo>
-                    <a:pt x="1015" y="565"/>
-                  </a:lnTo>
-                  <a:lnTo>
-                    <a:pt x="1019" y="527"/>
-                  </a:lnTo>
-                  <a:lnTo>
-                    <a:pt x="1023" y="489"/>
-                  </a:lnTo>
-                  <a:lnTo>
-                    <a:pt x="1028" y="470"/>
-                  </a:lnTo>
-                  <a:lnTo>
-                    <a:pt x="1033" y="452"/>
-                  </a:lnTo>
-                  <a:lnTo>
-                    <a:pt x="1040" y="434"/>
-                  </a:lnTo>
-                  <a:lnTo>
-                    <a:pt x="1048" y="416"/>
-                  </a:lnTo>
-                  <a:lnTo>
-                    <a:pt x="1057" y="398"/>
-                  </a:lnTo>
-                  <a:lnTo>
-                    <a:pt x="1066" y="381"/>
-                  </a:lnTo>
-                  <a:lnTo>
-                    <a:pt x="1076" y="363"/>
-                  </a:lnTo>
-                  <a:lnTo>
-                    <a:pt x="1088" y="347"/>
-                  </a:lnTo>
-                  <a:lnTo>
-                    <a:pt x="1101" y="330"/>
-                  </a:lnTo>
-                  <a:lnTo>
-                    <a:pt x="1116" y="312"/>
-                  </a:lnTo>
-                  <a:lnTo>
-                    <a:pt x="1131" y="295"/>
-                  </a:lnTo>
-                  <a:lnTo>
-                    <a:pt x="1147" y="281"/>
-                  </a:lnTo>
-                  <a:lnTo>
-                    <a:pt x="1182" y="248"/>
-                  </a:lnTo>
-                  <a:lnTo>
-                    <a:pt x="1223" y="216"/>
-                  </a:lnTo>
-                  <a:lnTo>
-                    <a:pt x="1269" y="186"/>
-                  </a:lnTo>
-                  <a:lnTo>
-                    <a:pt x="1321" y="158"/>
-                  </a:lnTo>
-                  <a:lnTo>
-                    <a:pt x="1377" y="130"/>
-                  </a:lnTo>
-                  <a:lnTo>
-                    <a:pt x="1377" y="130"/>
-                  </a:lnTo>
-                  <a:close/>
-                </a:path>
-              </a:pathLst>
-            </a:custGeom>
-            <a:solidFill>
-              <a:srgbClr val="F2F2F2">
-                <a:alpha val="33725"/>
-              </a:srgbClr>
-            </a:solidFill>
-            <a:ln>
-              <a:noFill/>
-            </a:ln>
-          </p:spPr>
-          <p:txBody>
-            <a:bodyPr lIns="91425" tIns="45700" rIns="91425" bIns="45700" anchor="t" anchorCtr="0">
-              <a:noAutofit/>
-            </a:bodyPr>
-            <a:lstStyle/>
-            <a:p>
-              <a:pPr marL="0" marR="0" lvl="0" indent="0" algn="l" rtl="0">
-                <a:spcBef>
-                  <a:spcPts val="0"/>
-                </a:spcBef>
-                <a:buNone/>
-              </a:pPr>
-              <a:endParaRPr sz="1800" b="0" i="0" u="none" strike="noStrike" cap="none" baseline="0">
-                <a:solidFill>
-                  <a:schemeClr val="dk1"/>
-                </a:solidFill>
-                <a:latin typeface="Calibri"/>
-                <a:ea typeface="Calibri"/>
-                <a:cs typeface="Calibri"/>
-                <a:sym typeface="Calibri"/>
-              </a:endParaRPr>
-            </a:p>
-          </p:txBody>
-        </p:sp>
-        <p:sp>
-          <p:nvSpPr>
-            <p:cNvPr id="24" name="Shape 17"/>
-            <p:cNvSpPr/>
-            <p:nvPr/>
-          </p:nvSpPr>
-          <p:spPr>
-            <a:xfrm>
-              <a:off x="1155001" y="5801712"/>
-              <a:ext cx="3420932" cy="5698393"/>
-            </a:xfrm>
-            <a:custGeom>
-              <a:avLst/>
-              <a:gdLst/>
-              <a:ahLst/>
-              <a:cxnLst/>
-              <a:rect l="0" t="0" r="0" b="0"/>
-              <a:pathLst>
-                <a:path w="718" h="1804" extrusionOk="0">
-                  <a:moveTo>
-                    <a:pt x="99" y="1804"/>
-                  </a:moveTo>
-                  <a:lnTo>
-                    <a:pt x="99" y="1804"/>
-                  </a:lnTo>
-                  <a:lnTo>
-                    <a:pt x="77" y="1725"/>
-                  </a:lnTo>
-                  <a:lnTo>
-                    <a:pt x="57" y="1647"/>
-                  </a:lnTo>
-                  <a:lnTo>
-                    <a:pt x="43" y="1570"/>
-                  </a:lnTo>
-                  <a:lnTo>
-                    <a:pt x="29" y="1492"/>
-                  </a:lnTo>
-                  <a:lnTo>
-                    <a:pt x="18" y="1416"/>
-                  </a:lnTo>
-                  <a:lnTo>
-                    <a:pt x="10" y="1342"/>
-                  </a:lnTo>
-                  <a:lnTo>
-                    <a:pt x="5" y="1267"/>
-                  </a:lnTo>
-                  <a:lnTo>
-                    <a:pt x="1" y="1195"/>
-                  </a:lnTo>
-                  <a:lnTo>
-                    <a:pt x="0" y="1124"/>
-                  </a:lnTo>
-                  <a:lnTo>
-                    <a:pt x="1" y="1054"/>
-                  </a:lnTo>
-                  <a:lnTo>
-                    <a:pt x="5" y="987"/>
-                  </a:lnTo>
-                  <a:lnTo>
-                    <a:pt x="10" y="919"/>
-                  </a:lnTo>
-                  <a:lnTo>
-                    <a:pt x="18" y="853"/>
-                  </a:lnTo>
-                  <a:lnTo>
-                    <a:pt x="26" y="790"/>
-                  </a:lnTo>
-                  <a:lnTo>
-                    <a:pt x="38" y="728"/>
-                  </a:lnTo>
-                  <a:lnTo>
-                    <a:pt x="49" y="667"/>
-                  </a:lnTo>
-                  <a:lnTo>
-                    <a:pt x="64" y="609"/>
-                  </a:lnTo>
-                  <a:lnTo>
-                    <a:pt x="81" y="553"/>
-                  </a:lnTo>
-                  <a:lnTo>
-                    <a:pt x="97" y="496"/>
-                  </a:lnTo>
-                  <a:lnTo>
-                    <a:pt x="117" y="445"/>
-                  </a:lnTo>
-                  <a:lnTo>
-                    <a:pt x="137" y="394"/>
-                  </a:lnTo>
-                  <a:lnTo>
-                    <a:pt x="158" y="346"/>
-                  </a:lnTo>
-                  <a:lnTo>
-                    <a:pt x="180" y="300"/>
-                  </a:lnTo>
-                  <a:lnTo>
-                    <a:pt x="203" y="255"/>
-                  </a:lnTo>
-                  <a:lnTo>
-                    <a:pt x="227" y="214"/>
-                  </a:lnTo>
-                  <a:lnTo>
-                    <a:pt x="254" y="176"/>
-                  </a:lnTo>
-                  <a:lnTo>
-                    <a:pt x="280" y="140"/>
-                  </a:lnTo>
-                  <a:lnTo>
-                    <a:pt x="307" y="105"/>
-                  </a:lnTo>
-                  <a:lnTo>
-                    <a:pt x="335" y="76"/>
-                  </a:lnTo>
-                  <a:lnTo>
-                    <a:pt x="363" y="47"/>
-                  </a:lnTo>
-                  <a:lnTo>
-                    <a:pt x="391" y="21"/>
-                  </a:lnTo>
-                  <a:lnTo>
-                    <a:pt x="421" y="0"/>
-                  </a:lnTo>
-                  <a:lnTo>
-                    <a:pt x="421" y="0"/>
-                  </a:lnTo>
-                  <a:lnTo>
-                    <a:pt x="383" y="57"/>
-                  </a:lnTo>
-                  <a:lnTo>
-                    <a:pt x="348" y="117"/>
-                  </a:lnTo>
-                  <a:lnTo>
-                    <a:pt x="317" y="176"/>
-                  </a:lnTo>
-                  <a:lnTo>
-                    <a:pt x="289" y="237"/>
-                  </a:lnTo>
-                  <a:lnTo>
-                    <a:pt x="265" y="298"/>
-                  </a:lnTo>
-                  <a:lnTo>
-                    <a:pt x="244" y="359"/>
-                  </a:lnTo>
-                  <a:lnTo>
-                    <a:pt x="226" y="421"/>
-                  </a:lnTo>
-                  <a:lnTo>
-                    <a:pt x="213" y="482"/>
-                  </a:lnTo>
-                  <a:lnTo>
-                    <a:pt x="201" y="544"/>
-                  </a:lnTo>
-                  <a:lnTo>
-                    <a:pt x="193" y="605"/>
-                  </a:lnTo>
-                  <a:lnTo>
-                    <a:pt x="188" y="667"/>
-                  </a:lnTo>
-                  <a:lnTo>
-                    <a:pt x="185" y="728"/>
-                  </a:lnTo>
-                  <a:lnTo>
-                    <a:pt x="186" y="789"/>
-                  </a:lnTo>
-                  <a:lnTo>
-                    <a:pt x="189" y="850"/>
-                  </a:lnTo>
-                  <a:lnTo>
-                    <a:pt x="196" y="911"/>
-                  </a:lnTo>
-                  <a:lnTo>
-                    <a:pt x="206" y="970"/>
-                  </a:lnTo>
-                  <a:lnTo>
-                    <a:pt x="219" y="1030"/>
-                  </a:lnTo>
-                  <a:lnTo>
-                    <a:pt x="234" y="1089"/>
-                  </a:lnTo>
-                  <a:lnTo>
-                    <a:pt x="252" y="1147"/>
-                  </a:lnTo>
-                  <a:lnTo>
-                    <a:pt x="274" y="1205"/>
-                  </a:lnTo>
-                  <a:lnTo>
-                    <a:pt x="297" y="1261"/>
-                  </a:lnTo>
-                  <a:lnTo>
-                    <a:pt x="323" y="1317"/>
-                  </a:lnTo>
-                  <a:lnTo>
-                    <a:pt x="351" y="1371"/>
-                  </a:lnTo>
-                  <a:lnTo>
-                    <a:pt x="383" y="1424"/>
-                  </a:lnTo>
-                  <a:lnTo>
-                    <a:pt x="416" y="1477"/>
-                  </a:lnTo>
-                  <a:lnTo>
-                    <a:pt x="452" y="1528"/>
-                  </a:lnTo>
-                  <a:lnTo>
-                    <a:pt x="492" y="1578"/>
-                  </a:lnTo>
-                  <a:lnTo>
-                    <a:pt x="531" y="1626"/>
-                  </a:lnTo>
-                  <a:lnTo>
-                    <a:pt x="576" y="1674"/>
-                  </a:lnTo>
-                  <a:lnTo>
-                    <a:pt x="620" y="1718"/>
-                  </a:lnTo>
-                  <a:lnTo>
-                    <a:pt x="668" y="1763"/>
-                  </a:lnTo>
-                  <a:lnTo>
-                    <a:pt x="718" y="1804"/>
-                  </a:lnTo>
-                  <a:lnTo>
-                    <a:pt x="99" y="1804"/>
-                  </a:lnTo>
-                  <a:lnTo>
-                    <a:pt x="99" y="1804"/>
-                  </a:lnTo>
-                  <a:close/>
-                </a:path>
-              </a:pathLst>
-            </a:custGeom>
-            <a:solidFill>
-              <a:srgbClr val="8FE38F">
-                <a:alpha val="36862"/>
-              </a:srgbClr>
-            </a:solidFill>
-            <a:ln>
-              <a:noFill/>
-            </a:ln>
-          </p:spPr>
-          <p:txBody>
-            <a:bodyPr lIns="91425" tIns="45700" rIns="91425" bIns="45700" anchor="t" anchorCtr="0">
-              <a:noAutofit/>
-            </a:bodyPr>
-            <a:lstStyle/>
-            <a:p>
-              <a:pPr marL="0" marR="0" lvl="0" indent="0" algn="l" rtl="0">
-                <a:spcBef>
-                  <a:spcPts val="0"/>
-                </a:spcBef>
-                <a:buNone/>
-              </a:pPr>
-              <a:endParaRPr sz="1800" b="0" i="0" u="none" strike="noStrike" cap="none" baseline="0">
-                <a:solidFill>
-                  <a:schemeClr val="dk1"/>
-                </a:solidFill>
-                <a:latin typeface="Calibri"/>
-                <a:ea typeface="Calibri"/>
-                <a:cs typeface="Calibri"/>
-                <a:sym typeface="Calibri"/>
-              </a:endParaRPr>
-            </a:p>
-          </p:txBody>
-        </p:sp>
-      </p:grpSp>
       <p:sp>
         <p:nvSpPr>
           <p:cNvPr id="2" name="タイトル プレースホルダ 1"/>
@@ -22700,7 +20681,7 @@
             <a:fld id="{11B3F5BA-E36A-437C-98D2-FDEE83C185CE}" type="datetime1">
               <a:rPr kumimoji="1" lang="ja-JP" altLang="en-US" smtClean="0"/>
               <a:pPr/>
-              <a:t>2014/12/1</a:t>
+              <a:t>2014/12/3</a:t>
             </a:fld>
             <a:endParaRPr kumimoji="1" lang="ja-JP" altLang="en-US" dirty="0"/>
           </a:p>
@@ -33309,8 +31290,8 @@
           <p:nvPr/>
         </p:nvGraphicFramePr>
         <p:xfrm>
-          <a:off x="3203848" y="1700808"/>
-          <a:ext cx="2808312" cy="4320480"/>
+          <a:off x="3203848" y="2204864"/>
+          <a:ext cx="3024336" cy="3312368"/>
         </p:xfrm>
         <a:graphic>
           <a:graphicData uri="http://schemas.openxmlformats.org/drawingml/2006/diagram">
@@ -33326,8 +31307,8 @@
         </p:nvSpPr>
         <p:spPr>
           <a:xfrm rot="5400000" flipH="1">
-            <a:off x="5328084" y="4113076"/>
-            <a:ext cx="2448272" cy="936104"/>
+            <a:off x="5832140" y="4113076"/>
+            <a:ext cx="1728192" cy="792088"/>
           </a:xfrm>
           <a:prstGeom prst="uturnArrow">
             <a:avLst>
@@ -33382,8 +31363,8 @@
         </p:nvSpPr>
         <p:spPr>
           <a:xfrm rot="5400000" flipV="1">
-            <a:off x="1403648" y="4221088"/>
-            <a:ext cx="2448272" cy="864096"/>
+            <a:off x="1835696" y="4149080"/>
+            <a:ext cx="1728192" cy="864096"/>
           </a:xfrm>
           <a:prstGeom prst="uturnArrow">
             <a:avLst>
@@ -33438,8 +31419,8 @@
         </p:nvSpPr>
         <p:spPr>
           <a:xfrm>
-            <a:off x="3059832" y="4149080"/>
-            <a:ext cx="3024336" cy="864096"/>
+            <a:off x="3203848" y="4149080"/>
+            <a:ext cx="3024336" cy="648072"/>
           </a:xfrm>
           <a:prstGeom prst="roundRect">
             <a:avLst/>
@@ -33492,8 +31473,8 @@
         </p:nvSpPr>
         <p:spPr>
           <a:xfrm>
-            <a:off x="6876256" y="4005064"/>
-            <a:ext cx="2051720" cy="1080120"/>
+            <a:off x="6084168" y="2564904"/>
+            <a:ext cx="2808312" cy="1368152"/>
           </a:xfrm>
           <a:prstGeom prst="roundRect">
             <a:avLst/>
@@ -33525,7 +31506,7 @@
           <a:p>
             <a:pPr algn="ctr"/>
             <a:r>
-              <a:rPr lang="en-US" altLang="ja-JP" sz="2000" dirty="0" smtClean="0">
+              <a:rPr lang="en-US" altLang="ja-JP" sz="2800" dirty="0" smtClean="0">
                 <a:solidFill>
                   <a:sysClr val="windowText" lastClr="000000"/>
                 </a:solidFill>
@@ -33535,7 +31516,7 @@
               <a:t>Model</a:t>
             </a:r>
             <a:r>
-              <a:rPr lang="ja-JP" altLang="en-US" sz="2000" dirty="0" smtClean="0">
+              <a:rPr lang="ja-JP" altLang="en-US" sz="2800" dirty="0" smtClean="0">
                 <a:solidFill>
                   <a:sysClr val="windowText" lastClr="000000"/>
                 </a:solidFill>
@@ -33544,7 +31525,7 @@
               </a:rPr>
               <a:t>の更新を</a:t>
             </a:r>
-            <a:endParaRPr lang="en-US" altLang="ja-JP" sz="2000" dirty="0" smtClean="0">
+            <a:endParaRPr lang="en-US" altLang="ja-JP" sz="2800" dirty="0" smtClean="0">
               <a:solidFill>
                 <a:sysClr val="windowText" lastClr="000000"/>
               </a:solidFill>
@@ -33555,7 +31536,7 @@
           <a:p>
             <a:pPr algn="ctr"/>
             <a:r>
-              <a:rPr lang="en-US" altLang="ja-JP" sz="2000" dirty="0" smtClean="0">
+              <a:rPr lang="en-US" altLang="ja-JP" sz="2800" dirty="0" smtClean="0">
                 <a:solidFill>
                   <a:sysClr val="windowText" lastClr="000000"/>
                 </a:solidFill>
@@ -33565,7 +31546,7 @@
               <a:t>View</a:t>
             </a:r>
             <a:r>
-              <a:rPr lang="ja-JP" altLang="en-US" sz="2000" dirty="0" smtClean="0">
+              <a:rPr lang="ja-JP" altLang="en-US" sz="2800" dirty="0" smtClean="0">
                 <a:solidFill>
                   <a:sysClr val="windowText" lastClr="000000"/>
                 </a:solidFill>
@@ -33574,7 +31555,7 @@
               </a:rPr>
               <a:t>に反映</a:t>
             </a:r>
-            <a:endParaRPr kumimoji="1" lang="ja-JP" altLang="en-US" sz="2000" dirty="0">
+            <a:endParaRPr kumimoji="1" lang="ja-JP" altLang="en-US" sz="2800" dirty="0">
               <a:solidFill>
                 <a:sysClr val="windowText" lastClr="000000"/>
               </a:solidFill>
@@ -33592,8 +31573,8 @@
         </p:nvSpPr>
         <p:spPr>
           <a:xfrm>
-            <a:off x="323528" y="4005064"/>
-            <a:ext cx="2051720" cy="1080120"/>
+            <a:off x="467544" y="2564904"/>
+            <a:ext cx="3096344" cy="1368152"/>
           </a:xfrm>
           <a:prstGeom prst="roundRect">
             <a:avLst/>
@@ -33625,7 +31606,7 @@
           <a:p>
             <a:pPr algn="ctr"/>
             <a:r>
-              <a:rPr lang="en-US" altLang="ja-JP" sz="2000" dirty="0" smtClean="0">
+              <a:rPr lang="en-US" altLang="ja-JP" sz="2800" dirty="0" smtClean="0">
                 <a:solidFill>
                   <a:sysClr val="windowText" lastClr="000000"/>
                 </a:solidFill>
@@ -33635,7 +31616,7 @@
               <a:t>View</a:t>
             </a:r>
             <a:r>
-              <a:rPr lang="ja-JP" altLang="en-US" sz="2000" dirty="0" smtClean="0">
+              <a:rPr lang="ja-JP" altLang="en-US" sz="2800" dirty="0" smtClean="0">
                 <a:solidFill>
                   <a:sysClr val="windowText" lastClr="000000"/>
                 </a:solidFill>
@@ -33644,7 +31625,7 @@
               </a:rPr>
               <a:t>の更新を</a:t>
             </a:r>
-            <a:endParaRPr lang="en-US" altLang="ja-JP" sz="2000" dirty="0" smtClean="0">
+            <a:endParaRPr lang="en-US" altLang="ja-JP" sz="2800" dirty="0" smtClean="0">
               <a:solidFill>
                 <a:sysClr val="windowText" lastClr="000000"/>
               </a:solidFill>
@@ -33655,7 +31636,7 @@
           <a:p>
             <a:pPr algn="ctr"/>
             <a:r>
-              <a:rPr lang="en-US" altLang="ja-JP" sz="2000" dirty="0" smtClean="0">
+              <a:rPr lang="en-US" altLang="ja-JP" sz="2800" dirty="0" smtClean="0">
                 <a:solidFill>
                   <a:sysClr val="windowText" lastClr="000000"/>
                 </a:solidFill>
@@ -33665,7 +31646,7 @@
               <a:t>Model</a:t>
             </a:r>
             <a:r>
-              <a:rPr lang="ja-JP" altLang="en-US" sz="2000" dirty="0" smtClean="0">
+              <a:rPr lang="ja-JP" altLang="en-US" sz="2800" dirty="0" smtClean="0">
                 <a:solidFill>
                   <a:sysClr val="windowText" lastClr="000000"/>
                 </a:solidFill>
@@ -33674,7 +31655,7 @@
               </a:rPr>
               <a:t>に反映</a:t>
             </a:r>
-            <a:endParaRPr kumimoji="1" lang="ja-JP" altLang="en-US" sz="2000" dirty="0">
+            <a:endParaRPr kumimoji="1" lang="ja-JP" altLang="en-US" sz="2800" dirty="0">
               <a:solidFill>
                 <a:sysClr val="windowText" lastClr="000000"/>
               </a:solidFill>

--- a/PowerPoint/report_hokada picture.pptx
+++ b/PowerPoint/report_hokada picture.pptx
@@ -5,7 +5,7 @@
     <p:sldMasterId id="2147483648" r:id="rId1"/>
   </p:sldMasterIdLst>
   <p:notesMasterIdLst>
-    <p:notesMasterId r:id="rId20"/>
+    <p:notesMasterId r:id="rId21"/>
   </p:notesMasterIdLst>
   <p:sldIdLst>
     <p:sldId id="257" r:id="rId2"/>
@@ -26,6 +26,7 @@
     <p:sldId id="272" r:id="rId17"/>
     <p:sldId id="273" r:id="rId18"/>
     <p:sldId id="277" r:id="rId19"/>
+    <p:sldId id="278" r:id="rId20"/>
   </p:sldIdLst>
   <p:sldSz cx="9144000" cy="6858000" type="screen4x3"/>
   <p:notesSz cx="6858000" cy="9144000"/>
@@ -5265,14 +5266,7 @@
               <a:latin typeface="+mn-ea"/>
               <a:ea typeface="+mn-ea"/>
             </a:rPr>
-            <a:t>Template(HTML</a:t>
-          </a:r>
-          <a:r>
-            <a:rPr kumimoji="1" lang="en-US" altLang="ja-JP" sz="2800" dirty="0" smtClean="0">
-              <a:latin typeface="+mn-ea"/>
-              <a:ea typeface="+mn-ea"/>
-            </a:rPr>
-            <a:t>)</a:t>
+            <a:t>Template(HTML)</a:t>
           </a:r>
           <a:endParaRPr kumimoji="1" lang="ja-JP" altLang="en-US" sz="2800" dirty="0">
             <a:latin typeface="+mn-ea"/>
@@ -7120,14 +7114,7 @@
               <a:latin typeface="+mn-ea"/>
               <a:ea typeface="+mn-ea"/>
             </a:rPr>
-            <a:t>Template(HTML</a:t>
-          </a:r>
-          <a:r>
-            <a:rPr kumimoji="1" lang="en-US" altLang="ja-JP" sz="2800" kern="1200" dirty="0" smtClean="0">
-              <a:latin typeface="+mn-ea"/>
-              <a:ea typeface="+mn-ea"/>
-            </a:rPr>
-            <a:t>)</a:t>
+            <a:t>Template(HTML)</a:t>
           </a:r>
           <a:endParaRPr kumimoji="1" lang="ja-JP" altLang="en-US" sz="2800" kern="1200" dirty="0">
             <a:latin typeface="+mn-ea"/>
@@ -26625,6 +26612,3109 @@
 </p:sld>
 </file>
 
+<file path=ppt/slides/slide19.xml><?xml version="1.0" encoding="utf-8"?>
+<p:sld xmlns:a="http://schemas.openxmlformats.org/drawingml/2006/main" xmlns:r="http://schemas.openxmlformats.org/officeDocument/2006/relationships" xmlns:p="http://schemas.openxmlformats.org/presentationml/2006/main">
+  <p:cSld>
+    <p:spTree>
+      <p:nvGrpSpPr>
+        <p:cNvPr id="1" name=""/>
+        <p:cNvGrpSpPr/>
+        <p:nvPr/>
+      </p:nvGrpSpPr>
+      <p:grpSpPr>
+        <a:xfrm>
+          <a:off x="0" y="0"/>
+          <a:ext cx="0" cy="0"/>
+          <a:chOff x="0" y="0"/>
+          <a:chExt cx="0" cy="0"/>
+        </a:xfrm>
+      </p:grpSpPr>
+      <p:sp>
+        <p:nvSpPr>
+          <p:cNvPr id="2" name="タイトル 1"/>
+          <p:cNvSpPr>
+            <a:spLocks noGrp="1"/>
+          </p:cNvSpPr>
+          <p:nvPr>
+            <p:ph type="title"/>
+          </p:nvPr>
+        </p:nvSpPr>
+        <p:spPr/>
+        <p:txBody>
+          <a:bodyPr/>
+          <a:lstStyle/>
+          <a:p>
+            <a:endParaRPr kumimoji="1" lang="ja-JP" altLang="en-US"/>
+          </a:p>
+        </p:txBody>
+      </p:sp>
+      <p:sp>
+        <p:nvSpPr>
+          <p:cNvPr id="3" name="コンテンツ プレースホルダ 2"/>
+          <p:cNvSpPr>
+            <a:spLocks noGrp="1"/>
+          </p:cNvSpPr>
+          <p:nvPr>
+            <p:ph idx="1"/>
+          </p:nvPr>
+        </p:nvSpPr>
+        <p:spPr/>
+        <p:txBody>
+          <a:bodyPr/>
+          <a:lstStyle/>
+          <a:p>
+            <a:endParaRPr kumimoji="1" lang="ja-JP" altLang="en-US"/>
+          </a:p>
+        </p:txBody>
+      </p:sp>
+      <p:sp>
+        <p:nvSpPr>
+          <p:cNvPr id="4" name="スライド番号プレースホルダ 3"/>
+          <p:cNvSpPr>
+            <a:spLocks noGrp="1"/>
+          </p:cNvSpPr>
+          <p:nvPr>
+            <p:ph type="sldNum" sz="quarter" idx="12"/>
+          </p:nvPr>
+        </p:nvSpPr>
+        <p:spPr/>
+        <p:txBody>
+          <a:bodyPr/>
+          <a:lstStyle/>
+          <a:p>
+            <a:fld id="{D2D8002D-B5B0-4BAC-B1F6-782DDCCE6D9C}" type="slidenum">
+              <a:rPr lang="ja-JP" altLang="en-US" smtClean="0"/>
+              <a:pPr/>
+              <a:t>19</a:t>
+            </a:fld>
+            <a:endParaRPr lang="ja-JP" altLang="en-US" dirty="0"/>
+          </a:p>
+        </p:txBody>
+      </p:sp>
+      <p:graphicFrame>
+        <p:nvGraphicFramePr>
+          <p:cNvPr id="5" name="表 4"/>
+          <p:cNvGraphicFramePr>
+            <a:graphicFrameLocks noGrp="1"/>
+          </p:cNvGraphicFramePr>
+          <p:nvPr/>
+        </p:nvGraphicFramePr>
+        <p:xfrm>
+          <a:off x="-2556792" y="980728"/>
+          <a:ext cx="11700791" cy="5184576"/>
+        </p:xfrm>
+        <a:graphic>
+          <a:graphicData uri="http://schemas.openxmlformats.org/drawingml/2006/table">
+            <a:tbl>
+              <a:tblPr/>
+              <a:tblGrid>
+                <a:gridCol w="589955"/>
+                <a:gridCol w="7618957"/>
+                <a:gridCol w="3491879"/>
+              </a:tblGrid>
+              <a:tr h="412705">
+                <a:tc>
+                  <a:txBody>
+                    <a:bodyPr/>
+                    <a:lstStyle/>
+                    <a:p>
+                      <a:pPr algn="ctr">
+                        <a:lnSpc>
+                          <a:spcPts val="1800"/>
+                        </a:lnSpc>
+                        <a:spcAft>
+                          <a:spcPts val="0"/>
+                        </a:spcAft>
+                      </a:pPr>
+                      <a:r>
+                        <a:rPr lang="en-US" altLang="ja-JP" sz="1800" kern="100" dirty="0" smtClean="0">
+                          <a:latin typeface="+mn-lt"/>
+                          <a:ea typeface="Mincho"/>
+                          <a:cs typeface="Times New Roman"/>
+                        </a:rPr>
+                        <a:t>#</a:t>
+                      </a:r>
+                      <a:endParaRPr lang="ja-JP" sz="1800" kern="100" dirty="0">
+                        <a:latin typeface="+mn-lt"/>
+                        <a:ea typeface="Mincho"/>
+                        <a:cs typeface="Times New Roman"/>
+                      </a:endParaRPr>
+                    </a:p>
+                  </a:txBody>
+                  <a:tcPr marL="71663" marR="71663" marT="0" marB="0" anchor="ctr">
+                    <a:lnL w="12700" cap="flat" cmpd="sng" algn="ctr">
+                      <a:solidFill>
+                        <a:srgbClr val="000000"/>
+                      </a:solidFill>
+                      <a:prstDash val="solid"/>
+                      <a:round/>
+                      <a:headEnd type="none" w="med" len="med"/>
+                      <a:tailEnd type="none" w="med" len="med"/>
+                    </a:lnL>
+                    <a:lnR w="12700" cap="flat" cmpd="sng" algn="ctr">
+                      <a:solidFill>
+                        <a:srgbClr val="000000"/>
+                      </a:solidFill>
+                      <a:prstDash val="solid"/>
+                      <a:round/>
+                      <a:headEnd type="none" w="med" len="med"/>
+                      <a:tailEnd type="none" w="med" len="med"/>
+                    </a:lnR>
+                    <a:lnT w="12700" cap="flat" cmpd="sng" algn="ctr">
+                      <a:solidFill>
+                        <a:srgbClr val="000000"/>
+                      </a:solidFill>
+                      <a:prstDash val="solid"/>
+                      <a:round/>
+                      <a:headEnd type="none" w="med" len="med"/>
+                      <a:tailEnd type="none" w="med" len="med"/>
+                    </a:lnT>
+                    <a:lnB w="12700" cap="flat" cmpd="sng" algn="ctr">
+                      <a:solidFill>
+                        <a:srgbClr val="000000"/>
+                      </a:solidFill>
+                      <a:prstDash val="solid"/>
+                      <a:round/>
+                      <a:headEnd type="none" w="med" len="med"/>
+                      <a:tailEnd type="none" w="med" len="med"/>
+                    </a:lnB>
+                    <a:solidFill>
+                      <a:schemeClr val="accent6">
+                        <a:lumMod val="60000"/>
+                        <a:lumOff val="40000"/>
+                      </a:schemeClr>
+                    </a:solidFill>
+                  </a:tcPr>
+                </a:tc>
+                <a:tc>
+                  <a:txBody>
+                    <a:bodyPr/>
+                    <a:lstStyle/>
+                    <a:p>
+                      <a:pPr algn="ctr">
+                        <a:lnSpc>
+                          <a:spcPts val="1800"/>
+                        </a:lnSpc>
+                        <a:spcAft>
+                          <a:spcPts val="0"/>
+                        </a:spcAft>
+                      </a:pPr>
+                      <a:r>
+                        <a:rPr lang="ja-JP" sz="1800" kern="100" dirty="0">
+                          <a:latin typeface="+mn-lt"/>
+                          <a:ea typeface="Mincho"/>
+                          <a:cs typeface="Times New Roman"/>
+                        </a:rPr>
+                        <a:t>検討項目</a:t>
+                      </a:r>
+                    </a:p>
+                  </a:txBody>
+                  <a:tcPr marL="71663" marR="71663" marT="0" marB="0" anchor="ctr">
+                    <a:lnL w="12700" cap="flat" cmpd="sng" algn="ctr">
+                      <a:solidFill>
+                        <a:srgbClr val="000000"/>
+                      </a:solidFill>
+                      <a:prstDash val="solid"/>
+                      <a:round/>
+                      <a:headEnd type="none" w="med" len="med"/>
+                      <a:tailEnd type="none" w="med" len="med"/>
+                    </a:lnL>
+                    <a:lnR w="12700" cap="flat" cmpd="sng" algn="ctr">
+                      <a:solidFill>
+                        <a:srgbClr val="000000"/>
+                      </a:solidFill>
+                      <a:prstDash val="solid"/>
+                      <a:round/>
+                      <a:headEnd type="none" w="med" len="med"/>
+                      <a:tailEnd type="none" w="med" len="med"/>
+                    </a:lnR>
+                    <a:lnT w="12700" cap="flat" cmpd="sng" algn="ctr">
+                      <a:solidFill>
+                        <a:srgbClr val="000000"/>
+                      </a:solidFill>
+                      <a:prstDash val="solid"/>
+                      <a:round/>
+                      <a:headEnd type="none" w="med" len="med"/>
+                      <a:tailEnd type="none" w="med" len="med"/>
+                    </a:lnT>
+                    <a:lnB w="12700" cap="flat" cmpd="sng" algn="ctr">
+                      <a:solidFill>
+                        <a:srgbClr val="000000"/>
+                      </a:solidFill>
+                      <a:prstDash val="solid"/>
+                      <a:round/>
+                      <a:headEnd type="none" w="med" len="med"/>
+                      <a:tailEnd type="none" w="med" len="med"/>
+                    </a:lnB>
+                    <a:solidFill>
+                      <a:schemeClr val="accent6">
+                        <a:lumMod val="60000"/>
+                        <a:lumOff val="40000"/>
+                      </a:schemeClr>
+                    </a:solidFill>
+                  </a:tcPr>
+                </a:tc>
+                <a:tc>
+                  <a:txBody>
+                    <a:bodyPr/>
+                    <a:lstStyle/>
+                    <a:p>
+                      <a:pPr algn="ctr">
+                        <a:lnSpc>
+                          <a:spcPts val="1800"/>
+                        </a:lnSpc>
+                        <a:spcAft>
+                          <a:spcPts val="0"/>
+                        </a:spcAft>
+                      </a:pPr>
+                      <a:r>
+                        <a:rPr lang="ja-JP" altLang="en-US" sz="1800" kern="100" dirty="0" smtClean="0">
+                          <a:latin typeface="+mn-lt"/>
+                          <a:ea typeface="Mincho"/>
+                          <a:cs typeface="Times New Roman"/>
+                        </a:rPr>
+                        <a:t>分類</a:t>
+                      </a:r>
+                      <a:endParaRPr lang="ja-JP" sz="1800" kern="100" dirty="0">
+                        <a:latin typeface="+mn-lt"/>
+                        <a:ea typeface="Mincho"/>
+                        <a:cs typeface="Times New Roman"/>
+                      </a:endParaRPr>
+                    </a:p>
+                  </a:txBody>
+                  <a:tcPr marL="71663" marR="71663" marT="0" marB="0" anchor="ctr">
+                    <a:lnL w="12700" cap="flat" cmpd="sng" algn="ctr">
+                      <a:solidFill>
+                        <a:srgbClr val="000000"/>
+                      </a:solidFill>
+                      <a:prstDash val="solid"/>
+                      <a:round/>
+                      <a:headEnd type="none" w="med" len="med"/>
+                      <a:tailEnd type="none" w="med" len="med"/>
+                    </a:lnL>
+                    <a:lnR w="12700" cap="flat" cmpd="sng" algn="ctr">
+                      <a:solidFill>
+                        <a:srgbClr val="000000"/>
+                      </a:solidFill>
+                      <a:prstDash val="solid"/>
+                      <a:round/>
+                      <a:headEnd type="none" w="med" len="med"/>
+                      <a:tailEnd type="none" w="med" len="med"/>
+                    </a:lnR>
+                    <a:lnT w="12700" cap="flat" cmpd="sng" algn="ctr">
+                      <a:solidFill>
+                        <a:srgbClr val="000000"/>
+                      </a:solidFill>
+                      <a:prstDash val="solid"/>
+                      <a:round/>
+                      <a:headEnd type="none" w="med" len="med"/>
+                      <a:tailEnd type="none" w="med" len="med"/>
+                    </a:lnT>
+                    <a:lnB w="12700" cap="flat" cmpd="sng" algn="ctr">
+                      <a:solidFill>
+                        <a:srgbClr val="000000"/>
+                      </a:solidFill>
+                      <a:prstDash val="solid"/>
+                      <a:round/>
+                      <a:headEnd type="none" w="med" len="med"/>
+                      <a:tailEnd type="none" w="med" len="med"/>
+                    </a:lnB>
+                    <a:solidFill>
+                      <a:schemeClr val="accent6">
+                        <a:lumMod val="60000"/>
+                        <a:lumOff val="40000"/>
+                      </a:schemeClr>
+                    </a:solidFill>
+                  </a:tcPr>
+                </a:tc>
+              </a:tr>
+              <a:tr h="345832">
+                <a:tc>
+                  <a:txBody>
+                    <a:bodyPr/>
+                    <a:lstStyle/>
+                    <a:p>
+                      <a:pPr algn="r">
+                        <a:lnSpc>
+                          <a:spcPts val="1800"/>
+                        </a:lnSpc>
+                        <a:spcAft>
+                          <a:spcPts val="0"/>
+                        </a:spcAft>
+                      </a:pPr>
+                      <a:r>
+                        <a:rPr lang="en-US" sz="1800" kern="100" dirty="0">
+                          <a:latin typeface="Century"/>
+                          <a:ea typeface="Mincho"/>
+                          <a:cs typeface="Times New Roman"/>
+                        </a:rPr>
+                        <a:t>1</a:t>
+                      </a:r>
+                      <a:endParaRPr lang="ja-JP" sz="1800" kern="100" dirty="0">
+                        <a:latin typeface="Century"/>
+                        <a:ea typeface="Mincho"/>
+                        <a:cs typeface="Times New Roman"/>
+                      </a:endParaRPr>
+                    </a:p>
+                  </a:txBody>
+                  <a:tcPr marL="71663" marR="71663" marT="0" marB="0" anchor="ctr">
+                    <a:lnL w="12700" cap="flat" cmpd="sng" algn="ctr">
+                      <a:solidFill>
+                        <a:srgbClr val="000000"/>
+                      </a:solidFill>
+                      <a:prstDash val="solid"/>
+                      <a:round/>
+                      <a:headEnd type="none" w="med" len="med"/>
+                      <a:tailEnd type="none" w="med" len="med"/>
+                    </a:lnL>
+                    <a:lnR w="12700" cap="flat" cmpd="sng" algn="ctr">
+                      <a:solidFill>
+                        <a:srgbClr val="000000"/>
+                      </a:solidFill>
+                      <a:prstDash val="solid"/>
+                      <a:round/>
+                      <a:headEnd type="none" w="med" len="med"/>
+                      <a:tailEnd type="none" w="med" len="med"/>
+                    </a:lnR>
+                    <a:lnT w="12700" cap="flat" cmpd="sng" algn="ctr">
+                      <a:solidFill>
+                        <a:srgbClr val="000000"/>
+                      </a:solidFill>
+                      <a:prstDash val="solid"/>
+                      <a:round/>
+                      <a:headEnd type="none" w="med" len="med"/>
+                      <a:tailEnd type="none" w="med" len="med"/>
+                    </a:lnT>
+                    <a:lnB w="12700" cap="flat" cmpd="sng" algn="ctr">
+                      <a:solidFill>
+                        <a:srgbClr val="000000"/>
+                      </a:solidFill>
+                      <a:prstDash val="solid"/>
+                      <a:round/>
+                      <a:headEnd type="none" w="med" len="med"/>
+                      <a:tailEnd type="none" w="med" len="med"/>
+                    </a:lnB>
+                    <a:solidFill>
+                      <a:schemeClr val="accent3">
+                        <a:lumMod val="20000"/>
+                        <a:lumOff val="80000"/>
+                      </a:schemeClr>
+                    </a:solidFill>
+                  </a:tcPr>
+                </a:tc>
+                <a:tc>
+                  <a:txBody>
+                    <a:bodyPr/>
+                    <a:lstStyle/>
+                    <a:p>
+                      <a:pPr algn="just">
+                        <a:lnSpc>
+                          <a:spcPts val="1800"/>
+                        </a:lnSpc>
+                        <a:spcAft>
+                          <a:spcPts val="0"/>
+                        </a:spcAft>
+                      </a:pPr>
+                      <a:r>
+                        <a:rPr lang="ja-JP" sz="1800" kern="100" dirty="0">
+                          <a:latin typeface="+mn-lt"/>
+                          <a:ea typeface="Mincho"/>
+                          <a:cs typeface="Times New Roman"/>
+                        </a:rPr>
+                        <a:t>必須項目を明確にする</a:t>
+                      </a:r>
+                    </a:p>
+                  </a:txBody>
+                  <a:tcPr marL="71663" marR="71663" marT="0" marB="0" anchor="ctr">
+                    <a:lnL w="12700" cap="flat" cmpd="sng" algn="ctr">
+                      <a:solidFill>
+                        <a:srgbClr val="000000"/>
+                      </a:solidFill>
+                      <a:prstDash val="solid"/>
+                      <a:round/>
+                      <a:headEnd type="none" w="med" len="med"/>
+                      <a:tailEnd type="none" w="med" len="med"/>
+                    </a:lnL>
+                    <a:lnR w="12700" cap="flat" cmpd="sng" algn="ctr">
+                      <a:solidFill>
+                        <a:srgbClr val="000000"/>
+                      </a:solidFill>
+                      <a:prstDash val="solid"/>
+                      <a:round/>
+                      <a:headEnd type="none" w="med" len="med"/>
+                      <a:tailEnd type="none" w="med" len="med"/>
+                    </a:lnR>
+                    <a:lnT w="12700" cap="flat" cmpd="sng" algn="ctr">
+                      <a:solidFill>
+                        <a:srgbClr val="000000"/>
+                      </a:solidFill>
+                      <a:prstDash val="solid"/>
+                      <a:round/>
+                      <a:headEnd type="none" w="med" len="med"/>
+                      <a:tailEnd type="none" w="med" len="med"/>
+                    </a:lnT>
+                    <a:lnB w="12700" cap="flat" cmpd="sng" algn="ctr">
+                      <a:solidFill>
+                        <a:srgbClr val="000000"/>
+                      </a:solidFill>
+                      <a:prstDash val="solid"/>
+                      <a:round/>
+                      <a:headEnd type="none" w="med" len="med"/>
+                      <a:tailEnd type="none" w="med" len="med"/>
+                    </a:lnB>
+                    <a:solidFill>
+                      <a:schemeClr val="accent3">
+                        <a:lumMod val="20000"/>
+                        <a:lumOff val="80000"/>
+                      </a:schemeClr>
+                    </a:solidFill>
+                  </a:tcPr>
+                </a:tc>
+                <a:tc rowSpan="10">
+                  <a:txBody>
+                    <a:bodyPr/>
+                    <a:lstStyle/>
+                    <a:p>
+                      <a:pPr algn="ctr">
+                        <a:lnSpc>
+                          <a:spcPts val="1800"/>
+                        </a:lnSpc>
+                        <a:spcAft>
+                          <a:spcPts val="0"/>
+                        </a:spcAft>
+                      </a:pPr>
+                      <a:r>
+                        <a:rPr lang="ja-JP" altLang="en-US" sz="2000" kern="100" dirty="0" smtClean="0">
+                          <a:latin typeface="+mn-lt"/>
+                          <a:ea typeface="Mincho"/>
+                          <a:cs typeface="Times New Roman"/>
+                        </a:rPr>
+                        <a:t>表示・入力方法最適化</a:t>
+                      </a:r>
+                      <a:endParaRPr lang="ja-JP" sz="2000" kern="100" dirty="0">
+                        <a:latin typeface="+mn-lt"/>
+                        <a:ea typeface="Mincho"/>
+                        <a:cs typeface="Times New Roman"/>
+                      </a:endParaRPr>
+                    </a:p>
+                  </a:txBody>
+                  <a:tcPr marL="71663" marR="71663" marT="0" marB="0" anchor="ctr">
+                    <a:lnL w="12700" cap="flat" cmpd="sng" algn="ctr">
+                      <a:solidFill>
+                        <a:srgbClr val="000000"/>
+                      </a:solidFill>
+                      <a:prstDash val="solid"/>
+                      <a:round/>
+                      <a:headEnd type="none" w="med" len="med"/>
+                      <a:tailEnd type="none" w="med" len="med"/>
+                    </a:lnL>
+                    <a:lnR w="12700" cap="flat" cmpd="sng" algn="ctr">
+                      <a:solidFill>
+                        <a:srgbClr val="000000"/>
+                      </a:solidFill>
+                      <a:prstDash val="solid"/>
+                      <a:round/>
+                      <a:headEnd type="none" w="med" len="med"/>
+                      <a:tailEnd type="none" w="med" len="med"/>
+                    </a:lnR>
+                    <a:lnT w="12700" cap="flat" cmpd="sng" algn="ctr">
+                      <a:solidFill>
+                        <a:srgbClr val="000000"/>
+                      </a:solidFill>
+                      <a:prstDash val="solid"/>
+                      <a:round/>
+                      <a:headEnd type="none" w="med" len="med"/>
+                      <a:tailEnd type="none" w="med" len="med"/>
+                    </a:lnT>
+                    <a:lnB w="12700" cap="flat" cmpd="sng" algn="ctr">
+                      <a:solidFill>
+                        <a:srgbClr val="000000"/>
+                      </a:solidFill>
+                      <a:prstDash val="solid"/>
+                      <a:round/>
+                      <a:headEnd type="none" w="med" len="med"/>
+                      <a:tailEnd type="none" w="med" len="med"/>
+                    </a:lnB>
+                    <a:solidFill>
+                      <a:srgbClr val="CCDBA9"/>
+                    </a:solidFill>
+                  </a:tcPr>
+                </a:tc>
+              </a:tr>
+              <a:tr h="345832">
+                <a:tc>
+                  <a:txBody>
+                    <a:bodyPr/>
+                    <a:lstStyle/>
+                    <a:p>
+                      <a:pPr algn="r">
+                        <a:lnSpc>
+                          <a:spcPts val="1800"/>
+                        </a:lnSpc>
+                        <a:spcAft>
+                          <a:spcPts val="0"/>
+                        </a:spcAft>
+                      </a:pPr>
+                      <a:r>
+                        <a:rPr lang="en-US" sz="1800" kern="100" dirty="0">
+                          <a:latin typeface="Century"/>
+                          <a:ea typeface="Mincho"/>
+                          <a:cs typeface="Times New Roman"/>
+                        </a:rPr>
+                        <a:t>2</a:t>
+                      </a:r>
+                      <a:endParaRPr lang="ja-JP" sz="1800" kern="100" dirty="0">
+                        <a:latin typeface="Century"/>
+                        <a:ea typeface="Mincho"/>
+                        <a:cs typeface="Times New Roman"/>
+                      </a:endParaRPr>
+                    </a:p>
+                  </a:txBody>
+                  <a:tcPr marL="71663" marR="71663" marT="0" marB="0" anchor="ctr">
+                    <a:lnL w="12700" cap="flat" cmpd="sng" algn="ctr">
+                      <a:solidFill>
+                        <a:srgbClr val="000000"/>
+                      </a:solidFill>
+                      <a:prstDash val="solid"/>
+                      <a:round/>
+                      <a:headEnd type="none" w="med" len="med"/>
+                      <a:tailEnd type="none" w="med" len="med"/>
+                    </a:lnL>
+                    <a:lnR w="12700" cap="flat" cmpd="sng" algn="ctr">
+                      <a:solidFill>
+                        <a:srgbClr val="000000"/>
+                      </a:solidFill>
+                      <a:prstDash val="solid"/>
+                      <a:round/>
+                      <a:headEnd type="none" w="med" len="med"/>
+                      <a:tailEnd type="none" w="med" len="med"/>
+                    </a:lnR>
+                    <a:lnT w="12700" cap="flat" cmpd="sng" algn="ctr">
+                      <a:solidFill>
+                        <a:srgbClr val="000000"/>
+                      </a:solidFill>
+                      <a:prstDash val="solid"/>
+                      <a:round/>
+                      <a:headEnd type="none" w="med" len="med"/>
+                      <a:tailEnd type="none" w="med" len="med"/>
+                    </a:lnT>
+                    <a:lnB w="12700" cap="flat" cmpd="sng" algn="ctr">
+                      <a:solidFill>
+                        <a:srgbClr val="000000"/>
+                      </a:solidFill>
+                      <a:prstDash val="solid"/>
+                      <a:round/>
+                      <a:headEnd type="none" w="med" len="med"/>
+                      <a:tailEnd type="none" w="med" len="med"/>
+                    </a:lnB>
+                    <a:solidFill>
+                      <a:schemeClr val="accent3">
+                        <a:lumMod val="20000"/>
+                        <a:lumOff val="80000"/>
+                      </a:schemeClr>
+                    </a:solidFill>
+                  </a:tcPr>
+                </a:tc>
+                <a:tc>
+                  <a:txBody>
+                    <a:bodyPr/>
+                    <a:lstStyle/>
+                    <a:p>
+                      <a:pPr algn="just">
+                        <a:lnSpc>
+                          <a:spcPts val="1800"/>
+                        </a:lnSpc>
+                        <a:spcAft>
+                          <a:spcPts val="0"/>
+                        </a:spcAft>
+                      </a:pPr>
+                      <a:r>
+                        <a:rPr lang="ja-JP" sz="1800" kern="100" dirty="0">
+                          <a:latin typeface="+mn-lt"/>
+                          <a:ea typeface="Mincho"/>
+                          <a:cs typeface="Times New Roman"/>
+                        </a:rPr>
+                        <a:t>何のためのフォームか明記する</a:t>
+                      </a:r>
+                    </a:p>
+                  </a:txBody>
+                  <a:tcPr marL="71663" marR="71663" marT="0" marB="0" anchor="ctr">
+                    <a:lnL w="12700" cap="flat" cmpd="sng" algn="ctr">
+                      <a:solidFill>
+                        <a:srgbClr val="000000"/>
+                      </a:solidFill>
+                      <a:prstDash val="solid"/>
+                      <a:round/>
+                      <a:headEnd type="none" w="med" len="med"/>
+                      <a:tailEnd type="none" w="med" len="med"/>
+                    </a:lnL>
+                    <a:lnR w="12700" cap="flat" cmpd="sng" algn="ctr">
+                      <a:solidFill>
+                        <a:srgbClr val="000000"/>
+                      </a:solidFill>
+                      <a:prstDash val="solid"/>
+                      <a:round/>
+                      <a:headEnd type="none" w="med" len="med"/>
+                      <a:tailEnd type="none" w="med" len="med"/>
+                    </a:lnR>
+                    <a:lnT w="12700" cap="flat" cmpd="sng" algn="ctr">
+                      <a:solidFill>
+                        <a:srgbClr val="000000"/>
+                      </a:solidFill>
+                      <a:prstDash val="solid"/>
+                      <a:round/>
+                      <a:headEnd type="none" w="med" len="med"/>
+                      <a:tailEnd type="none" w="med" len="med"/>
+                    </a:lnT>
+                    <a:lnB w="12700" cap="flat" cmpd="sng" algn="ctr">
+                      <a:solidFill>
+                        <a:srgbClr val="000000"/>
+                      </a:solidFill>
+                      <a:prstDash val="solid"/>
+                      <a:round/>
+                      <a:headEnd type="none" w="med" len="med"/>
+                      <a:tailEnd type="none" w="med" len="med"/>
+                    </a:lnB>
+                    <a:solidFill>
+                      <a:schemeClr val="accent3">
+                        <a:lumMod val="20000"/>
+                        <a:lumOff val="80000"/>
+                      </a:schemeClr>
+                    </a:solidFill>
+                  </a:tcPr>
+                </a:tc>
+                <a:tc vMerge="1">
+                  <a:txBody>
+                    <a:bodyPr/>
+                    <a:lstStyle/>
+                    <a:p>
+                      <a:pPr algn="just">
+                        <a:lnSpc>
+                          <a:spcPts val="1800"/>
+                        </a:lnSpc>
+                        <a:spcAft>
+                          <a:spcPts val="0"/>
+                        </a:spcAft>
+                      </a:pPr>
+                      <a:endParaRPr lang="ja-JP" sz="1600" kern="100" dirty="0">
+                        <a:latin typeface="+mn-lt"/>
+                        <a:ea typeface="Mincho"/>
+                        <a:cs typeface="Times New Roman"/>
+                      </a:endParaRPr>
+                    </a:p>
+                  </a:txBody>
+                  <a:tcPr marL="71663" marR="71663" marT="0" marB="0" anchor="b">
+                    <a:lnL w="12700" cap="flat" cmpd="sng" algn="ctr">
+                      <a:solidFill>
+                        <a:srgbClr val="000000"/>
+                      </a:solidFill>
+                      <a:prstDash val="solid"/>
+                      <a:round/>
+                      <a:headEnd type="none" w="med" len="med"/>
+                      <a:tailEnd type="none" w="med" len="med"/>
+                    </a:lnL>
+                    <a:lnR w="12700" cap="flat" cmpd="sng" algn="ctr">
+                      <a:solidFill>
+                        <a:srgbClr val="000000"/>
+                      </a:solidFill>
+                      <a:prstDash val="solid"/>
+                      <a:round/>
+                      <a:headEnd type="none" w="med" len="med"/>
+                      <a:tailEnd type="none" w="med" len="med"/>
+                    </a:lnR>
+                    <a:lnT w="12700" cap="flat" cmpd="sng" algn="ctr">
+                      <a:solidFill>
+                        <a:srgbClr val="000000"/>
+                      </a:solidFill>
+                      <a:prstDash val="solid"/>
+                      <a:round/>
+                      <a:headEnd type="none" w="med" len="med"/>
+                      <a:tailEnd type="none" w="med" len="med"/>
+                    </a:lnT>
+                    <a:lnB w="12700" cap="flat" cmpd="sng" algn="ctr">
+                      <a:solidFill>
+                        <a:srgbClr val="000000"/>
+                      </a:solidFill>
+                      <a:prstDash val="solid"/>
+                      <a:round/>
+                      <a:headEnd type="none" w="med" len="med"/>
+                      <a:tailEnd type="none" w="med" len="med"/>
+                    </a:lnB>
+                    <a:solidFill>
+                      <a:schemeClr val="accent3">
+                        <a:lumMod val="20000"/>
+                        <a:lumOff val="80000"/>
+                      </a:schemeClr>
+                    </a:solidFill>
+                  </a:tcPr>
+                </a:tc>
+              </a:tr>
+              <a:tr h="345832">
+                <a:tc>
+                  <a:txBody>
+                    <a:bodyPr/>
+                    <a:lstStyle/>
+                    <a:p>
+                      <a:pPr algn="r">
+                        <a:lnSpc>
+                          <a:spcPts val="1800"/>
+                        </a:lnSpc>
+                        <a:spcAft>
+                          <a:spcPts val="0"/>
+                        </a:spcAft>
+                      </a:pPr>
+                      <a:r>
+                        <a:rPr lang="en-US" sz="1800" kern="100" dirty="0">
+                          <a:latin typeface="Century"/>
+                          <a:ea typeface="Mincho"/>
+                          <a:cs typeface="Times New Roman"/>
+                        </a:rPr>
+                        <a:t>3</a:t>
+                      </a:r>
+                      <a:endParaRPr lang="ja-JP" sz="1800" kern="100" dirty="0">
+                        <a:latin typeface="Century"/>
+                        <a:ea typeface="Mincho"/>
+                        <a:cs typeface="Times New Roman"/>
+                      </a:endParaRPr>
+                    </a:p>
+                  </a:txBody>
+                  <a:tcPr marL="71663" marR="71663" marT="0" marB="0" anchor="ctr">
+                    <a:lnL w="12700" cap="flat" cmpd="sng" algn="ctr">
+                      <a:solidFill>
+                        <a:srgbClr val="000000"/>
+                      </a:solidFill>
+                      <a:prstDash val="solid"/>
+                      <a:round/>
+                      <a:headEnd type="none" w="med" len="med"/>
+                      <a:tailEnd type="none" w="med" len="med"/>
+                    </a:lnL>
+                    <a:lnR w="12700" cap="flat" cmpd="sng" algn="ctr">
+                      <a:solidFill>
+                        <a:srgbClr val="000000"/>
+                      </a:solidFill>
+                      <a:prstDash val="solid"/>
+                      <a:round/>
+                      <a:headEnd type="none" w="med" len="med"/>
+                      <a:tailEnd type="none" w="med" len="med"/>
+                    </a:lnR>
+                    <a:lnT w="12700" cap="flat" cmpd="sng" algn="ctr">
+                      <a:solidFill>
+                        <a:srgbClr val="000000"/>
+                      </a:solidFill>
+                      <a:prstDash val="solid"/>
+                      <a:round/>
+                      <a:headEnd type="none" w="med" len="med"/>
+                      <a:tailEnd type="none" w="med" len="med"/>
+                    </a:lnT>
+                    <a:lnB w="12700" cap="flat" cmpd="sng" algn="ctr">
+                      <a:solidFill>
+                        <a:srgbClr val="000000"/>
+                      </a:solidFill>
+                      <a:prstDash val="solid"/>
+                      <a:round/>
+                      <a:headEnd type="none" w="med" len="med"/>
+                      <a:tailEnd type="none" w="med" len="med"/>
+                    </a:lnB>
+                    <a:solidFill>
+                      <a:schemeClr val="accent3">
+                        <a:lumMod val="20000"/>
+                        <a:lumOff val="80000"/>
+                      </a:schemeClr>
+                    </a:solidFill>
+                  </a:tcPr>
+                </a:tc>
+                <a:tc>
+                  <a:txBody>
+                    <a:bodyPr/>
+                    <a:lstStyle/>
+                    <a:p>
+                      <a:pPr algn="just">
+                        <a:lnSpc>
+                          <a:spcPts val="1800"/>
+                        </a:lnSpc>
+                        <a:spcAft>
+                          <a:spcPts val="0"/>
+                        </a:spcAft>
+                      </a:pPr>
+                      <a:r>
+                        <a:rPr lang="ja-JP" altLang="en-US" sz="1800" kern="100" dirty="0" smtClean="0">
+                          <a:latin typeface="+mn-lt"/>
+                          <a:ea typeface="Mincho"/>
+                          <a:cs typeface="Times New Roman"/>
+                        </a:rPr>
+                        <a:t>アクティブなフォームは</a:t>
+                      </a:r>
+                      <a:r>
+                        <a:rPr lang="ja-JP" sz="1800" kern="100" dirty="0" smtClean="0">
+                          <a:latin typeface="+mn-lt"/>
+                          <a:ea typeface="Mincho"/>
+                          <a:cs typeface="Times New Roman"/>
+                        </a:rPr>
+                        <a:t>色</a:t>
+                      </a:r>
+                      <a:r>
+                        <a:rPr lang="ja-JP" sz="1800" kern="100" dirty="0">
+                          <a:latin typeface="+mn-lt"/>
+                          <a:ea typeface="Mincho"/>
+                          <a:cs typeface="Times New Roman"/>
+                        </a:rPr>
+                        <a:t>を変える</a:t>
+                      </a:r>
+                    </a:p>
+                  </a:txBody>
+                  <a:tcPr marL="71663" marR="71663" marT="0" marB="0" anchor="ctr">
+                    <a:lnL w="12700" cap="flat" cmpd="sng" algn="ctr">
+                      <a:solidFill>
+                        <a:srgbClr val="000000"/>
+                      </a:solidFill>
+                      <a:prstDash val="solid"/>
+                      <a:round/>
+                      <a:headEnd type="none" w="med" len="med"/>
+                      <a:tailEnd type="none" w="med" len="med"/>
+                    </a:lnL>
+                    <a:lnR w="12700" cap="flat" cmpd="sng" algn="ctr">
+                      <a:solidFill>
+                        <a:srgbClr val="000000"/>
+                      </a:solidFill>
+                      <a:prstDash val="solid"/>
+                      <a:round/>
+                      <a:headEnd type="none" w="med" len="med"/>
+                      <a:tailEnd type="none" w="med" len="med"/>
+                    </a:lnR>
+                    <a:lnT w="12700" cap="flat" cmpd="sng" algn="ctr">
+                      <a:solidFill>
+                        <a:srgbClr val="000000"/>
+                      </a:solidFill>
+                      <a:prstDash val="solid"/>
+                      <a:round/>
+                      <a:headEnd type="none" w="med" len="med"/>
+                      <a:tailEnd type="none" w="med" len="med"/>
+                    </a:lnT>
+                    <a:lnB w="12700" cap="flat" cmpd="sng" algn="ctr">
+                      <a:solidFill>
+                        <a:srgbClr val="000000"/>
+                      </a:solidFill>
+                      <a:prstDash val="solid"/>
+                      <a:round/>
+                      <a:headEnd type="none" w="med" len="med"/>
+                      <a:tailEnd type="none" w="med" len="med"/>
+                    </a:lnB>
+                    <a:solidFill>
+                      <a:schemeClr val="accent3">
+                        <a:lumMod val="20000"/>
+                        <a:lumOff val="80000"/>
+                      </a:schemeClr>
+                    </a:solidFill>
+                  </a:tcPr>
+                </a:tc>
+                <a:tc vMerge="1">
+                  <a:txBody>
+                    <a:bodyPr/>
+                    <a:lstStyle/>
+                    <a:p>
+                      <a:pPr algn="just">
+                        <a:lnSpc>
+                          <a:spcPts val="1800"/>
+                        </a:lnSpc>
+                        <a:spcAft>
+                          <a:spcPts val="0"/>
+                        </a:spcAft>
+                      </a:pPr>
+                      <a:endParaRPr lang="ja-JP" sz="1600" kern="100" dirty="0">
+                        <a:latin typeface="+mn-lt"/>
+                        <a:ea typeface="Mincho"/>
+                        <a:cs typeface="Times New Roman"/>
+                      </a:endParaRPr>
+                    </a:p>
+                  </a:txBody>
+                  <a:tcPr marL="71663" marR="71663" marT="0" marB="0" anchor="b">
+                    <a:lnL w="12700" cap="flat" cmpd="sng" algn="ctr">
+                      <a:solidFill>
+                        <a:srgbClr val="000000"/>
+                      </a:solidFill>
+                      <a:prstDash val="solid"/>
+                      <a:round/>
+                      <a:headEnd type="none" w="med" len="med"/>
+                      <a:tailEnd type="none" w="med" len="med"/>
+                    </a:lnL>
+                    <a:lnR w="12700" cap="flat" cmpd="sng" algn="ctr">
+                      <a:solidFill>
+                        <a:srgbClr val="000000"/>
+                      </a:solidFill>
+                      <a:prstDash val="solid"/>
+                      <a:round/>
+                      <a:headEnd type="none" w="med" len="med"/>
+                      <a:tailEnd type="none" w="med" len="med"/>
+                    </a:lnR>
+                    <a:lnT w="12700" cap="flat" cmpd="sng" algn="ctr">
+                      <a:solidFill>
+                        <a:srgbClr val="000000"/>
+                      </a:solidFill>
+                      <a:prstDash val="solid"/>
+                      <a:round/>
+                      <a:headEnd type="none" w="med" len="med"/>
+                      <a:tailEnd type="none" w="med" len="med"/>
+                    </a:lnT>
+                    <a:lnB w="12700" cap="flat" cmpd="sng" algn="ctr">
+                      <a:solidFill>
+                        <a:srgbClr val="000000"/>
+                      </a:solidFill>
+                      <a:prstDash val="solid"/>
+                      <a:round/>
+                      <a:headEnd type="none" w="med" len="med"/>
+                      <a:tailEnd type="none" w="med" len="med"/>
+                    </a:lnB>
+                    <a:solidFill>
+                      <a:schemeClr val="accent3">
+                        <a:lumMod val="20000"/>
+                        <a:lumOff val="80000"/>
+                      </a:schemeClr>
+                    </a:solidFill>
+                  </a:tcPr>
+                </a:tc>
+              </a:tr>
+              <a:tr h="347746">
+                <a:tc>
+                  <a:txBody>
+                    <a:bodyPr/>
+                    <a:lstStyle/>
+                    <a:p>
+                      <a:pPr algn="r">
+                        <a:lnSpc>
+                          <a:spcPts val="1800"/>
+                        </a:lnSpc>
+                        <a:spcAft>
+                          <a:spcPts val="0"/>
+                        </a:spcAft>
+                      </a:pPr>
+                      <a:r>
+                        <a:rPr lang="en-US" sz="1800" kern="100" dirty="0">
+                          <a:latin typeface="Century"/>
+                          <a:ea typeface="Mincho"/>
+                          <a:cs typeface="Times New Roman"/>
+                        </a:rPr>
+                        <a:t>4</a:t>
+                      </a:r>
+                      <a:endParaRPr lang="ja-JP" sz="1800" kern="100" dirty="0">
+                        <a:latin typeface="Century"/>
+                        <a:ea typeface="Mincho"/>
+                        <a:cs typeface="Times New Roman"/>
+                      </a:endParaRPr>
+                    </a:p>
+                  </a:txBody>
+                  <a:tcPr marL="71663" marR="71663" marT="0" marB="0" anchor="ctr">
+                    <a:lnL w="12700" cap="flat" cmpd="sng" algn="ctr">
+                      <a:solidFill>
+                        <a:srgbClr val="000000"/>
+                      </a:solidFill>
+                      <a:prstDash val="solid"/>
+                      <a:round/>
+                      <a:headEnd type="none" w="med" len="med"/>
+                      <a:tailEnd type="none" w="med" len="med"/>
+                    </a:lnL>
+                    <a:lnR w="12700" cap="flat" cmpd="sng" algn="ctr">
+                      <a:solidFill>
+                        <a:srgbClr val="000000"/>
+                      </a:solidFill>
+                      <a:prstDash val="solid"/>
+                      <a:round/>
+                      <a:headEnd type="none" w="med" len="med"/>
+                      <a:tailEnd type="none" w="med" len="med"/>
+                    </a:lnR>
+                    <a:lnT w="12700" cap="flat" cmpd="sng" algn="ctr">
+                      <a:solidFill>
+                        <a:srgbClr val="000000"/>
+                      </a:solidFill>
+                      <a:prstDash val="solid"/>
+                      <a:round/>
+                      <a:headEnd type="none" w="med" len="med"/>
+                      <a:tailEnd type="none" w="med" len="med"/>
+                    </a:lnT>
+                    <a:lnB w="12700" cap="flat" cmpd="sng" algn="ctr">
+                      <a:solidFill>
+                        <a:srgbClr val="000000"/>
+                      </a:solidFill>
+                      <a:prstDash val="solid"/>
+                      <a:round/>
+                      <a:headEnd type="none" w="med" len="med"/>
+                      <a:tailEnd type="none" w="med" len="med"/>
+                    </a:lnB>
+                    <a:solidFill>
+                      <a:schemeClr val="accent3">
+                        <a:lumMod val="20000"/>
+                        <a:lumOff val="80000"/>
+                      </a:schemeClr>
+                    </a:solidFill>
+                  </a:tcPr>
+                </a:tc>
+                <a:tc>
+                  <a:txBody>
+                    <a:bodyPr/>
+                    <a:lstStyle/>
+                    <a:p>
+                      <a:pPr algn="just">
+                        <a:lnSpc>
+                          <a:spcPts val="1800"/>
+                        </a:lnSpc>
+                        <a:spcAft>
+                          <a:spcPts val="0"/>
+                        </a:spcAft>
+                      </a:pPr>
+                      <a:r>
+                        <a:rPr lang="ja-JP" sz="1800" kern="100" dirty="0">
+                          <a:latin typeface="+mn-lt"/>
+                          <a:ea typeface="Mincho"/>
+                          <a:cs typeface="Times New Roman"/>
+                        </a:rPr>
+                        <a:t>送信ボタンの表現を変える</a:t>
+                      </a:r>
+                    </a:p>
+                  </a:txBody>
+                  <a:tcPr marL="71663" marR="71663" marT="0" marB="0" anchor="ctr">
+                    <a:lnL w="12700" cap="flat" cmpd="sng" algn="ctr">
+                      <a:solidFill>
+                        <a:srgbClr val="000000"/>
+                      </a:solidFill>
+                      <a:prstDash val="solid"/>
+                      <a:round/>
+                      <a:headEnd type="none" w="med" len="med"/>
+                      <a:tailEnd type="none" w="med" len="med"/>
+                    </a:lnL>
+                    <a:lnR w="12700" cap="flat" cmpd="sng" algn="ctr">
+                      <a:solidFill>
+                        <a:srgbClr val="000000"/>
+                      </a:solidFill>
+                      <a:prstDash val="solid"/>
+                      <a:round/>
+                      <a:headEnd type="none" w="med" len="med"/>
+                      <a:tailEnd type="none" w="med" len="med"/>
+                    </a:lnR>
+                    <a:lnT w="12700" cap="flat" cmpd="sng" algn="ctr">
+                      <a:solidFill>
+                        <a:srgbClr val="000000"/>
+                      </a:solidFill>
+                      <a:prstDash val="solid"/>
+                      <a:round/>
+                      <a:headEnd type="none" w="med" len="med"/>
+                      <a:tailEnd type="none" w="med" len="med"/>
+                    </a:lnT>
+                    <a:lnB w="12700" cap="flat" cmpd="sng" algn="ctr">
+                      <a:solidFill>
+                        <a:srgbClr val="000000"/>
+                      </a:solidFill>
+                      <a:prstDash val="solid"/>
+                      <a:round/>
+                      <a:headEnd type="none" w="med" len="med"/>
+                      <a:tailEnd type="none" w="med" len="med"/>
+                    </a:lnB>
+                    <a:solidFill>
+                      <a:schemeClr val="accent3">
+                        <a:lumMod val="20000"/>
+                        <a:lumOff val="80000"/>
+                      </a:schemeClr>
+                    </a:solidFill>
+                  </a:tcPr>
+                </a:tc>
+                <a:tc vMerge="1">
+                  <a:txBody>
+                    <a:bodyPr/>
+                    <a:lstStyle/>
+                    <a:p>
+                      <a:pPr algn="just">
+                        <a:lnSpc>
+                          <a:spcPts val="1800"/>
+                        </a:lnSpc>
+                        <a:spcAft>
+                          <a:spcPts val="0"/>
+                        </a:spcAft>
+                      </a:pPr>
+                      <a:endParaRPr lang="ja-JP" sz="1600" kern="100" dirty="0">
+                        <a:latin typeface="+mn-lt"/>
+                        <a:ea typeface="Mincho"/>
+                        <a:cs typeface="Times New Roman"/>
+                      </a:endParaRPr>
+                    </a:p>
+                  </a:txBody>
+                  <a:tcPr marL="71663" marR="71663" marT="0" marB="0" anchor="b">
+                    <a:lnL w="12700" cap="flat" cmpd="sng" algn="ctr">
+                      <a:solidFill>
+                        <a:srgbClr val="000000"/>
+                      </a:solidFill>
+                      <a:prstDash val="solid"/>
+                      <a:round/>
+                      <a:headEnd type="none" w="med" len="med"/>
+                      <a:tailEnd type="none" w="med" len="med"/>
+                    </a:lnL>
+                    <a:lnR w="12700" cap="flat" cmpd="sng" algn="ctr">
+                      <a:solidFill>
+                        <a:srgbClr val="000000"/>
+                      </a:solidFill>
+                      <a:prstDash val="solid"/>
+                      <a:round/>
+                      <a:headEnd type="none" w="med" len="med"/>
+                      <a:tailEnd type="none" w="med" len="med"/>
+                    </a:lnR>
+                    <a:lnT w="12700" cap="flat" cmpd="sng" algn="ctr">
+                      <a:solidFill>
+                        <a:srgbClr val="000000"/>
+                      </a:solidFill>
+                      <a:prstDash val="solid"/>
+                      <a:round/>
+                      <a:headEnd type="none" w="med" len="med"/>
+                      <a:tailEnd type="none" w="med" len="med"/>
+                    </a:lnT>
+                    <a:lnB w="12700" cap="flat" cmpd="sng" algn="ctr">
+                      <a:solidFill>
+                        <a:srgbClr val="000000"/>
+                      </a:solidFill>
+                      <a:prstDash val="solid"/>
+                      <a:round/>
+                      <a:headEnd type="none" w="med" len="med"/>
+                      <a:tailEnd type="none" w="med" len="med"/>
+                    </a:lnB>
+                    <a:solidFill>
+                      <a:schemeClr val="accent3">
+                        <a:lumMod val="20000"/>
+                        <a:lumOff val="80000"/>
+                      </a:schemeClr>
+                    </a:solidFill>
+                  </a:tcPr>
+                </a:tc>
+              </a:tr>
+              <a:tr h="345832">
+                <a:tc>
+                  <a:txBody>
+                    <a:bodyPr/>
+                    <a:lstStyle/>
+                    <a:p>
+                      <a:pPr algn="r">
+                        <a:lnSpc>
+                          <a:spcPts val="1800"/>
+                        </a:lnSpc>
+                        <a:spcAft>
+                          <a:spcPts val="0"/>
+                        </a:spcAft>
+                      </a:pPr>
+                      <a:r>
+                        <a:rPr lang="en-US" sz="1800" kern="100" dirty="0">
+                          <a:latin typeface="Century"/>
+                          <a:ea typeface="Mincho"/>
+                          <a:cs typeface="Times New Roman"/>
+                        </a:rPr>
+                        <a:t>5</a:t>
+                      </a:r>
+                      <a:endParaRPr lang="ja-JP" sz="1800" kern="100" dirty="0">
+                        <a:latin typeface="Century"/>
+                        <a:ea typeface="Mincho"/>
+                        <a:cs typeface="Times New Roman"/>
+                      </a:endParaRPr>
+                    </a:p>
+                  </a:txBody>
+                  <a:tcPr marL="71663" marR="71663" marT="0" marB="0" anchor="ctr">
+                    <a:lnL w="12700" cap="flat" cmpd="sng" algn="ctr">
+                      <a:solidFill>
+                        <a:srgbClr val="000000"/>
+                      </a:solidFill>
+                      <a:prstDash val="solid"/>
+                      <a:round/>
+                      <a:headEnd type="none" w="med" len="med"/>
+                      <a:tailEnd type="none" w="med" len="med"/>
+                    </a:lnL>
+                    <a:lnR w="12700" cap="flat" cmpd="sng" algn="ctr">
+                      <a:solidFill>
+                        <a:srgbClr val="000000"/>
+                      </a:solidFill>
+                      <a:prstDash val="solid"/>
+                      <a:round/>
+                      <a:headEnd type="none" w="med" len="med"/>
+                      <a:tailEnd type="none" w="med" len="med"/>
+                    </a:lnR>
+                    <a:lnT w="12700" cap="flat" cmpd="sng" algn="ctr">
+                      <a:solidFill>
+                        <a:srgbClr val="000000"/>
+                      </a:solidFill>
+                      <a:prstDash val="solid"/>
+                      <a:round/>
+                      <a:headEnd type="none" w="med" len="med"/>
+                      <a:tailEnd type="none" w="med" len="med"/>
+                    </a:lnT>
+                    <a:lnB w="12700" cap="flat" cmpd="sng" algn="ctr">
+                      <a:solidFill>
+                        <a:srgbClr val="000000"/>
+                      </a:solidFill>
+                      <a:prstDash val="solid"/>
+                      <a:round/>
+                      <a:headEnd type="none" w="med" len="med"/>
+                      <a:tailEnd type="none" w="med" len="med"/>
+                    </a:lnB>
+                    <a:solidFill>
+                      <a:schemeClr val="accent3">
+                        <a:lumMod val="20000"/>
+                        <a:lumOff val="80000"/>
+                      </a:schemeClr>
+                    </a:solidFill>
+                  </a:tcPr>
+                </a:tc>
+                <a:tc>
+                  <a:txBody>
+                    <a:bodyPr/>
+                    <a:lstStyle/>
+                    <a:p>
+                      <a:pPr algn="just">
+                        <a:lnSpc>
+                          <a:spcPts val="1800"/>
+                        </a:lnSpc>
+                        <a:spcAft>
+                          <a:spcPts val="0"/>
+                        </a:spcAft>
+                      </a:pPr>
+                      <a:r>
+                        <a:rPr lang="ja-JP" sz="1800" kern="100" dirty="0">
+                          <a:latin typeface="+mn-lt"/>
+                          <a:ea typeface="Mincho"/>
+                          <a:cs typeface="Times New Roman"/>
+                        </a:rPr>
+                        <a:t>フォームの項目は垂直にする</a:t>
+                      </a:r>
+                    </a:p>
+                  </a:txBody>
+                  <a:tcPr marL="71663" marR="71663" marT="0" marB="0" anchor="ctr">
+                    <a:lnL w="12700" cap="flat" cmpd="sng" algn="ctr">
+                      <a:solidFill>
+                        <a:srgbClr val="000000"/>
+                      </a:solidFill>
+                      <a:prstDash val="solid"/>
+                      <a:round/>
+                      <a:headEnd type="none" w="med" len="med"/>
+                      <a:tailEnd type="none" w="med" len="med"/>
+                    </a:lnL>
+                    <a:lnR w="12700" cap="flat" cmpd="sng" algn="ctr">
+                      <a:solidFill>
+                        <a:srgbClr val="000000"/>
+                      </a:solidFill>
+                      <a:prstDash val="solid"/>
+                      <a:round/>
+                      <a:headEnd type="none" w="med" len="med"/>
+                      <a:tailEnd type="none" w="med" len="med"/>
+                    </a:lnR>
+                    <a:lnT w="12700" cap="flat" cmpd="sng" algn="ctr">
+                      <a:solidFill>
+                        <a:srgbClr val="000000"/>
+                      </a:solidFill>
+                      <a:prstDash val="solid"/>
+                      <a:round/>
+                      <a:headEnd type="none" w="med" len="med"/>
+                      <a:tailEnd type="none" w="med" len="med"/>
+                    </a:lnT>
+                    <a:lnB w="12700" cap="flat" cmpd="sng" algn="ctr">
+                      <a:solidFill>
+                        <a:srgbClr val="000000"/>
+                      </a:solidFill>
+                      <a:prstDash val="solid"/>
+                      <a:round/>
+                      <a:headEnd type="none" w="med" len="med"/>
+                      <a:tailEnd type="none" w="med" len="med"/>
+                    </a:lnB>
+                    <a:solidFill>
+                      <a:schemeClr val="accent3">
+                        <a:lumMod val="20000"/>
+                        <a:lumOff val="80000"/>
+                      </a:schemeClr>
+                    </a:solidFill>
+                  </a:tcPr>
+                </a:tc>
+                <a:tc vMerge="1">
+                  <a:txBody>
+                    <a:bodyPr/>
+                    <a:lstStyle/>
+                    <a:p>
+                      <a:pPr algn="just">
+                        <a:lnSpc>
+                          <a:spcPts val="1800"/>
+                        </a:lnSpc>
+                        <a:spcAft>
+                          <a:spcPts val="0"/>
+                        </a:spcAft>
+                      </a:pPr>
+                      <a:endParaRPr lang="ja-JP" sz="1600" kern="100" dirty="0">
+                        <a:latin typeface="+mn-lt"/>
+                        <a:ea typeface="Mincho"/>
+                        <a:cs typeface="Times New Roman"/>
+                      </a:endParaRPr>
+                    </a:p>
+                  </a:txBody>
+                  <a:tcPr marL="71663" marR="71663" marT="0" marB="0" anchor="b">
+                    <a:lnL w="12700" cap="flat" cmpd="sng" algn="ctr">
+                      <a:solidFill>
+                        <a:srgbClr val="000000"/>
+                      </a:solidFill>
+                      <a:prstDash val="solid"/>
+                      <a:round/>
+                      <a:headEnd type="none" w="med" len="med"/>
+                      <a:tailEnd type="none" w="med" len="med"/>
+                    </a:lnL>
+                    <a:lnR w="12700" cap="flat" cmpd="sng" algn="ctr">
+                      <a:solidFill>
+                        <a:srgbClr val="000000"/>
+                      </a:solidFill>
+                      <a:prstDash val="solid"/>
+                      <a:round/>
+                      <a:headEnd type="none" w="med" len="med"/>
+                      <a:tailEnd type="none" w="med" len="med"/>
+                    </a:lnR>
+                    <a:lnT w="12700" cap="flat" cmpd="sng" algn="ctr">
+                      <a:solidFill>
+                        <a:srgbClr val="000000"/>
+                      </a:solidFill>
+                      <a:prstDash val="solid"/>
+                      <a:round/>
+                      <a:headEnd type="none" w="med" len="med"/>
+                      <a:tailEnd type="none" w="med" len="med"/>
+                    </a:lnT>
+                    <a:lnB w="12700" cap="flat" cmpd="sng" algn="ctr">
+                      <a:solidFill>
+                        <a:srgbClr val="000000"/>
+                      </a:solidFill>
+                      <a:prstDash val="solid"/>
+                      <a:round/>
+                      <a:headEnd type="none" w="med" len="med"/>
+                      <a:tailEnd type="none" w="med" len="med"/>
+                    </a:lnB>
+                    <a:solidFill>
+                      <a:schemeClr val="accent3">
+                        <a:lumMod val="20000"/>
+                        <a:lumOff val="80000"/>
+                      </a:schemeClr>
+                    </a:solidFill>
+                  </a:tcPr>
+                </a:tc>
+              </a:tr>
+              <a:tr h="345832">
+                <a:tc>
+                  <a:txBody>
+                    <a:bodyPr/>
+                    <a:lstStyle/>
+                    <a:p>
+                      <a:pPr algn="r">
+                        <a:lnSpc>
+                          <a:spcPts val="1800"/>
+                        </a:lnSpc>
+                        <a:spcAft>
+                          <a:spcPts val="0"/>
+                        </a:spcAft>
+                      </a:pPr>
+                      <a:r>
+                        <a:rPr lang="en-US" sz="1800" kern="100" dirty="0">
+                          <a:latin typeface="Century"/>
+                          <a:ea typeface="Mincho"/>
+                          <a:cs typeface="Times New Roman"/>
+                        </a:rPr>
+                        <a:t>6</a:t>
+                      </a:r>
+                      <a:endParaRPr lang="ja-JP" sz="1800" kern="100" dirty="0">
+                        <a:latin typeface="Century"/>
+                        <a:ea typeface="Mincho"/>
+                        <a:cs typeface="Times New Roman"/>
+                      </a:endParaRPr>
+                    </a:p>
+                  </a:txBody>
+                  <a:tcPr marL="71663" marR="71663" marT="0" marB="0" anchor="ctr">
+                    <a:lnL w="12700" cap="flat" cmpd="sng" algn="ctr">
+                      <a:solidFill>
+                        <a:srgbClr val="000000"/>
+                      </a:solidFill>
+                      <a:prstDash val="solid"/>
+                      <a:round/>
+                      <a:headEnd type="none" w="med" len="med"/>
+                      <a:tailEnd type="none" w="med" len="med"/>
+                    </a:lnL>
+                    <a:lnR w="12700" cap="flat" cmpd="sng" algn="ctr">
+                      <a:solidFill>
+                        <a:srgbClr val="000000"/>
+                      </a:solidFill>
+                      <a:prstDash val="solid"/>
+                      <a:round/>
+                      <a:headEnd type="none" w="med" len="med"/>
+                      <a:tailEnd type="none" w="med" len="med"/>
+                    </a:lnR>
+                    <a:lnT w="12700" cap="flat" cmpd="sng" algn="ctr">
+                      <a:solidFill>
+                        <a:srgbClr val="000000"/>
+                      </a:solidFill>
+                      <a:prstDash val="solid"/>
+                      <a:round/>
+                      <a:headEnd type="none" w="med" len="med"/>
+                      <a:tailEnd type="none" w="med" len="med"/>
+                    </a:lnT>
+                    <a:lnB w="12700" cap="flat" cmpd="sng" algn="ctr">
+                      <a:solidFill>
+                        <a:srgbClr val="000000"/>
+                      </a:solidFill>
+                      <a:prstDash val="solid"/>
+                      <a:round/>
+                      <a:headEnd type="none" w="med" len="med"/>
+                      <a:tailEnd type="none" w="med" len="med"/>
+                    </a:lnB>
+                    <a:solidFill>
+                      <a:schemeClr val="accent3">
+                        <a:lumMod val="20000"/>
+                        <a:lumOff val="80000"/>
+                      </a:schemeClr>
+                    </a:solidFill>
+                  </a:tcPr>
+                </a:tc>
+                <a:tc>
+                  <a:txBody>
+                    <a:bodyPr/>
+                    <a:lstStyle/>
+                    <a:p>
+                      <a:pPr algn="just">
+                        <a:lnSpc>
+                          <a:spcPts val="1800"/>
+                        </a:lnSpc>
+                        <a:spcAft>
+                          <a:spcPts val="0"/>
+                        </a:spcAft>
+                      </a:pPr>
+                      <a:r>
+                        <a:rPr lang="ja-JP" sz="1800" kern="100" dirty="0">
+                          <a:latin typeface="+mn-lt"/>
+                          <a:ea typeface="Mincho"/>
+                          <a:cs typeface="Times New Roman"/>
+                        </a:rPr>
+                        <a:t>不要な項目は入れない</a:t>
+                      </a:r>
+                    </a:p>
+                  </a:txBody>
+                  <a:tcPr marL="71663" marR="71663" marT="0" marB="0" anchor="ctr">
+                    <a:lnL w="12700" cap="flat" cmpd="sng" algn="ctr">
+                      <a:solidFill>
+                        <a:srgbClr val="000000"/>
+                      </a:solidFill>
+                      <a:prstDash val="solid"/>
+                      <a:round/>
+                      <a:headEnd type="none" w="med" len="med"/>
+                      <a:tailEnd type="none" w="med" len="med"/>
+                    </a:lnL>
+                    <a:lnR w="12700" cap="flat" cmpd="sng" algn="ctr">
+                      <a:solidFill>
+                        <a:srgbClr val="000000"/>
+                      </a:solidFill>
+                      <a:prstDash val="solid"/>
+                      <a:round/>
+                      <a:headEnd type="none" w="med" len="med"/>
+                      <a:tailEnd type="none" w="med" len="med"/>
+                    </a:lnR>
+                    <a:lnT w="12700" cap="flat" cmpd="sng" algn="ctr">
+                      <a:solidFill>
+                        <a:srgbClr val="000000"/>
+                      </a:solidFill>
+                      <a:prstDash val="solid"/>
+                      <a:round/>
+                      <a:headEnd type="none" w="med" len="med"/>
+                      <a:tailEnd type="none" w="med" len="med"/>
+                    </a:lnT>
+                    <a:lnB w="12700" cap="flat" cmpd="sng" algn="ctr">
+                      <a:solidFill>
+                        <a:srgbClr val="000000"/>
+                      </a:solidFill>
+                      <a:prstDash val="solid"/>
+                      <a:round/>
+                      <a:headEnd type="none" w="med" len="med"/>
+                      <a:tailEnd type="none" w="med" len="med"/>
+                    </a:lnB>
+                    <a:solidFill>
+                      <a:schemeClr val="accent3">
+                        <a:lumMod val="20000"/>
+                        <a:lumOff val="80000"/>
+                      </a:schemeClr>
+                    </a:solidFill>
+                  </a:tcPr>
+                </a:tc>
+                <a:tc vMerge="1">
+                  <a:txBody>
+                    <a:bodyPr/>
+                    <a:lstStyle/>
+                    <a:p>
+                      <a:pPr algn="just">
+                        <a:lnSpc>
+                          <a:spcPts val="1800"/>
+                        </a:lnSpc>
+                        <a:spcAft>
+                          <a:spcPts val="0"/>
+                        </a:spcAft>
+                      </a:pPr>
+                      <a:endParaRPr lang="ja-JP" sz="1600" kern="100" dirty="0">
+                        <a:latin typeface="+mn-lt"/>
+                        <a:ea typeface="Mincho"/>
+                        <a:cs typeface="Times New Roman"/>
+                      </a:endParaRPr>
+                    </a:p>
+                  </a:txBody>
+                  <a:tcPr marL="71663" marR="71663" marT="0" marB="0" anchor="b">
+                    <a:lnL w="12700" cap="flat" cmpd="sng" algn="ctr">
+                      <a:solidFill>
+                        <a:srgbClr val="000000"/>
+                      </a:solidFill>
+                      <a:prstDash val="solid"/>
+                      <a:round/>
+                      <a:headEnd type="none" w="med" len="med"/>
+                      <a:tailEnd type="none" w="med" len="med"/>
+                    </a:lnL>
+                    <a:lnR w="12700" cap="flat" cmpd="sng" algn="ctr">
+                      <a:solidFill>
+                        <a:srgbClr val="000000"/>
+                      </a:solidFill>
+                      <a:prstDash val="solid"/>
+                      <a:round/>
+                      <a:headEnd type="none" w="med" len="med"/>
+                      <a:tailEnd type="none" w="med" len="med"/>
+                    </a:lnR>
+                    <a:lnT w="12700" cap="flat" cmpd="sng" algn="ctr">
+                      <a:solidFill>
+                        <a:srgbClr val="000000"/>
+                      </a:solidFill>
+                      <a:prstDash val="solid"/>
+                      <a:round/>
+                      <a:headEnd type="none" w="med" len="med"/>
+                      <a:tailEnd type="none" w="med" len="med"/>
+                    </a:lnT>
+                    <a:lnB w="12700" cap="flat" cmpd="sng" algn="ctr">
+                      <a:solidFill>
+                        <a:srgbClr val="000000"/>
+                      </a:solidFill>
+                      <a:prstDash val="solid"/>
+                      <a:round/>
+                      <a:headEnd type="none" w="med" len="med"/>
+                      <a:tailEnd type="none" w="med" len="med"/>
+                    </a:lnB>
+                    <a:solidFill>
+                      <a:schemeClr val="accent3">
+                        <a:lumMod val="20000"/>
+                        <a:lumOff val="80000"/>
+                      </a:schemeClr>
+                    </a:solidFill>
+                  </a:tcPr>
+                </a:tc>
+              </a:tr>
+              <a:tr h="345832">
+                <a:tc>
+                  <a:txBody>
+                    <a:bodyPr/>
+                    <a:lstStyle/>
+                    <a:p>
+                      <a:pPr algn="r">
+                        <a:lnSpc>
+                          <a:spcPts val="1800"/>
+                        </a:lnSpc>
+                        <a:spcAft>
+                          <a:spcPts val="0"/>
+                        </a:spcAft>
+                      </a:pPr>
+                      <a:r>
+                        <a:rPr lang="en-US" sz="1800" kern="100" dirty="0">
+                          <a:latin typeface="Century"/>
+                          <a:ea typeface="Mincho"/>
+                          <a:cs typeface="Times New Roman"/>
+                        </a:rPr>
+                        <a:t>7</a:t>
+                      </a:r>
+                      <a:endParaRPr lang="ja-JP" sz="1800" kern="100" dirty="0">
+                        <a:latin typeface="Century"/>
+                        <a:ea typeface="Mincho"/>
+                        <a:cs typeface="Times New Roman"/>
+                      </a:endParaRPr>
+                    </a:p>
+                  </a:txBody>
+                  <a:tcPr marL="71663" marR="71663" marT="0" marB="0" anchor="ctr">
+                    <a:lnL w="12700" cap="flat" cmpd="sng" algn="ctr">
+                      <a:solidFill>
+                        <a:srgbClr val="000000"/>
+                      </a:solidFill>
+                      <a:prstDash val="solid"/>
+                      <a:round/>
+                      <a:headEnd type="none" w="med" len="med"/>
+                      <a:tailEnd type="none" w="med" len="med"/>
+                    </a:lnL>
+                    <a:lnR w="12700" cap="flat" cmpd="sng" algn="ctr">
+                      <a:solidFill>
+                        <a:srgbClr val="000000"/>
+                      </a:solidFill>
+                      <a:prstDash val="solid"/>
+                      <a:round/>
+                      <a:headEnd type="none" w="med" len="med"/>
+                      <a:tailEnd type="none" w="med" len="med"/>
+                    </a:lnR>
+                    <a:lnT w="12700" cap="flat" cmpd="sng" algn="ctr">
+                      <a:solidFill>
+                        <a:srgbClr val="000000"/>
+                      </a:solidFill>
+                      <a:prstDash val="solid"/>
+                      <a:round/>
+                      <a:headEnd type="none" w="med" len="med"/>
+                      <a:tailEnd type="none" w="med" len="med"/>
+                    </a:lnT>
+                    <a:lnB w="12700" cap="flat" cmpd="sng" algn="ctr">
+                      <a:solidFill>
+                        <a:srgbClr val="000000"/>
+                      </a:solidFill>
+                      <a:prstDash val="solid"/>
+                      <a:round/>
+                      <a:headEnd type="none" w="med" len="med"/>
+                      <a:tailEnd type="none" w="med" len="med"/>
+                    </a:lnB>
+                    <a:solidFill>
+                      <a:schemeClr val="accent3">
+                        <a:lumMod val="20000"/>
+                        <a:lumOff val="80000"/>
+                      </a:schemeClr>
+                    </a:solidFill>
+                  </a:tcPr>
+                </a:tc>
+                <a:tc>
+                  <a:txBody>
+                    <a:bodyPr/>
+                    <a:lstStyle/>
+                    <a:p>
+                      <a:pPr algn="just">
+                        <a:lnSpc>
+                          <a:spcPts val="1800"/>
+                        </a:lnSpc>
+                        <a:spcAft>
+                          <a:spcPts val="0"/>
+                        </a:spcAft>
+                      </a:pPr>
+                      <a:r>
+                        <a:rPr lang="ja-JP" sz="1800" kern="100" dirty="0">
+                          <a:latin typeface="+mn-lt"/>
+                          <a:ea typeface="Mincho"/>
+                          <a:cs typeface="Times New Roman"/>
+                        </a:rPr>
+                        <a:t>タブボタンで移動できるようにする</a:t>
+                      </a:r>
+                    </a:p>
+                  </a:txBody>
+                  <a:tcPr marL="71663" marR="71663" marT="0" marB="0" anchor="ctr">
+                    <a:lnL w="12700" cap="flat" cmpd="sng" algn="ctr">
+                      <a:solidFill>
+                        <a:srgbClr val="000000"/>
+                      </a:solidFill>
+                      <a:prstDash val="solid"/>
+                      <a:round/>
+                      <a:headEnd type="none" w="med" len="med"/>
+                      <a:tailEnd type="none" w="med" len="med"/>
+                    </a:lnL>
+                    <a:lnR w="12700" cap="flat" cmpd="sng" algn="ctr">
+                      <a:solidFill>
+                        <a:srgbClr val="000000"/>
+                      </a:solidFill>
+                      <a:prstDash val="solid"/>
+                      <a:round/>
+                      <a:headEnd type="none" w="med" len="med"/>
+                      <a:tailEnd type="none" w="med" len="med"/>
+                    </a:lnR>
+                    <a:lnT w="12700" cap="flat" cmpd="sng" algn="ctr">
+                      <a:solidFill>
+                        <a:srgbClr val="000000"/>
+                      </a:solidFill>
+                      <a:prstDash val="solid"/>
+                      <a:round/>
+                      <a:headEnd type="none" w="med" len="med"/>
+                      <a:tailEnd type="none" w="med" len="med"/>
+                    </a:lnT>
+                    <a:lnB w="12700" cap="flat" cmpd="sng" algn="ctr">
+                      <a:solidFill>
+                        <a:srgbClr val="000000"/>
+                      </a:solidFill>
+                      <a:prstDash val="solid"/>
+                      <a:round/>
+                      <a:headEnd type="none" w="med" len="med"/>
+                      <a:tailEnd type="none" w="med" len="med"/>
+                    </a:lnB>
+                    <a:solidFill>
+                      <a:schemeClr val="accent3">
+                        <a:lumMod val="20000"/>
+                        <a:lumOff val="80000"/>
+                      </a:schemeClr>
+                    </a:solidFill>
+                  </a:tcPr>
+                </a:tc>
+                <a:tc vMerge="1">
+                  <a:txBody>
+                    <a:bodyPr/>
+                    <a:lstStyle/>
+                    <a:p>
+                      <a:pPr algn="just">
+                        <a:lnSpc>
+                          <a:spcPts val="1800"/>
+                        </a:lnSpc>
+                        <a:spcAft>
+                          <a:spcPts val="0"/>
+                        </a:spcAft>
+                      </a:pPr>
+                      <a:endParaRPr lang="ja-JP" sz="1600" kern="100" dirty="0">
+                        <a:latin typeface="+mn-lt"/>
+                        <a:ea typeface="Mincho"/>
+                        <a:cs typeface="Times New Roman"/>
+                      </a:endParaRPr>
+                    </a:p>
+                  </a:txBody>
+                  <a:tcPr marL="71663" marR="71663" marT="0" marB="0" anchor="b">
+                    <a:lnL w="12700" cap="flat" cmpd="sng" algn="ctr">
+                      <a:solidFill>
+                        <a:srgbClr val="000000"/>
+                      </a:solidFill>
+                      <a:prstDash val="solid"/>
+                      <a:round/>
+                      <a:headEnd type="none" w="med" len="med"/>
+                      <a:tailEnd type="none" w="med" len="med"/>
+                    </a:lnL>
+                    <a:lnR w="12700" cap="flat" cmpd="sng" algn="ctr">
+                      <a:solidFill>
+                        <a:srgbClr val="000000"/>
+                      </a:solidFill>
+                      <a:prstDash val="solid"/>
+                      <a:round/>
+                      <a:headEnd type="none" w="med" len="med"/>
+                      <a:tailEnd type="none" w="med" len="med"/>
+                    </a:lnR>
+                    <a:lnT w="12700" cap="flat" cmpd="sng" algn="ctr">
+                      <a:solidFill>
+                        <a:srgbClr val="000000"/>
+                      </a:solidFill>
+                      <a:prstDash val="solid"/>
+                      <a:round/>
+                      <a:headEnd type="none" w="med" len="med"/>
+                      <a:tailEnd type="none" w="med" len="med"/>
+                    </a:lnT>
+                    <a:lnB w="12700" cap="flat" cmpd="sng" algn="ctr">
+                      <a:solidFill>
+                        <a:srgbClr val="000000"/>
+                      </a:solidFill>
+                      <a:prstDash val="solid"/>
+                      <a:round/>
+                      <a:headEnd type="none" w="med" len="med"/>
+                      <a:tailEnd type="none" w="med" len="med"/>
+                    </a:lnB>
+                    <a:solidFill>
+                      <a:schemeClr val="accent3">
+                        <a:lumMod val="20000"/>
+                        <a:lumOff val="80000"/>
+                      </a:schemeClr>
+                    </a:solidFill>
+                  </a:tcPr>
+                </a:tc>
+              </a:tr>
+              <a:tr h="345832">
+                <a:tc>
+                  <a:txBody>
+                    <a:bodyPr/>
+                    <a:lstStyle/>
+                    <a:p>
+                      <a:pPr algn="r">
+                        <a:lnSpc>
+                          <a:spcPts val="1800"/>
+                        </a:lnSpc>
+                        <a:spcAft>
+                          <a:spcPts val="0"/>
+                        </a:spcAft>
+                      </a:pPr>
+                      <a:r>
+                        <a:rPr lang="en-US" sz="1800" kern="100" dirty="0">
+                          <a:latin typeface="Century"/>
+                          <a:ea typeface="Mincho"/>
+                          <a:cs typeface="Times New Roman"/>
+                        </a:rPr>
+                        <a:t>8</a:t>
+                      </a:r>
+                      <a:endParaRPr lang="ja-JP" sz="1800" kern="100" dirty="0">
+                        <a:latin typeface="Century"/>
+                        <a:ea typeface="Mincho"/>
+                        <a:cs typeface="Times New Roman"/>
+                      </a:endParaRPr>
+                    </a:p>
+                  </a:txBody>
+                  <a:tcPr marL="71663" marR="71663" marT="0" marB="0" anchor="ctr">
+                    <a:lnL w="12700" cap="flat" cmpd="sng" algn="ctr">
+                      <a:solidFill>
+                        <a:srgbClr val="000000"/>
+                      </a:solidFill>
+                      <a:prstDash val="solid"/>
+                      <a:round/>
+                      <a:headEnd type="none" w="med" len="med"/>
+                      <a:tailEnd type="none" w="med" len="med"/>
+                    </a:lnL>
+                    <a:lnR w="12700" cap="flat" cmpd="sng" algn="ctr">
+                      <a:solidFill>
+                        <a:srgbClr val="000000"/>
+                      </a:solidFill>
+                      <a:prstDash val="solid"/>
+                      <a:round/>
+                      <a:headEnd type="none" w="med" len="med"/>
+                      <a:tailEnd type="none" w="med" len="med"/>
+                    </a:lnR>
+                    <a:lnT w="12700" cap="flat" cmpd="sng" algn="ctr">
+                      <a:solidFill>
+                        <a:srgbClr val="000000"/>
+                      </a:solidFill>
+                      <a:prstDash val="solid"/>
+                      <a:round/>
+                      <a:headEnd type="none" w="med" len="med"/>
+                      <a:tailEnd type="none" w="med" len="med"/>
+                    </a:lnT>
+                    <a:lnB w="12700" cap="flat" cmpd="sng" algn="ctr">
+                      <a:solidFill>
+                        <a:srgbClr val="000000"/>
+                      </a:solidFill>
+                      <a:prstDash val="solid"/>
+                      <a:round/>
+                      <a:headEnd type="none" w="med" len="med"/>
+                      <a:tailEnd type="none" w="med" len="med"/>
+                    </a:lnB>
+                    <a:solidFill>
+                      <a:schemeClr val="accent3">
+                        <a:lumMod val="20000"/>
+                        <a:lumOff val="80000"/>
+                      </a:schemeClr>
+                    </a:solidFill>
+                  </a:tcPr>
+                </a:tc>
+                <a:tc>
+                  <a:txBody>
+                    <a:bodyPr/>
+                    <a:lstStyle/>
+                    <a:p>
+                      <a:pPr algn="just">
+                        <a:lnSpc>
+                          <a:spcPts val="1800"/>
+                        </a:lnSpc>
+                        <a:spcAft>
+                          <a:spcPts val="0"/>
+                        </a:spcAft>
+                      </a:pPr>
+                      <a:r>
+                        <a:rPr lang="ja-JP" sz="1800" kern="100" dirty="0">
+                          <a:latin typeface="+mn-lt"/>
+                          <a:ea typeface="Mincho"/>
+                          <a:cs typeface="Times New Roman"/>
+                        </a:rPr>
+                        <a:t>スクロールしないで入力できる</a:t>
+                      </a:r>
+                    </a:p>
+                  </a:txBody>
+                  <a:tcPr marL="71663" marR="71663" marT="0" marB="0" anchor="ctr">
+                    <a:lnL w="12700" cap="flat" cmpd="sng" algn="ctr">
+                      <a:solidFill>
+                        <a:srgbClr val="000000"/>
+                      </a:solidFill>
+                      <a:prstDash val="solid"/>
+                      <a:round/>
+                      <a:headEnd type="none" w="med" len="med"/>
+                      <a:tailEnd type="none" w="med" len="med"/>
+                    </a:lnL>
+                    <a:lnR w="12700" cap="flat" cmpd="sng" algn="ctr">
+                      <a:solidFill>
+                        <a:srgbClr val="000000"/>
+                      </a:solidFill>
+                      <a:prstDash val="solid"/>
+                      <a:round/>
+                      <a:headEnd type="none" w="med" len="med"/>
+                      <a:tailEnd type="none" w="med" len="med"/>
+                    </a:lnR>
+                    <a:lnT w="12700" cap="flat" cmpd="sng" algn="ctr">
+                      <a:solidFill>
+                        <a:srgbClr val="000000"/>
+                      </a:solidFill>
+                      <a:prstDash val="solid"/>
+                      <a:round/>
+                      <a:headEnd type="none" w="med" len="med"/>
+                      <a:tailEnd type="none" w="med" len="med"/>
+                    </a:lnT>
+                    <a:lnB w="12700" cap="flat" cmpd="sng" algn="ctr">
+                      <a:solidFill>
+                        <a:srgbClr val="000000"/>
+                      </a:solidFill>
+                      <a:prstDash val="solid"/>
+                      <a:round/>
+                      <a:headEnd type="none" w="med" len="med"/>
+                      <a:tailEnd type="none" w="med" len="med"/>
+                    </a:lnB>
+                    <a:solidFill>
+                      <a:schemeClr val="accent3">
+                        <a:lumMod val="20000"/>
+                        <a:lumOff val="80000"/>
+                      </a:schemeClr>
+                    </a:solidFill>
+                  </a:tcPr>
+                </a:tc>
+                <a:tc vMerge="1">
+                  <a:txBody>
+                    <a:bodyPr/>
+                    <a:lstStyle/>
+                    <a:p>
+                      <a:pPr algn="just">
+                        <a:lnSpc>
+                          <a:spcPts val="1800"/>
+                        </a:lnSpc>
+                        <a:spcAft>
+                          <a:spcPts val="0"/>
+                        </a:spcAft>
+                      </a:pPr>
+                      <a:endParaRPr lang="ja-JP" sz="1600" kern="100" dirty="0">
+                        <a:latin typeface="+mn-lt"/>
+                        <a:ea typeface="Mincho"/>
+                        <a:cs typeface="Times New Roman"/>
+                      </a:endParaRPr>
+                    </a:p>
+                  </a:txBody>
+                  <a:tcPr marL="71663" marR="71663" marT="0" marB="0" anchor="b">
+                    <a:lnL w="12700" cap="flat" cmpd="sng" algn="ctr">
+                      <a:solidFill>
+                        <a:srgbClr val="000000"/>
+                      </a:solidFill>
+                      <a:prstDash val="solid"/>
+                      <a:round/>
+                      <a:headEnd type="none" w="med" len="med"/>
+                      <a:tailEnd type="none" w="med" len="med"/>
+                    </a:lnL>
+                    <a:lnR w="12700" cap="flat" cmpd="sng" algn="ctr">
+                      <a:solidFill>
+                        <a:srgbClr val="000000"/>
+                      </a:solidFill>
+                      <a:prstDash val="solid"/>
+                      <a:round/>
+                      <a:headEnd type="none" w="med" len="med"/>
+                      <a:tailEnd type="none" w="med" len="med"/>
+                    </a:lnR>
+                    <a:lnT w="12700" cap="flat" cmpd="sng" algn="ctr">
+                      <a:solidFill>
+                        <a:srgbClr val="000000"/>
+                      </a:solidFill>
+                      <a:prstDash val="solid"/>
+                      <a:round/>
+                      <a:headEnd type="none" w="med" len="med"/>
+                      <a:tailEnd type="none" w="med" len="med"/>
+                    </a:lnT>
+                    <a:lnB w="12700" cap="flat" cmpd="sng" algn="ctr">
+                      <a:solidFill>
+                        <a:srgbClr val="000000"/>
+                      </a:solidFill>
+                      <a:prstDash val="solid"/>
+                      <a:round/>
+                      <a:headEnd type="none" w="med" len="med"/>
+                      <a:tailEnd type="none" w="med" len="med"/>
+                    </a:lnB>
+                    <a:solidFill>
+                      <a:schemeClr val="accent3">
+                        <a:lumMod val="20000"/>
+                        <a:lumOff val="80000"/>
+                      </a:schemeClr>
+                    </a:solidFill>
+                  </a:tcPr>
+                </a:tc>
+              </a:tr>
+              <a:tr h="345832">
+                <a:tc>
+                  <a:txBody>
+                    <a:bodyPr/>
+                    <a:lstStyle/>
+                    <a:p>
+                      <a:pPr algn="r">
+                        <a:lnSpc>
+                          <a:spcPts val="1800"/>
+                        </a:lnSpc>
+                        <a:spcAft>
+                          <a:spcPts val="0"/>
+                        </a:spcAft>
+                      </a:pPr>
+                      <a:r>
+                        <a:rPr lang="en-US" sz="1800" kern="100" dirty="0">
+                          <a:latin typeface="Century"/>
+                          <a:ea typeface="Mincho"/>
+                          <a:cs typeface="Times New Roman"/>
+                        </a:rPr>
+                        <a:t>9</a:t>
+                      </a:r>
+                      <a:endParaRPr lang="ja-JP" sz="1800" kern="100" dirty="0">
+                        <a:latin typeface="Century"/>
+                        <a:ea typeface="Mincho"/>
+                        <a:cs typeface="Times New Roman"/>
+                      </a:endParaRPr>
+                    </a:p>
+                  </a:txBody>
+                  <a:tcPr marL="71663" marR="71663" marT="0" marB="0" anchor="ctr">
+                    <a:lnL w="12700" cap="flat" cmpd="sng" algn="ctr">
+                      <a:solidFill>
+                        <a:srgbClr val="000000"/>
+                      </a:solidFill>
+                      <a:prstDash val="solid"/>
+                      <a:round/>
+                      <a:headEnd type="none" w="med" len="med"/>
+                      <a:tailEnd type="none" w="med" len="med"/>
+                    </a:lnL>
+                    <a:lnR w="12700" cap="flat" cmpd="sng" algn="ctr">
+                      <a:solidFill>
+                        <a:srgbClr val="000000"/>
+                      </a:solidFill>
+                      <a:prstDash val="solid"/>
+                      <a:round/>
+                      <a:headEnd type="none" w="med" len="med"/>
+                      <a:tailEnd type="none" w="med" len="med"/>
+                    </a:lnR>
+                    <a:lnT w="12700" cap="flat" cmpd="sng" algn="ctr">
+                      <a:solidFill>
+                        <a:srgbClr val="000000"/>
+                      </a:solidFill>
+                      <a:prstDash val="solid"/>
+                      <a:round/>
+                      <a:headEnd type="none" w="med" len="med"/>
+                      <a:tailEnd type="none" w="med" len="med"/>
+                    </a:lnT>
+                    <a:lnB w="12700" cap="flat" cmpd="sng" algn="ctr">
+                      <a:solidFill>
+                        <a:srgbClr val="000000"/>
+                      </a:solidFill>
+                      <a:prstDash val="solid"/>
+                      <a:round/>
+                      <a:headEnd type="none" w="med" len="med"/>
+                      <a:tailEnd type="none" w="med" len="med"/>
+                    </a:lnB>
+                    <a:solidFill>
+                      <a:schemeClr val="accent3">
+                        <a:lumMod val="20000"/>
+                        <a:lumOff val="80000"/>
+                      </a:schemeClr>
+                    </a:solidFill>
+                  </a:tcPr>
+                </a:tc>
+                <a:tc>
+                  <a:txBody>
+                    <a:bodyPr/>
+                    <a:lstStyle/>
+                    <a:p>
+                      <a:pPr algn="just">
+                        <a:lnSpc>
+                          <a:spcPts val="1800"/>
+                        </a:lnSpc>
+                        <a:spcAft>
+                          <a:spcPts val="0"/>
+                        </a:spcAft>
+                      </a:pPr>
+                      <a:r>
+                        <a:rPr lang="ja-JP" sz="1800" kern="100" dirty="0">
+                          <a:latin typeface="+mn-lt"/>
+                          <a:ea typeface="Mincho"/>
+                          <a:cs typeface="Times New Roman"/>
+                        </a:rPr>
+                        <a:t>末尾のスペースは自動削除する</a:t>
+                      </a:r>
+                    </a:p>
+                  </a:txBody>
+                  <a:tcPr marL="71663" marR="71663" marT="0" marB="0" anchor="ctr">
+                    <a:lnL w="12700" cap="flat" cmpd="sng" algn="ctr">
+                      <a:solidFill>
+                        <a:srgbClr val="000000"/>
+                      </a:solidFill>
+                      <a:prstDash val="solid"/>
+                      <a:round/>
+                      <a:headEnd type="none" w="med" len="med"/>
+                      <a:tailEnd type="none" w="med" len="med"/>
+                    </a:lnL>
+                    <a:lnR w="12700" cap="flat" cmpd="sng" algn="ctr">
+                      <a:solidFill>
+                        <a:srgbClr val="000000"/>
+                      </a:solidFill>
+                      <a:prstDash val="solid"/>
+                      <a:round/>
+                      <a:headEnd type="none" w="med" len="med"/>
+                      <a:tailEnd type="none" w="med" len="med"/>
+                    </a:lnR>
+                    <a:lnT w="12700" cap="flat" cmpd="sng" algn="ctr">
+                      <a:solidFill>
+                        <a:srgbClr val="000000"/>
+                      </a:solidFill>
+                      <a:prstDash val="solid"/>
+                      <a:round/>
+                      <a:headEnd type="none" w="med" len="med"/>
+                      <a:tailEnd type="none" w="med" len="med"/>
+                    </a:lnT>
+                    <a:lnB w="12700" cap="flat" cmpd="sng" algn="ctr">
+                      <a:solidFill>
+                        <a:srgbClr val="000000"/>
+                      </a:solidFill>
+                      <a:prstDash val="solid"/>
+                      <a:round/>
+                      <a:headEnd type="none" w="med" len="med"/>
+                      <a:tailEnd type="none" w="med" len="med"/>
+                    </a:lnB>
+                    <a:solidFill>
+                      <a:schemeClr val="accent3">
+                        <a:lumMod val="20000"/>
+                        <a:lumOff val="80000"/>
+                      </a:schemeClr>
+                    </a:solidFill>
+                  </a:tcPr>
+                </a:tc>
+                <a:tc vMerge="1">
+                  <a:txBody>
+                    <a:bodyPr/>
+                    <a:lstStyle/>
+                    <a:p>
+                      <a:pPr algn="just">
+                        <a:lnSpc>
+                          <a:spcPts val="1800"/>
+                        </a:lnSpc>
+                        <a:spcAft>
+                          <a:spcPts val="0"/>
+                        </a:spcAft>
+                      </a:pPr>
+                      <a:endParaRPr lang="ja-JP" sz="1600" kern="100" dirty="0">
+                        <a:latin typeface="+mn-lt"/>
+                        <a:ea typeface="Mincho"/>
+                        <a:cs typeface="Times New Roman"/>
+                      </a:endParaRPr>
+                    </a:p>
+                  </a:txBody>
+                  <a:tcPr marL="71663" marR="71663" marT="0" marB="0" anchor="b">
+                    <a:lnL w="12700" cap="flat" cmpd="sng" algn="ctr">
+                      <a:solidFill>
+                        <a:srgbClr val="000000"/>
+                      </a:solidFill>
+                      <a:prstDash val="solid"/>
+                      <a:round/>
+                      <a:headEnd type="none" w="med" len="med"/>
+                      <a:tailEnd type="none" w="med" len="med"/>
+                    </a:lnL>
+                    <a:lnR w="12700" cap="flat" cmpd="sng" algn="ctr">
+                      <a:solidFill>
+                        <a:srgbClr val="000000"/>
+                      </a:solidFill>
+                      <a:prstDash val="solid"/>
+                      <a:round/>
+                      <a:headEnd type="none" w="med" len="med"/>
+                      <a:tailEnd type="none" w="med" len="med"/>
+                    </a:lnR>
+                    <a:lnT w="12700" cap="flat" cmpd="sng" algn="ctr">
+                      <a:solidFill>
+                        <a:srgbClr val="000000"/>
+                      </a:solidFill>
+                      <a:prstDash val="solid"/>
+                      <a:round/>
+                      <a:headEnd type="none" w="med" len="med"/>
+                      <a:tailEnd type="none" w="med" len="med"/>
+                    </a:lnT>
+                    <a:lnB w="12700" cap="flat" cmpd="sng" algn="ctr">
+                      <a:solidFill>
+                        <a:srgbClr val="000000"/>
+                      </a:solidFill>
+                      <a:prstDash val="solid"/>
+                      <a:round/>
+                      <a:headEnd type="none" w="med" len="med"/>
+                      <a:tailEnd type="none" w="med" len="med"/>
+                    </a:lnB>
+                    <a:solidFill>
+                      <a:schemeClr val="accent3">
+                        <a:lumMod val="20000"/>
+                        <a:lumOff val="80000"/>
+                      </a:schemeClr>
+                    </a:solidFill>
+                  </a:tcPr>
+                </a:tc>
+              </a:tr>
+              <a:tr h="361325">
+                <a:tc>
+                  <a:txBody>
+                    <a:bodyPr/>
+                    <a:lstStyle/>
+                    <a:p>
+                      <a:pPr algn="r">
+                        <a:lnSpc>
+                          <a:spcPts val="1800"/>
+                        </a:lnSpc>
+                        <a:spcAft>
+                          <a:spcPts val="0"/>
+                        </a:spcAft>
+                      </a:pPr>
+                      <a:r>
+                        <a:rPr lang="en-US" sz="1800" kern="100" dirty="0">
+                          <a:latin typeface="Century"/>
+                          <a:ea typeface="Mincho"/>
+                          <a:cs typeface="Times New Roman"/>
+                        </a:rPr>
+                        <a:t>10</a:t>
+                      </a:r>
+                      <a:endParaRPr lang="ja-JP" sz="1800" kern="100" dirty="0">
+                        <a:latin typeface="Century"/>
+                        <a:ea typeface="Mincho"/>
+                        <a:cs typeface="Times New Roman"/>
+                      </a:endParaRPr>
+                    </a:p>
+                  </a:txBody>
+                  <a:tcPr marL="71663" marR="71663" marT="0" marB="0" anchor="ctr">
+                    <a:lnL w="12700" cap="flat" cmpd="sng" algn="ctr">
+                      <a:solidFill>
+                        <a:srgbClr val="000000"/>
+                      </a:solidFill>
+                      <a:prstDash val="solid"/>
+                      <a:round/>
+                      <a:headEnd type="none" w="med" len="med"/>
+                      <a:tailEnd type="none" w="med" len="med"/>
+                    </a:lnL>
+                    <a:lnR w="12700" cap="flat" cmpd="sng" algn="ctr">
+                      <a:solidFill>
+                        <a:srgbClr val="000000"/>
+                      </a:solidFill>
+                      <a:prstDash val="solid"/>
+                      <a:round/>
+                      <a:headEnd type="none" w="med" len="med"/>
+                      <a:tailEnd type="none" w="med" len="med"/>
+                    </a:lnR>
+                    <a:lnT w="12700" cap="flat" cmpd="sng" algn="ctr">
+                      <a:solidFill>
+                        <a:srgbClr val="000000"/>
+                      </a:solidFill>
+                      <a:prstDash val="solid"/>
+                      <a:round/>
+                      <a:headEnd type="none" w="med" len="med"/>
+                      <a:tailEnd type="none" w="med" len="med"/>
+                    </a:lnT>
+                    <a:lnB w="12700" cap="flat" cmpd="sng" algn="ctr">
+                      <a:solidFill>
+                        <a:srgbClr val="000000"/>
+                      </a:solidFill>
+                      <a:prstDash val="solid"/>
+                      <a:round/>
+                      <a:headEnd type="none" w="med" len="med"/>
+                      <a:tailEnd type="none" w="med" len="med"/>
+                    </a:lnB>
+                    <a:solidFill>
+                      <a:schemeClr val="accent3">
+                        <a:lumMod val="20000"/>
+                        <a:lumOff val="80000"/>
+                      </a:schemeClr>
+                    </a:solidFill>
+                  </a:tcPr>
+                </a:tc>
+                <a:tc>
+                  <a:txBody>
+                    <a:bodyPr/>
+                    <a:lstStyle/>
+                    <a:p>
+                      <a:pPr algn="just">
+                        <a:lnSpc>
+                          <a:spcPts val="1800"/>
+                        </a:lnSpc>
+                        <a:spcAft>
+                          <a:spcPts val="0"/>
+                        </a:spcAft>
+                      </a:pPr>
+                      <a:r>
+                        <a:rPr lang="ja-JP" sz="1800" kern="100" dirty="0">
+                          <a:latin typeface="+mn-lt"/>
+                          <a:ea typeface="Mincho"/>
+                          <a:cs typeface="Times New Roman"/>
+                        </a:rPr>
+                        <a:t>ラジオボタンやチェックボックス</a:t>
+                      </a:r>
+                      <a:r>
+                        <a:rPr lang="ja-JP" sz="1800" kern="100" dirty="0" smtClean="0">
+                          <a:latin typeface="+mn-lt"/>
+                          <a:ea typeface="Mincho"/>
+                          <a:cs typeface="Times New Roman"/>
+                        </a:rPr>
+                        <a:t>はラベル</a:t>
+                      </a:r>
+                      <a:r>
+                        <a:rPr lang="ja-JP" sz="1800" kern="100" dirty="0">
+                          <a:latin typeface="+mn-lt"/>
+                          <a:ea typeface="Mincho"/>
+                          <a:cs typeface="Times New Roman"/>
+                        </a:rPr>
+                        <a:t>を押しても選べるようにする</a:t>
+                      </a:r>
+                    </a:p>
+                  </a:txBody>
+                  <a:tcPr marL="71663" marR="71663" marT="0" marB="0" anchor="ctr">
+                    <a:lnL w="12700" cap="flat" cmpd="sng" algn="ctr">
+                      <a:solidFill>
+                        <a:srgbClr val="000000"/>
+                      </a:solidFill>
+                      <a:prstDash val="solid"/>
+                      <a:round/>
+                      <a:headEnd type="none" w="med" len="med"/>
+                      <a:tailEnd type="none" w="med" len="med"/>
+                    </a:lnL>
+                    <a:lnR w="12700" cap="flat" cmpd="sng" algn="ctr">
+                      <a:solidFill>
+                        <a:srgbClr val="000000"/>
+                      </a:solidFill>
+                      <a:prstDash val="solid"/>
+                      <a:round/>
+                      <a:headEnd type="none" w="med" len="med"/>
+                      <a:tailEnd type="none" w="med" len="med"/>
+                    </a:lnR>
+                    <a:lnT w="12700" cap="flat" cmpd="sng" algn="ctr">
+                      <a:solidFill>
+                        <a:srgbClr val="000000"/>
+                      </a:solidFill>
+                      <a:prstDash val="solid"/>
+                      <a:round/>
+                      <a:headEnd type="none" w="med" len="med"/>
+                      <a:tailEnd type="none" w="med" len="med"/>
+                    </a:lnT>
+                    <a:lnB w="12700" cap="flat" cmpd="sng" algn="ctr">
+                      <a:solidFill>
+                        <a:srgbClr val="000000"/>
+                      </a:solidFill>
+                      <a:prstDash val="solid"/>
+                      <a:round/>
+                      <a:headEnd type="none" w="med" len="med"/>
+                      <a:tailEnd type="none" w="med" len="med"/>
+                    </a:lnB>
+                    <a:solidFill>
+                      <a:schemeClr val="accent3">
+                        <a:lumMod val="20000"/>
+                        <a:lumOff val="80000"/>
+                      </a:schemeClr>
+                    </a:solidFill>
+                  </a:tcPr>
+                </a:tc>
+                <a:tc vMerge="1">
+                  <a:txBody>
+                    <a:bodyPr/>
+                    <a:lstStyle/>
+                    <a:p>
+                      <a:pPr algn="just">
+                        <a:lnSpc>
+                          <a:spcPts val="1800"/>
+                        </a:lnSpc>
+                        <a:spcAft>
+                          <a:spcPts val="0"/>
+                        </a:spcAft>
+                      </a:pPr>
+                      <a:endParaRPr lang="ja-JP" sz="1600" kern="100" dirty="0">
+                        <a:latin typeface="+mn-lt"/>
+                        <a:ea typeface="Mincho"/>
+                        <a:cs typeface="Times New Roman"/>
+                      </a:endParaRPr>
+                    </a:p>
+                  </a:txBody>
+                  <a:tcPr marL="71663" marR="71663" marT="0" marB="0" anchor="b">
+                    <a:lnL w="12700" cap="flat" cmpd="sng" algn="ctr">
+                      <a:solidFill>
+                        <a:srgbClr val="000000"/>
+                      </a:solidFill>
+                      <a:prstDash val="solid"/>
+                      <a:round/>
+                      <a:headEnd type="none" w="med" len="med"/>
+                      <a:tailEnd type="none" w="med" len="med"/>
+                    </a:lnL>
+                    <a:lnR w="12700" cap="flat" cmpd="sng" algn="ctr">
+                      <a:solidFill>
+                        <a:srgbClr val="000000"/>
+                      </a:solidFill>
+                      <a:prstDash val="solid"/>
+                      <a:round/>
+                      <a:headEnd type="none" w="med" len="med"/>
+                      <a:tailEnd type="none" w="med" len="med"/>
+                    </a:lnR>
+                    <a:lnT w="12700" cap="flat" cmpd="sng" algn="ctr">
+                      <a:solidFill>
+                        <a:srgbClr val="000000"/>
+                      </a:solidFill>
+                      <a:prstDash val="solid"/>
+                      <a:round/>
+                      <a:headEnd type="none" w="med" len="med"/>
+                      <a:tailEnd type="none" w="med" len="med"/>
+                    </a:lnT>
+                    <a:lnB w="12700" cap="flat" cmpd="sng" algn="ctr">
+                      <a:solidFill>
+                        <a:srgbClr val="000000"/>
+                      </a:solidFill>
+                      <a:prstDash val="solid"/>
+                      <a:round/>
+                      <a:headEnd type="none" w="med" len="med"/>
+                      <a:tailEnd type="none" w="med" len="med"/>
+                    </a:lnB>
+                    <a:solidFill>
+                      <a:schemeClr val="accent3">
+                        <a:lumMod val="20000"/>
+                        <a:lumOff val="80000"/>
+                      </a:schemeClr>
+                    </a:solidFill>
+                  </a:tcPr>
+                </a:tc>
+              </a:tr>
+              <a:tr h="432048">
+                <a:tc>
+                  <a:txBody>
+                    <a:bodyPr/>
+                    <a:lstStyle/>
+                    <a:p>
+                      <a:pPr algn="r">
+                        <a:lnSpc>
+                          <a:spcPts val="1800"/>
+                        </a:lnSpc>
+                        <a:spcAft>
+                          <a:spcPts val="0"/>
+                        </a:spcAft>
+                      </a:pPr>
+                      <a:r>
+                        <a:rPr lang="en-US" sz="1800" kern="100" dirty="0">
+                          <a:latin typeface="Century"/>
+                          <a:ea typeface="Mincho"/>
+                          <a:cs typeface="Times New Roman"/>
+                        </a:rPr>
+                        <a:t>11</a:t>
+                      </a:r>
+                      <a:endParaRPr lang="ja-JP" sz="1800" kern="100" dirty="0">
+                        <a:latin typeface="Century"/>
+                        <a:ea typeface="Mincho"/>
+                        <a:cs typeface="Times New Roman"/>
+                      </a:endParaRPr>
+                    </a:p>
+                  </a:txBody>
+                  <a:tcPr marL="71663" marR="71663" marT="0" marB="0" anchor="ctr">
+                    <a:lnL w="12700" cap="flat" cmpd="sng" algn="ctr">
+                      <a:solidFill>
+                        <a:srgbClr val="000000"/>
+                      </a:solidFill>
+                      <a:prstDash val="solid"/>
+                      <a:round/>
+                      <a:headEnd type="none" w="med" len="med"/>
+                      <a:tailEnd type="none" w="med" len="med"/>
+                    </a:lnL>
+                    <a:lnR w="12700" cap="flat" cmpd="sng" algn="ctr">
+                      <a:solidFill>
+                        <a:srgbClr val="000000"/>
+                      </a:solidFill>
+                      <a:prstDash val="solid"/>
+                      <a:round/>
+                      <a:headEnd type="none" w="med" len="med"/>
+                      <a:tailEnd type="none" w="med" len="med"/>
+                    </a:lnR>
+                    <a:lnT w="12700" cap="flat" cmpd="sng" algn="ctr">
+                      <a:solidFill>
+                        <a:srgbClr val="000000"/>
+                      </a:solidFill>
+                      <a:prstDash val="solid"/>
+                      <a:round/>
+                      <a:headEnd type="none" w="med" len="med"/>
+                      <a:tailEnd type="none" w="med" len="med"/>
+                    </a:lnT>
+                    <a:lnB w="12700" cap="flat" cmpd="sng" algn="ctr">
+                      <a:solidFill>
+                        <a:srgbClr val="000000"/>
+                      </a:solidFill>
+                      <a:prstDash val="solid"/>
+                      <a:round/>
+                      <a:headEnd type="none" w="med" len="med"/>
+                      <a:tailEnd type="none" w="med" len="med"/>
+                    </a:lnB>
+                    <a:solidFill>
+                      <a:schemeClr val="accent5">
+                        <a:lumMod val="20000"/>
+                        <a:lumOff val="80000"/>
+                      </a:schemeClr>
+                    </a:solidFill>
+                  </a:tcPr>
+                </a:tc>
+                <a:tc>
+                  <a:txBody>
+                    <a:bodyPr/>
+                    <a:lstStyle/>
+                    <a:p>
+                      <a:pPr algn="just">
+                        <a:lnSpc>
+                          <a:spcPts val="1800"/>
+                        </a:lnSpc>
+                        <a:spcAft>
+                          <a:spcPts val="0"/>
+                        </a:spcAft>
+                      </a:pPr>
+                      <a:r>
+                        <a:rPr lang="ja-JP" sz="1800" kern="100" dirty="0">
+                          <a:latin typeface="+mn-lt"/>
+                          <a:ea typeface="Mincho"/>
+                          <a:cs typeface="Times New Roman"/>
+                        </a:rPr>
+                        <a:t>エラーを明記する</a:t>
+                      </a:r>
+                    </a:p>
+                  </a:txBody>
+                  <a:tcPr marL="71663" marR="71663" marT="0" marB="0" anchor="ctr">
+                    <a:lnL w="12700" cap="flat" cmpd="sng" algn="ctr">
+                      <a:solidFill>
+                        <a:srgbClr val="000000"/>
+                      </a:solidFill>
+                      <a:prstDash val="solid"/>
+                      <a:round/>
+                      <a:headEnd type="none" w="med" len="med"/>
+                      <a:tailEnd type="none" w="med" len="med"/>
+                    </a:lnL>
+                    <a:lnR w="12700" cap="flat" cmpd="sng" algn="ctr">
+                      <a:solidFill>
+                        <a:srgbClr val="000000"/>
+                      </a:solidFill>
+                      <a:prstDash val="solid"/>
+                      <a:round/>
+                      <a:headEnd type="none" w="med" len="med"/>
+                      <a:tailEnd type="none" w="med" len="med"/>
+                    </a:lnR>
+                    <a:lnT w="12700" cap="flat" cmpd="sng" algn="ctr">
+                      <a:solidFill>
+                        <a:srgbClr val="000000"/>
+                      </a:solidFill>
+                      <a:prstDash val="solid"/>
+                      <a:round/>
+                      <a:headEnd type="none" w="med" len="med"/>
+                      <a:tailEnd type="none" w="med" len="med"/>
+                    </a:lnT>
+                    <a:lnB w="12700" cap="flat" cmpd="sng" algn="ctr">
+                      <a:solidFill>
+                        <a:srgbClr val="000000"/>
+                      </a:solidFill>
+                      <a:prstDash val="solid"/>
+                      <a:round/>
+                      <a:headEnd type="none" w="med" len="med"/>
+                      <a:tailEnd type="none" w="med" len="med"/>
+                    </a:lnB>
+                    <a:solidFill>
+                      <a:schemeClr val="accent5">
+                        <a:lumMod val="20000"/>
+                        <a:lumOff val="80000"/>
+                      </a:schemeClr>
+                    </a:solidFill>
+                  </a:tcPr>
+                </a:tc>
+                <a:tc rowSpan="2">
+                  <a:txBody>
+                    <a:bodyPr/>
+                    <a:lstStyle/>
+                    <a:p>
+                      <a:pPr algn="ctr">
+                        <a:lnSpc>
+                          <a:spcPts val="1800"/>
+                        </a:lnSpc>
+                        <a:spcAft>
+                          <a:spcPts val="0"/>
+                        </a:spcAft>
+                      </a:pPr>
+                      <a:r>
+                        <a:rPr lang="ja-JP" altLang="en-US" sz="1800" kern="100" dirty="0" smtClean="0">
+                          <a:latin typeface="+mn-lt"/>
+                          <a:ea typeface="Mincho"/>
+                          <a:cs typeface="Times New Roman"/>
+                        </a:rPr>
+                        <a:t>リアルタイムバリデーション</a:t>
+                      </a:r>
+                      <a:endParaRPr lang="ja-JP" sz="1800" kern="100" dirty="0">
+                        <a:latin typeface="+mn-lt"/>
+                        <a:ea typeface="Mincho"/>
+                        <a:cs typeface="Times New Roman"/>
+                      </a:endParaRPr>
+                    </a:p>
+                  </a:txBody>
+                  <a:tcPr marL="71663" marR="71663" marT="0" marB="0" anchor="ctr">
+                    <a:lnL w="12700" cap="flat" cmpd="sng" algn="ctr">
+                      <a:solidFill>
+                        <a:srgbClr val="000000"/>
+                      </a:solidFill>
+                      <a:prstDash val="solid"/>
+                      <a:round/>
+                      <a:headEnd type="none" w="med" len="med"/>
+                      <a:tailEnd type="none" w="med" len="med"/>
+                    </a:lnL>
+                    <a:lnR w="12700" cap="flat" cmpd="sng" algn="ctr">
+                      <a:solidFill>
+                        <a:srgbClr val="000000"/>
+                      </a:solidFill>
+                      <a:prstDash val="solid"/>
+                      <a:round/>
+                      <a:headEnd type="none" w="med" len="med"/>
+                      <a:tailEnd type="none" w="med" len="med"/>
+                    </a:lnR>
+                    <a:lnT w="12700" cap="flat" cmpd="sng" algn="ctr">
+                      <a:solidFill>
+                        <a:srgbClr val="000000"/>
+                      </a:solidFill>
+                      <a:prstDash val="solid"/>
+                      <a:round/>
+                      <a:headEnd type="none" w="med" len="med"/>
+                      <a:tailEnd type="none" w="med" len="med"/>
+                    </a:lnT>
+                    <a:lnB w="12700" cap="flat" cmpd="sng" algn="ctr">
+                      <a:solidFill>
+                        <a:srgbClr val="000000"/>
+                      </a:solidFill>
+                      <a:prstDash val="solid"/>
+                      <a:round/>
+                      <a:headEnd type="none" w="med" len="med"/>
+                      <a:tailEnd type="none" w="med" len="med"/>
+                    </a:lnB>
+                    <a:solidFill>
+                      <a:srgbClr val="B5DDE9"/>
+                    </a:solidFill>
+                  </a:tcPr>
+                </a:tc>
+              </a:tr>
+              <a:tr h="432048">
+                <a:tc>
+                  <a:txBody>
+                    <a:bodyPr/>
+                    <a:lstStyle/>
+                    <a:p>
+                      <a:pPr algn="r">
+                        <a:lnSpc>
+                          <a:spcPts val="1800"/>
+                        </a:lnSpc>
+                        <a:spcAft>
+                          <a:spcPts val="0"/>
+                        </a:spcAft>
+                      </a:pPr>
+                      <a:r>
+                        <a:rPr lang="en-US" sz="1800" kern="100" dirty="0">
+                          <a:latin typeface="Century"/>
+                          <a:ea typeface="Mincho"/>
+                          <a:cs typeface="Times New Roman"/>
+                        </a:rPr>
+                        <a:t>12</a:t>
+                      </a:r>
+                      <a:endParaRPr lang="ja-JP" sz="1800" kern="100" dirty="0">
+                        <a:latin typeface="Century"/>
+                        <a:ea typeface="Mincho"/>
+                        <a:cs typeface="Times New Roman"/>
+                      </a:endParaRPr>
+                    </a:p>
+                  </a:txBody>
+                  <a:tcPr marL="71663" marR="71663" marT="0" marB="0" anchor="ctr">
+                    <a:lnL w="12700" cap="flat" cmpd="sng" algn="ctr">
+                      <a:solidFill>
+                        <a:srgbClr val="000000"/>
+                      </a:solidFill>
+                      <a:prstDash val="solid"/>
+                      <a:round/>
+                      <a:headEnd type="none" w="med" len="med"/>
+                      <a:tailEnd type="none" w="med" len="med"/>
+                    </a:lnL>
+                    <a:lnR w="12700" cap="flat" cmpd="sng" algn="ctr">
+                      <a:solidFill>
+                        <a:srgbClr val="000000"/>
+                      </a:solidFill>
+                      <a:prstDash val="solid"/>
+                      <a:round/>
+                      <a:headEnd type="none" w="med" len="med"/>
+                      <a:tailEnd type="none" w="med" len="med"/>
+                    </a:lnR>
+                    <a:lnT w="12700" cap="flat" cmpd="sng" algn="ctr">
+                      <a:solidFill>
+                        <a:srgbClr val="000000"/>
+                      </a:solidFill>
+                      <a:prstDash val="solid"/>
+                      <a:round/>
+                      <a:headEnd type="none" w="med" len="med"/>
+                      <a:tailEnd type="none" w="med" len="med"/>
+                    </a:lnT>
+                    <a:lnB w="12700" cap="flat" cmpd="sng" algn="ctr">
+                      <a:solidFill>
+                        <a:srgbClr val="000000"/>
+                      </a:solidFill>
+                      <a:prstDash val="solid"/>
+                      <a:round/>
+                      <a:headEnd type="none" w="med" len="med"/>
+                      <a:tailEnd type="none" w="med" len="med"/>
+                    </a:lnB>
+                    <a:solidFill>
+                      <a:schemeClr val="accent5">
+                        <a:lumMod val="20000"/>
+                        <a:lumOff val="80000"/>
+                      </a:schemeClr>
+                    </a:solidFill>
+                  </a:tcPr>
+                </a:tc>
+                <a:tc>
+                  <a:txBody>
+                    <a:bodyPr/>
+                    <a:lstStyle/>
+                    <a:p>
+                      <a:pPr algn="just">
+                        <a:lnSpc>
+                          <a:spcPts val="1800"/>
+                        </a:lnSpc>
+                        <a:spcAft>
+                          <a:spcPts val="0"/>
+                        </a:spcAft>
+                      </a:pPr>
+                      <a:r>
+                        <a:rPr lang="ja-JP" sz="1800" kern="100" dirty="0">
+                          <a:latin typeface="+mn-lt"/>
+                          <a:ea typeface="Mincho"/>
+                          <a:cs typeface="Times New Roman"/>
+                        </a:rPr>
+                        <a:t>エラー箇所に正しい情報が入力</a:t>
+                      </a:r>
+                      <a:r>
+                        <a:rPr lang="ja-JP" sz="1800" kern="100" dirty="0" smtClean="0">
+                          <a:latin typeface="+mn-lt"/>
+                          <a:ea typeface="Mincho"/>
+                          <a:cs typeface="Times New Roman"/>
+                        </a:rPr>
+                        <a:t>されたらエラー</a:t>
+                      </a:r>
+                      <a:r>
+                        <a:rPr lang="ja-JP" sz="1800" kern="100" dirty="0">
+                          <a:latin typeface="+mn-lt"/>
+                          <a:ea typeface="Mincho"/>
+                          <a:cs typeface="Times New Roman"/>
+                        </a:rPr>
+                        <a:t>をリアルタイムで消す</a:t>
+                      </a:r>
+                    </a:p>
+                  </a:txBody>
+                  <a:tcPr marL="71663" marR="71663" marT="0" marB="0" anchor="ctr">
+                    <a:lnL w="12700" cap="flat" cmpd="sng" algn="ctr">
+                      <a:solidFill>
+                        <a:srgbClr val="000000"/>
+                      </a:solidFill>
+                      <a:prstDash val="solid"/>
+                      <a:round/>
+                      <a:headEnd type="none" w="med" len="med"/>
+                      <a:tailEnd type="none" w="med" len="med"/>
+                    </a:lnL>
+                    <a:lnR w="12700" cap="flat" cmpd="sng" algn="ctr">
+                      <a:solidFill>
+                        <a:srgbClr val="000000"/>
+                      </a:solidFill>
+                      <a:prstDash val="solid"/>
+                      <a:round/>
+                      <a:headEnd type="none" w="med" len="med"/>
+                      <a:tailEnd type="none" w="med" len="med"/>
+                    </a:lnR>
+                    <a:lnT w="12700" cap="flat" cmpd="sng" algn="ctr">
+                      <a:solidFill>
+                        <a:srgbClr val="000000"/>
+                      </a:solidFill>
+                      <a:prstDash val="solid"/>
+                      <a:round/>
+                      <a:headEnd type="none" w="med" len="med"/>
+                      <a:tailEnd type="none" w="med" len="med"/>
+                    </a:lnT>
+                    <a:lnB w="12700" cap="flat" cmpd="sng" algn="ctr">
+                      <a:solidFill>
+                        <a:srgbClr val="000000"/>
+                      </a:solidFill>
+                      <a:prstDash val="solid"/>
+                      <a:round/>
+                      <a:headEnd type="none" w="med" len="med"/>
+                      <a:tailEnd type="none" w="med" len="med"/>
+                    </a:lnB>
+                    <a:solidFill>
+                      <a:schemeClr val="accent5">
+                        <a:lumMod val="20000"/>
+                        <a:lumOff val="80000"/>
+                      </a:schemeClr>
+                    </a:solidFill>
+                  </a:tcPr>
+                </a:tc>
+                <a:tc vMerge="1">
+                  <a:txBody>
+                    <a:bodyPr/>
+                    <a:lstStyle/>
+                    <a:p>
+                      <a:pPr algn="just">
+                        <a:lnSpc>
+                          <a:spcPts val="1800"/>
+                        </a:lnSpc>
+                        <a:spcAft>
+                          <a:spcPts val="0"/>
+                        </a:spcAft>
+                      </a:pPr>
+                      <a:endParaRPr lang="ja-JP" sz="1600" kern="100" dirty="0">
+                        <a:latin typeface="+mn-lt"/>
+                        <a:ea typeface="Mincho"/>
+                        <a:cs typeface="Times New Roman"/>
+                      </a:endParaRPr>
+                    </a:p>
+                  </a:txBody>
+                  <a:tcPr marL="71663" marR="71663" marT="0" marB="0" anchor="b">
+                    <a:lnL w="12700" cap="flat" cmpd="sng" algn="ctr">
+                      <a:solidFill>
+                        <a:srgbClr val="000000"/>
+                      </a:solidFill>
+                      <a:prstDash val="solid"/>
+                      <a:round/>
+                      <a:headEnd type="none" w="med" len="med"/>
+                      <a:tailEnd type="none" w="med" len="med"/>
+                    </a:lnL>
+                    <a:lnR w="12700" cap="flat" cmpd="sng" algn="ctr">
+                      <a:solidFill>
+                        <a:srgbClr val="000000"/>
+                      </a:solidFill>
+                      <a:prstDash val="solid"/>
+                      <a:round/>
+                      <a:headEnd type="none" w="med" len="med"/>
+                      <a:tailEnd type="none" w="med" len="med"/>
+                    </a:lnR>
+                    <a:lnT w="12700" cap="flat" cmpd="sng" algn="ctr">
+                      <a:solidFill>
+                        <a:srgbClr val="000000"/>
+                      </a:solidFill>
+                      <a:prstDash val="solid"/>
+                      <a:round/>
+                      <a:headEnd type="none" w="med" len="med"/>
+                      <a:tailEnd type="none" w="med" len="med"/>
+                    </a:lnT>
+                    <a:lnB w="12700" cap="flat" cmpd="sng" algn="ctr">
+                      <a:solidFill>
+                        <a:srgbClr val="000000"/>
+                      </a:solidFill>
+                      <a:prstDash val="solid"/>
+                      <a:round/>
+                      <a:headEnd type="none" w="med" len="med"/>
+                      <a:tailEnd type="none" w="med" len="med"/>
+                    </a:lnB>
+                    <a:solidFill>
+                      <a:schemeClr val="accent5">
+                        <a:lumMod val="20000"/>
+                        <a:lumOff val="80000"/>
+                      </a:schemeClr>
+                    </a:solidFill>
+                  </a:tcPr>
+                </a:tc>
+              </a:tr>
+              <a:tr h="432048">
+                <a:tc>
+                  <a:txBody>
+                    <a:bodyPr/>
+                    <a:lstStyle/>
+                    <a:p>
+                      <a:pPr algn="r">
+                        <a:lnSpc>
+                          <a:spcPts val="1800"/>
+                        </a:lnSpc>
+                        <a:spcAft>
+                          <a:spcPts val="0"/>
+                        </a:spcAft>
+                      </a:pPr>
+                      <a:r>
+                        <a:rPr lang="en-US" sz="1800" kern="100" dirty="0" smtClean="0">
+                          <a:latin typeface="Century"/>
+                          <a:ea typeface="Mincho"/>
+                          <a:cs typeface="Times New Roman"/>
+                        </a:rPr>
+                        <a:t>13</a:t>
+                      </a:r>
+                      <a:endParaRPr lang="ja-JP" sz="1800" kern="100" dirty="0">
+                        <a:latin typeface="Century"/>
+                        <a:ea typeface="Mincho"/>
+                        <a:cs typeface="Times New Roman"/>
+                      </a:endParaRPr>
+                    </a:p>
+                  </a:txBody>
+                  <a:tcPr marL="71663" marR="71663" marT="0" marB="0" anchor="ctr">
+                    <a:lnL w="12700" cap="flat" cmpd="sng" algn="ctr">
+                      <a:solidFill>
+                        <a:srgbClr val="000000"/>
+                      </a:solidFill>
+                      <a:prstDash val="solid"/>
+                      <a:round/>
+                      <a:headEnd type="none" w="med" len="med"/>
+                      <a:tailEnd type="none" w="med" len="med"/>
+                    </a:lnL>
+                    <a:lnR w="12700" cap="flat" cmpd="sng" algn="ctr">
+                      <a:solidFill>
+                        <a:srgbClr val="000000"/>
+                      </a:solidFill>
+                      <a:prstDash val="solid"/>
+                      <a:round/>
+                      <a:headEnd type="none" w="med" len="med"/>
+                      <a:tailEnd type="none" w="med" len="med"/>
+                    </a:lnR>
+                    <a:lnT w="12700" cap="flat" cmpd="sng" algn="ctr">
+                      <a:solidFill>
+                        <a:srgbClr val="000000"/>
+                      </a:solidFill>
+                      <a:prstDash val="solid"/>
+                      <a:round/>
+                      <a:headEnd type="none" w="med" len="med"/>
+                      <a:tailEnd type="none" w="med" len="med"/>
+                    </a:lnT>
+                    <a:lnB w="12700" cap="flat" cmpd="sng" algn="ctr">
+                      <a:solidFill>
+                        <a:srgbClr val="000000"/>
+                      </a:solidFill>
+                      <a:prstDash val="solid"/>
+                      <a:round/>
+                      <a:headEnd type="none" w="med" len="med"/>
+                      <a:tailEnd type="none" w="med" len="med"/>
+                    </a:lnB>
+                    <a:solidFill>
+                      <a:schemeClr val="accent4">
+                        <a:lumMod val="20000"/>
+                        <a:lumOff val="80000"/>
+                      </a:schemeClr>
+                    </a:solidFill>
+                  </a:tcPr>
+                </a:tc>
+                <a:tc>
+                  <a:txBody>
+                    <a:bodyPr/>
+                    <a:lstStyle/>
+                    <a:p>
+                      <a:pPr algn="just">
+                        <a:lnSpc>
+                          <a:spcPts val="1800"/>
+                        </a:lnSpc>
+                        <a:spcAft>
+                          <a:spcPts val="0"/>
+                        </a:spcAft>
+                      </a:pPr>
+                      <a:r>
+                        <a:rPr lang="ja-JP" sz="1800" kern="100" dirty="0" smtClean="0">
+                          <a:latin typeface="+mn-lt"/>
+                          <a:ea typeface="Mincho"/>
+                          <a:cs typeface="Times New Roman"/>
+                        </a:rPr>
+                        <a:t>登録</a:t>
+                      </a:r>
+                      <a:r>
+                        <a:rPr lang="ja-JP" sz="1800" kern="100" dirty="0">
+                          <a:latin typeface="+mn-lt"/>
+                          <a:ea typeface="Mincho"/>
+                          <a:cs typeface="Times New Roman"/>
+                        </a:rPr>
+                        <a:t>ボタンは全ての入力が完了したら押せるようにする</a:t>
+                      </a:r>
+                    </a:p>
+                  </a:txBody>
+                  <a:tcPr marL="71663" marR="71663" marT="0" marB="0" anchor="ctr">
+                    <a:lnL w="12700" cap="flat" cmpd="sng" algn="ctr">
+                      <a:solidFill>
+                        <a:srgbClr val="000000"/>
+                      </a:solidFill>
+                      <a:prstDash val="solid"/>
+                      <a:round/>
+                      <a:headEnd type="none" w="med" len="med"/>
+                      <a:tailEnd type="none" w="med" len="med"/>
+                    </a:lnL>
+                    <a:lnR w="12700" cap="flat" cmpd="sng" algn="ctr">
+                      <a:solidFill>
+                        <a:srgbClr val="000000"/>
+                      </a:solidFill>
+                      <a:prstDash val="solid"/>
+                      <a:round/>
+                      <a:headEnd type="none" w="med" len="med"/>
+                      <a:tailEnd type="none" w="med" len="med"/>
+                    </a:lnR>
+                    <a:lnT w="12700" cap="flat" cmpd="sng" algn="ctr">
+                      <a:solidFill>
+                        <a:srgbClr val="000000"/>
+                      </a:solidFill>
+                      <a:prstDash val="solid"/>
+                      <a:round/>
+                      <a:headEnd type="none" w="med" len="med"/>
+                      <a:tailEnd type="none" w="med" len="med"/>
+                    </a:lnT>
+                    <a:lnB w="12700" cap="flat" cmpd="sng" algn="ctr">
+                      <a:solidFill>
+                        <a:srgbClr val="000000"/>
+                      </a:solidFill>
+                      <a:prstDash val="solid"/>
+                      <a:round/>
+                      <a:headEnd type="none" w="med" len="med"/>
+                      <a:tailEnd type="none" w="med" len="med"/>
+                    </a:lnB>
+                    <a:solidFill>
+                      <a:schemeClr val="accent4">
+                        <a:lumMod val="20000"/>
+                        <a:lumOff val="80000"/>
+                      </a:schemeClr>
+                    </a:solidFill>
+                  </a:tcPr>
+                </a:tc>
+                <a:tc>
+                  <a:txBody>
+                    <a:bodyPr/>
+                    <a:lstStyle/>
+                    <a:p>
+                      <a:pPr algn="ctr">
+                        <a:lnSpc>
+                          <a:spcPts val="1800"/>
+                        </a:lnSpc>
+                        <a:spcAft>
+                          <a:spcPts val="0"/>
+                        </a:spcAft>
+                      </a:pPr>
+                      <a:r>
+                        <a:rPr lang="ja-JP" altLang="en-US" sz="1800" kern="100" dirty="0" smtClean="0">
+                          <a:latin typeface="+mn-lt"/>
+                          <a:ea typeface="Mincho"/>
+                          <a:cs typeface="Times New Roman"/>
+                        </a:rPr>
+                        <a:t>サブミットロック</a:t>
+                      </a:r>
+                      <a:endParaRPr lang="ja-JP" sz="1800" kern="100" dirty="0">
+                        <a:latin typeface="+mn-lt"/>
+                        <a:ea typeface="Mincho"/>
+                        <a:cs typeface="Times New Roman"/>
+                      </a:endParaRPr>
+                    </a:p>
+                  </a:txBody>
+                  <a:tcPr marL="71663" marR="71663" marT="0" marB="0" anchor="ctr">
+                    <a:lnL w="12700" cap="flat" cmpd="sng" algn="ctr">
+                      <a:solidFill>
+                        <a:srgbClr val="000000"/>
+                      </a:solidFill>
+                      <a:prstDash val="solid"/>
+                      <a:round/>
+                      <a:headEnd type="none" w="med" len="med"/>
+                      <a:tailEnd type="none" w="med" len="med"/>
+                    </a:lnL>
+                    <a:lnR w="12700" cap="flat" cmpd="sng" algn="ctr">
+                      <a:solidFill>
+                        <a:srgbClr val="000000"/>
+                      </a:solidFill>
+                      <a:prstDash val="solid"/>
+                      <a:round/>
+                      <a:headEnd type="none" w="med" len="med"/>
+                      <a:tailEnd type="none" w="med" len="med"/>
+                    </a:lnR>
+                    <a:lnT w="12700" cap="flat" cmpd="sng" algn="ctr">
+                      <a:solidFill>
+                        <a:srgbClr val="000000"/>
+                      </a:solidFill>
+                      <a:prstDash val="solid"/>
+                      <a:round/>
+                      <a:headEnd type="none" w="med" len="med"/>
+                      <a:tailEnd type="none" w="med" len="med"/>
+                    </a:lnT>
+                    <a:lnB w="12700" cap="flat" cmpd="sng" algn="ctr">
+                      <a:solidFill>
+                        <a:srgbClr val="000000"/>
+                      </a:solidFill>
+                      <a:prstDash val="solid"/>
+                      <a:round/>
+                      <a:headEnd type="none" w="med" len="med"/>
+                      <a:tailEnd type="none" w="med" len="med"/>
+                    </a:lnB>
+                    <a:solidFill>
+                      <a:srgbClr val="D5CBDF"/>
+                    </a:solidFill>
+                  </a:tcPr>
+                </a:tc>
+              </a:tr>
+            </a:tbl>
+          </a:graphicData>
+        </a:graphic>
+      </p:graphicFrame>
+    </p:spTree>
+  </p:cSld>
+  <p:clrMapOvr>
+    <a:masterClrMapping/>
+  </p:clrMapOvr>
+</p:sld>
+</file>
+
 <file path=ppt/slides/slide2.xml><?xml version="1.0" encoding="utf-8"?>
 <p:sld xmlns:a="http://schemas.openxmlformats.org/drawingml/2006/main" xmlns:r="http://schemas.openxmlformats.org/officeDocument/2006/relationships" xmlns:p="http://schemas.openxmlformats.org/presentationml/2006/main">
   <p:cSld>

--- a/PowerPoint/report_hokada picture.pptx
+++ b/PowerPoint/report_hokada picture.pptx
@@ -17228,7 +17228,7 @@
             <a:fld id="{768736D5-E0D3-4111-8C4C-E5098B8E037F}" type="datetimeFigureOut">
               <a:rPr kumimoji="1" lang="ja-JP" altLang="en-US" smtClean="0"/>
               <a:pPr/>
-              <a:t>2014/12/3</a:t>
+              <a:t>2014/12/4</a:t>
             </a:fld>
             <a:endParaRPr kumimoji="1" lang="ja-JP" altLang="en-US" dirty="0"/>
           </a:p>
@@ -17972,7 +17972,7 @@
             <a:fld id="{A9FED28E-9910-4CC0-BDE8-5AFA225D5F47}" type="datetime1">
               <a:rPr kumimoji="1" lang="ja-JP" altLang="en-US" smtClean="0"/>
               <a:pPr/>
-              <a:t>2014/12/3</a:t>
+              <a:t>2014/12/4</a:t>
             </a:fld>
             <a:endParaRPr kumimoji="1" lang="ja-JP" altLang="en-US" dirty="0"/>
           </a:p>
@@ -18171,7 +18171,7 @@
             <a:fld id="{6A6F51AD-34C9-47F4-86A8-3B69DA90BEA2}" type="datetime1">
               <a:rPr kumimoji="1" lang="ja-JP" altLang="en-US" smtClean="0"/>
               <a:pPr/>
-              <a:t>2014/12/3</a:t>
+              <a:t>2014/12/4</a:t>
             </a:fld>
             <a:endParaRPr kumimoji="1" lang="ja-JP" altLang="en-US" dirty="0"/>
           </a:p>
@@ -18380,7 +18380,7 @@
             <a:fld id="{7590417E-B2DC-43DB-A4CD-B72741785689}" type="datetime1">
               <a:rPr kumimoji="1" lang="ja-JP" altLang="en-US" smtClean="0"/>
               <a:pPr/>
-              <a:t>2014/12/3</a:t>
+              <a:t>2014/12/4</a:t>
             </a:fld>
             <a:endParaRPr kumimoji="1" lang="ja-JP" altLang="en-US" dirty="0"/>
           </a:p>
@@ -18579,7 +18579,7 @@
             <a:fld id="{BD1CCC0A-69FD-4DB1-8F69-9B7E47B35B06}" type="datetime1">
               <a:rPr kumimoji="1" lang="ja-JP" altLang="en-US" smtClean="0"/>
               <a:pPr/>
-              <a:t>2014/12/3</a:t>
+              <a:t>2014/12/4</a:t>
             </a:fld>
             <a:endParaRPr kumimoji="1" lang="ja-JP" altLang="en-US" dirty="0"/>
           </a:p>
@@ -18831,7 +18831,7 @@
             <a:fld id="{0070CAFA-E75C-41BD-BE36-3967424809FA}" type="datetime1">
               <a:rPr kumimoji="1" lang="ja-JP" altLang="en-US" smtClean="0"/>
               <a:pPr/>
-              <a:t>2014/12/3</a:t>
+              <a:t>2014/12/4</a:t>
             </a:fld>
             <a:endParaRPr kumimoji="1" lang="ja-JP" altLang="en-US" dirty="0"/>
           </a:p>
@@ -19180,7 +19180,7 @@
             <a:fld id="{068F4025-64F1-4470-B5D1-4B3DAE112D35}" type="datetime1">
               <a:rPr kumimoji="1" lang="ja-JP" altLang="en-US" smtClean="0"/>
               <a:pPr/>
-              <a:t>2014/12/3</a:t>
+              <a:t>2014/12/4</a:t>
             </a:fld>
             <a:endParaRPr kumimoji="1" lang="ja-JP" altLang="en-US" dirty="0"/>
           </a:p>
@@ -19663,7 +19663,7 @@
             <a:fld id="{B9D22DCD-7121-4433-9452-1134E9B0F84C}" type="datetime1">
               <a:rPr kumimoji="1" lang="ja-JP" altLang="en-US" smtClean="0"/>
               <a:pPr/>
-              <a:t>2014/12/3</a:t>
+              <a:t>2014/12/4</a:t>
             </a:fld>
             <a:endParaRPr kumimoji="1" lang="ja-JP" altLang="en-US" dirty="0"/>
           </a:p>
@@ -19778,7 +19778,7 @@
             <a:fld id="{C7DC36FC-1499-47BD-B33A-43ABA6D8900D}" type="datetime1">
               <a:rPr kumimoji="1" lang="ja-JP" altLang="en-US" smtClean="0"/>
               <a:pPr/>
-              <a:t>2014/12/3</a:t>
+              <a:t>2014/12/4</a:t>
             </a:fld>
             <a:endParaRPr kumimoji="1" lang="ja-JP" altLang="en-US" dirty="0"/>
           </a:p>
@@ -19870,7 +19870,7 @@
             <a:fld id="{D659CCE9-15B5-4EA3-8B94-9C5237C58DE4}" type="datetime1">
               <a:rPr kumimoji="1" lang="ja-JP" altLang="en-US" smtClean="0"/>
               <a:pPr/>
-              <a:t>2014/12/3</a:t>
+              <a:t>2014/12/4</a:t>
             </a:fld>
             <a:endParaRPr kumimoji="1" lang="ja-JP" altLang="en-US" dirty="0"/>
           </a:p>
@@ -20176,7 +20176,7 @@
             <a:fld id="{E175F6F9-74FF-4910-8619-FBBF32934514}" type="datetime1">
               <a:rPr kumimoji="1" lang="ja-JP" altLang="en-US" smtClean="0"/>
               <a:pPr/>
-              <a:t>2014/12/3</a:t>
+              <a:t>2014/12/4</a:t>
             </a:fld>
             <a:endParaRPr kumimoji="1" lang="ja-JP" altLang="en-US" dirty="0"/>
           </a:p>
@@ -20426,7 +20426,7 @@
             <a:fld id="{F71BFCFD-31AB-4D54-B301-796373502974}" type="datetime1">
               <a:rPr kumimoji="1" lang="ja-JP" altLang="en-US" smtClean="0"/>
               <a:pPr/>
-              <a:t>2014/12/3</a:t>
+              <a:t>2014/12/4</a:t>
             </a:fld>
             <a:endParaRPr kumimoji="1" lang="ja-JP" altLang="en-US" dirty="0"/>
           </a:p>
@@ -20668,7 +20668,7 @@
             <a:fld id="{11B3F5BA-E36A-437C-98D2-FDEE83C185CE}" type="datetime1">
               <a:rPr kumimoji="1" lang="ja-JP" altLang="en-US" smtClean="0"/>
               <a:pPr/>
-              <a:t>2014/12/3</a:t>
+              <a:t>2014/12/4</a:t>
             </a:fld>
             <a:endParaRPr kumimoji="1" lang="ja-JP" altLang="en-US" dirty="0"/>
           </a:p>
@@ -26700,8 +26700,8 @@
           <p:nvPr/>
         </p:nvGraphicFramePr>
         <p:xfrm>
-          <a:off x="-2556792" y="980728"/>
-          <a:ext cx="11700791" cy="5184576"/>
+          <a:off x="-2556791" y="980731"/>
+          <a:ext cx="11700791" cy="5256583"/>
         </p:xfrm>
         <a:graphic>
           <a:graphicData uri="http://schemas.openxmlformats.org/drawingml/2006/table">
@@ -26712,7 +26712,7 @@
                 <a:gridCol w="7618957"/>
                 <a:gridCol w="3491879"/>
               </a:tblGrid>
-              <a:tr h="412705">
+              <a:tr h="418437">
                 <a:tc>
                   <a:txBody>
                     <a:bodyPr/>
@@ -26727,14 +26727,14 @@
                         </a:spcAft>
                       </a:pPr>
                       <a:r>
-                        <a:rPr lang="en-US" altLang="ja-JP" sz="1800" kern="100" dirty="0" smtClean="0">
+                        <a:rPr lang="en-US" altLang="ja-JP" sz="1800" b="1" kern="100" dirty="0" smtClean="0">
                           <a:latin typeface="+mn-lt"/>
                           <a:ea typeface="Mincho"/>
                           <a:cs typeface="Times New Roman"/>
                         </a:rPr>
                         <a:t>#</a:t>
                       </a:r>
-                      <a:endParaRPr lang="ja-JP" sz="1800" kern="100" dirty="0">
+                      <a:endParaRPr lang="ja-JP" sz="1800" b="1" kern="100" dirty="0">
                         <a:latin typeface="+mn-lt"/>
                         <a:ea typeface="Mincho"/>
                         <a:cs typeface="Times New Roman"/>
@@ -26800,7 +26800,7 @@
                         </a:spcAft>
                       </a:pPr>
                       <a:r>
-                        <a:rPr lang="ja-JP" sz="1800" kern="100" dirty="0">
+                        <a:rPr lang="ja-JP" sz="1800" b="1" kern="100" dirty="0">
                           <a:latin typeface="+mn-lt"/>
                           <a:ea typeface="Mincho"/>
                           <a:cs typeface="Times New Roman"/>
@@ -26868,14 +26868,14 @@
                         </a:spcAft>
                       </a:pPr>
                       <a:r>
-                        <a:rPr lang="ja-JP" altLang="en-US" sz="1800" kern="100" dirty="0" smtClean="0">
+                        <a:rPr lang="ja-JP" altLang="en-US" sz="1800" b="1" kern="100" dirty="0" smtClean="0">
                           <a:latin typeface="+mn-lt"/>
                           <a:ea typeface="Mincho"/>
                           <a:cs typeface="Times New Roman"/>
                         </a:rPr>
                         <a:t>分類</a:t>
                       </a:r>
-                      <a:endParaRPr lang="ja-JP" sz="1800" kern="100" dirty="0">
+                      <a:endParaRPr lang="ja-JP" sz="1800" b="1" kern="100" dirty="0">
                         <a:latin typeface="+mn-lt"/>
                         <a:ea typeface="Mincho"/>
                         <a:cs typeface="Times New Roman"/>
@@ -26928,7 +26928,7 @@
                   </a:tcPr>
                 </a:tc>
               </a:tr>
-              <a:tr h="345832">
+              <a:tr h="350635">
                 <a:tc>
                   <a:txBody>
                     <a:bodyPr/>
@@ -26943,14 +26943,14 @@
                         </a:spcAft>
                       </a:pPr>
                       <a:r>
-                        <a:rPr lang="en-US" sz="1800" kern="100" dirty="0">
+                        <a:rPr lang="en-US" sz="1800" b="1" kern="100" dirty="0">
                           <a:latin typeface="Century"/>
                           <a:ea typeface="Mincho"/>
                           <a:cs typeface="Times New Roman"/>
                         </a:rPr>
                         <a:t>1</a:t>
                       </a:r>
-                      <a:endParaRPr lang="ja-JP" sz="1800" kern="100" dirty="0">
+                      <a:endParaRPr lang="ja-JP" sz="1800" b="1" kern="100" dirty="0">
                         <a:latin typeface="Century"/>
                         <a:ea typeface="Mincho"/>
                         <a:cs typeface="Times New Roman"/>
@@ -27016,7 +27016,7 @@
                         </a:spcAft>
                       </a:pPr>
                       <a:r>
-                        <a:rPr lang="ja-JP" sz="1800" kern="100" dirty="0">
+                        <a:rPr lang="ja-JP" sz="1800" b="1" kern="100" dirty="0">
                           <a:latin typeface="+mn-lt"/>
                           <a:ea typeface="Mincho"/>
                           <a:cs typeface="Times New Roman"/>
@@ -27084,14 +27084,14 @@
                         </a:spcAft>
                       </a:pPr>
                       <a:r>
-                        <a:rPr lang="ja-JP" altLang="en-US" sz="2000" kern="100" dirty="0" smtClean="0">
+                        <a:rPr lang="ja-JP" altLang="en-US" sz="2000" b="1" kern="100" dirty="0" smtClean="0">
                           <a:latin typeface="+mn-lt"/>
                           <a:ea typeface="Mincho"/>
                           <a:cs typeface="Times New Roman"/>
                         </a:rPr>
                         <a:t>表示・入力方法最適化</a:t>
                       </a:r>
-                      <a:endParaRPr lang="ja-JP" sz="2000" kern="100" dirty="0">
+                      <a:endParaRPr lang="ja-JP" sz="2000" b="1" kern="100" dirty="0">
                         <a:latin typeface="+mn-lt"/>
                         <a:ea typeface="Mincho"/>
                         <a:cs typeface="Times New Roman"/>
@@ -27141,7 +27141,7 @@
                   </a:tcPr>
                 </a:tc>
               </a:tr>
-              <a:tr h="345832">
+              <a:tr h="350635">
                 <a:tc>
                   <a:txBody>
                     <a:bodyPr/>
@@ -27156,14 +27156,14 @@
                         </a:spcAft>
                       </a:pPr>
                       <a:r>
-                        <a:rPr lang="en-US" sz="1800" kern="100" dirty="0">
+                        <a:rPr lang="en-US" sz="1800" b="1" kern="100" dirty="0">
                           <a:latin typeface="Century"/>
                           <a:ea typeface="Mincho"/>
                           <a:cs typeface="Times New Roman"/>
                         </a:rPr>
                         <a:t>2</a:t>
                       </a:r>
-                      <a:endParaRPr lang="ja-JP" sz="1800" kern="100" dirty="0">
+                      <a:endParaRPr lang="ja-JP" sz="1800" b="1" kern="100" dirty="0">
                         <a:latin typeface="Century"/>
                         <a:ea typeface="Mincho"/>
                         <a:cs typeface="Times New Roman"/>
@@ -27229,7 +27229,7 @@
                         </a:spcAft>
                       </a:pPr>
                       <a:r>
-                        <a:rPr lang="ja-JP" sz="1800" kern="100" dirty="0">
+                        <a:rPr lang="ja-JP" sz="1800" b="1" kern="100" dirty="0">
                           <a:latin typeface="+mn-lt"/>
                           <a:ea typeface="Mincho"/>
                           <a:cs typeface="Times New Roman"/>
@@ -27349,7 +27349,7 @@
                   </a:tcPr>
                 </a:tc>
               </a:tr>
-              <a:tr h="345832">
+              <a:tr h="350635">
                 <a:tc>
                   <a:txBody>
                     <a:bodyPr/>
@@ -27364,14 +27364,14 @@
                         </a:spcAft>
                       </a:pPr>
                       <a:r>
-                        <a:rPr lang="en-US" sz="1800" kern="100" dirty="0">
+                        <a:rPr lang="en-US" sz="1800" b="1" kern="100" dirty="0">
                           <a:latin typeface="Century"/>
                           <a:ea typeface="Mincho"/>
                           <a:cs typeface="Times New Roman"/>
                         </a:rPr>
                         <a:t>3</a:t>
                       </a:r>
-                      <a:endParaRPr lang="ja-JP" sz="1800" kern="100" dirty="0">
+                      <a:endParaRPr lang="ja-JP" sz="1800" b="1" kern="100" dirty="0">
                         <a:latin typeface="Century"/>
                         <a:ea typeface="Mincho"/>
                         <a:cs typeface="Times New Roman"/>
@@ -27437,7 +27437,7 @@
                         </a:spcAft>
                       </a:pPr>
                       <a:r>
-                        <a:rPr lang="ja-JP" altLang="en-US" sz="1800" kern="100" dirty="0" smtClean="0">
+                        <a:rPr lang="ja-JP" altLang="en-US" sz="1800" b="1" kern="100" dirty="0" smtClean="0">
                           <a:latin typeface="+mn-lt"/>
                           <a:ea typeface="Mincho"/>
                           <a:cs typeface="Times New Roman"/>
@@ -27445,7 +27445,7 @@
                         <a:t>アクティブなフォームは</a:t>
                       </a:r>
                       <a:r>
-                        <a:rPr lang="ja-JP" sz="1800" kern="100" dirty="0" smtClean="0">
+                        <a:rPr lang="ja-JP" sz="1800" b="1" kern="100" dirty="0" smtClean="0">
                           <a:latin typeface="+mn-lt"/>
                           <a:ea typeface="Mincho"/>
                           <a:cs typeface="Times New Roman"/>
@@ -27453,7 +27453,7 @@
                         <a:t>色</a:t>
                       </a:r>
                       <a:r>
-                        <a:rPr lang="ja-JP" sz="1800" kern="100" dirty="0">
+                        <a:rPr lang="ja-JP" sz="1800" b="1" kern="100" dirty="0">
                           <a:latin typeface="+mn-lt"/>
                           <a:ea typeface="Mincho"/>
                           <a:cs typeface="Times New Roman"/>
@@ -27573,7 +27573,7 @@
                   </a:tcPr>
                 </a:tc>
               </a:tr>
-              <a:tr h="347746">
+              <a:tr h="352576">
                 <a:tc>
                   <a:txBody>
                     <a:bodyPr/>
@@ -27588,14 +27588,14 @@
                         </a:spcAft>
                       </a:pPr>
                       <a:r>
-                        <a:rPr lang="en-US" sz="1800" kern="100" dirty="0">
+                        <a:rPr lang="en-US" sz="1800" b="1" kern="100" dirty="0">
                           <a:latin typeface="Century"/>
                           <a:ea typeface="Mincho"/>
                           <a:cs typeface="Times New Roman"/>
                         </a:rPr>
                         <a:t>4</a:t>
                       </a:r>
-                      <a:endParaRPr lang="ja-JP" sz="1800" kern="100" dirty="0">
+                      <a:endParaRPr lang="ja-JP" sz="1800" b="1" kern="100" dirty="0">
                         <a:latin typeface="Century"/>
                         <a:ea typeface="Mincho"/>
                         <a:cs typeface="Times New Roman"/>
@@ -27661,7 +27661,7 @@
                         </a:spcAft>
                       </a:pPr>
                       <a:r>
-                        <a:rPr lang="ja-JP" sz="1800" kern="100" dirty="0">
+                        <a:rPr lang="ja-JP" sz="1800" b="1" kern="100" dirty="0">
                           <a:latin typeface="+mn-lt"/>
                           <a:ea typeface="Mincho"/>
                           <a:cs typeface="Times New Roman"/>
@@ -27781,7 +27781,7 @@
                   </a:tcPr>
                 </a:tc>
               </a:tr>
-              <a:tr h="345832">
+              <a:tr h="350635">
                 <a:tc>
                   <a:txBody>
                     <a:bodyPr/>
@@ -27796,14 +27796,14 @@
                         </a:spcAft>
                       </a:pPr>
                       <a:r>
-                        <a:rPr lang="en-US" sz="1800" kern="100" dirty="0">
+                        <a:rPr lang="en-US" sz="1800" b="1" kern="100" dirty="0">
                           <a:latin typeface="Century"/>
                           <a:ea typeface="Mincho"/>
                           <a:cs typeface="Times New Roman"/>
                         </a:rPr>
                         <a:t>5</a:t>
                       </a:r>
-                      <a:endParaRPr lang="ja-JP" sz="1800" kern="100" dirty="0">
+                      <a:endParaRPr lang="ja-JP" sz="1800" b="1" kern="100" dirty="0">
                         <a:latin typeface="Century"/>
                         <a:ea typeface="Mincho"/>
                         <a:cs typeface="Times New Roman"/>
@@ -27869,7 +27869,7 @@
                         </a:spcAft>
                       </a:pPr>
                       <a:r>
-                        <a:rPr lang="ja-JP" sz="1800" kern="100" dirty="0">
+                        <a:rPr lang="ja-JP" sz="1800" b="1" kern="100" dirty="0">
                           <a:latin typeface="+mn-lt"/>
                           <a:ea typeface="Mincho"/>
                           <a:cs typeface="Times New Roman"/>
@@ -27989,7 +27989,7 @@
                   </a:tcPr>
                 </a:tc>
               </a:tr>
-              <a:tr h="345832">
+              <a:tr h="350635">
                 <a:tc>
                   <a:txBody>
                     <a:bodyPr/>
@@ -28004,14 +28004,14 @@
                         </a:spcAft>
                       </a:pPr>
                       <a:r>
-                        <a:rPr lang="en-US" sz="1800" kern="100" dirty="0">
+                        <a:rPr lang="en-US" sz="1800" b="1" kern="100" dirty="0">
                           <a:latin typeface="Century"/>
                           <a:ea typeface="Mincho"/>
                           <a:cs typeface="Times New Roman"/>
                         </a:rPr>
                         <a:t>6</a:t>
                       </a:r>
-                      <a:endParaRPr lang="ja-JP" sz="1800" kern="100" dirty="0">
+                      <a:endParaRPr lang="ja-JP" sz="1800" b="1" kern="100" dirty="0">
                         <a:latin typeface="Century"/>
                         <a:ea typeface="Mincho"/>
                         <a:cs typeface="Times New Roman"/>
@@ -28077,7 +28077,7 @@
                         </a:spcAft>
                       </a:pPr>
                       <a:r>
-                        <a:rPr lang="ja-JP" sz="1800" kern="100" dirty="0">
+                        <a:rPr lang="ja-JP" sz="1800" b="1" kern="100" dirty="0">
                           <a:latin typeface="+mn-lt"/>
                           <a:ea typeface="Mincho"/>
                           <a:cs typeface="Times New Roman"/>
@@ -28197,7 +28197,7 @@
                   </a:tcPr>
                 </a:tc>
               </a:tr>
-              <a:tr h="345832">
+              <a:tr h="350635">
                 <a:tc>
                   <a:txBody>
                     <a:bodyPr/>
@@ -28212,14 +28212,14 @@
                         </a:spcAft>
                       </a:pPr>
                       <a:r>
-                        <a:rPr lang="en-US" sz="1800" kern="100" dirty="0">
+                        <a:rPr lang="en-US" sz="1800" b="1" kern="100" dirty="0">
                           <a:latin typeface="Century"/>
                           <a:ea typeface="Mincho"/>
                           <a:cs typeface="Times New Roman"/>
                         </a:rPr>
                         <a:t>7</a:t>
                       </a:r>
-                      <a:endParaRPr lang="ja-JP" sz="1800" kern="100" dirty="0">
+                      <a:endParaRPr lang="ja-JP" sz="1800" b="1" kern="100" dirty="0">
                         <a:latin typeface="Century"/>
                         <a:ea typeface="Mincho"/>
                         <a:cs typeface="Times New Roman"/>
@@ -28285,7 +28285,7 @@
                         </a:spcAft>
                       </a:pPr>
                       <a:r>
-                        <a:rPr lang="ja-JP" sz="1800" kern="100" dirty="0">
+                        <a:rPr lang="ja-JP" sz="1800" b="1" kern="100" dirty="0">
                           <a:latin typeface="+mn-lt"/>
                           <a:ea typeface="Mincho"/>
                           <a:cs typeface="Times New Roman"/>
@@ -28405,7 +28405,7 @@
                   </a:tcPr>
                 </a:tc>
               </a:tr>
-              <a:tr h="345832">
+              <a:tr h="350635">
                 <a:tc>
                   <a:txBody>
                     <a:bodyPr/>
@@ -28420,14 +28420,14 @@
                         </a:spcAft>
                       </a:pPr>
                       <a:r>
-                        <a:rPr lang="en-US" sz="1800" kern="100" dirty="0">
+                        <a:rPr lang="en-US" sz="1800" b="1" kern="100" dirty="0">
                           <a:latin typeface="Century"/>
                           <a:ea typeface="Mincho"/>
                           <a:cs typeface="Times New Roman"/>
                         </a:rPr>
                         <a:t>8</a:t>
                       </a:r>
-                      <a:endParaRPr lang="ja-JP" sz="1800" kern="100" dirty="0">
+                      <a:endParaRPr lang="ja-JP" sz="1800" b="1" kern="100" dirty="0">
                         <a:latin typeface="Century"/>
                         <a:ea typeface="Mincho"/>
                         <a:cs typeface="Times New Roman"/>
@@ -28493,7 +28493,7 @@
                         </a:spcAft>
                       </a:pPr>
                       <a:r>
-                        <a:rPr lang="ja-JP" sz="1800" kern="100" dirty="0">
+                        <a:rPr lang="ja-JP" sz="1800" b="1" kern="100" dirty="0">
                           <a:latin typeface="+mn-lt"/>
                           <a:ea typeface="Mincho"/>
                           <a:cs typeface="Times New Roman"/>
@@ -28613,7 +28613,7 @@
                   </a:tcPr>
                 </a:tc>
               </a:tr>
-              <a:tr h="345832">
+              <a:tr h="350635">
                 <a:tc>
                   <a:txBody>
                     <a:bodyPr/>
@@ -28628,14 +28628,14 @@
                         </a:spcAft>
                       </a:pPr>
                       <a:r>
-                        <a:rPr lang="en-US" sz="1800" kern="100" dirty="0">
+                        <a:rPr lang="en-US" sz="1800" b="1" kern="100" dirty="0">
                           <a:latin typeface="Century"/>
                           <a:ea typeface="Mincho"/>
                           <a:cs typeface="Times New Roman"/>
                         </a:rPr>
                         <a:t>9</a:t>
                       </a:r>
-                      <a:endParaRPr lang="ja-JP" sz="1800" kern="100" dirty="0">
+                      <a:endParaRPr lang="ja-JP" sz="1800" b="1" kern="100" dirty="0">
                         <a:latin typeface="Century"/>
                         <a:ea typeface="Mincho"/>
                         <a:cs typeface="Times New Roman"/>
@@ -28701,7 +28701,7 @@
                         </a:spcAft>
                       </a:pPr>
                       <a:r>
-                        <a:rPr lang="ja-JP" sz="1800" kern="100" dirty="0">
+                        <a:rPr lang="ja-JP" sz="1800" b="1" kern="100" dirty="0">
                           <a:latin typeface="+mn-lt"/>
                           <a:ea typeface="Mincho"/>
                           <a:cs typeface="Times New Roman"/>
@@ -28821,7 +28821,7 @@
                   </a:tcPr>
                 </a:tc>
               </a:tr>
-              <a:tr h="361325">
+              <a:tr h="366343">
                 <a:tc>
                   <a:txBody>
                     <a:bodyPr/>
@@ -28836,14 +28836,14 @@
                         </a:spcAft>
                       </a:pPr>
                       <a:r>
-                        <a:rPr lang="en-US" sz="1800" kern="100" dirty="0">
+                        <a:rPr lang="en-US" sz="1800" b="1" kern="100" dirty="0">
                           <a:latin typeface="Century"/>
                           <a:ea typeface="Mincho"/>
                           <a:cs typeface="Times New Roman"/>
                         </a:rPr>
                         <a:t>10</a:t>
                       </a:r>
-                      <a:endParaRPr lang="ja-JP" sz="1800" kern="100" dirty="0">
+                      <a:endParaRPr lang="ja-JP" sz="1800" b="1" kern="100" dirty="0">
                         <a:latin typeface="Century"/>
                         <a:ea typeface="Mincho"/>
                         <a:cs typeface="Times New Roman"/>
@@ -28909,7 +28909,7 @@
                         </a:spcAft>
                       </a:pPr>
                       <a:r>
-                        <a:rPr lang="ja-JP" sz="1800" kern="100" dirty="0">
+                        <a:rPr lang="ja-JP" sz="1800" b="1" kern="100" dirty="0">
                           <a:latin typeface="+mn-lt"/>
                           <a:ea typeface="Mincho"/>
                           <a:cs typeface="Times New Roman"/>
@@ -28917,7 +28917,7 @@
                         <a:t>ラジオボタンやチェックボックス</a:t>
                       </a:r>
                       <a:r>
-                        <a:rPr lang="ja-JP" sz="1800" kern="100" dirty="0" smtClean="0">
+                        <a:rPr lang="ja-JP" sz="1800" b="1" kern="100" dirty="0" smtClean="0">
                           <a:latin typeface="+mn-lt"/>
                           <a:ea typeface="Mincho"/>
                           <a:cs typeface="Times New Roman"/>
@@ -28925,7 +28925,7 @@
                         <a:t>はラベル</a:t>
                       </a:r>
                       <a:r>
-                        <a:rPr lang="ja-JP" sz="1800" kern="100" dirty="0">
+                        <a:rPr lang="ja-JP" sz="1800" b="1" kern="100" dirty="0">
                           <a:latin typeface="+mn-lt"/>
                           <a:ea typeface="Mincho"/>
                           <a:cs typeface="Times New Roman"/>
@@ -29045,7 +29045,7 @@
                   </a:tcPr>
                 </a:tc>
               </a:tr>
-              <a:tr h="432048">
+              <a:tr h="438049">
                 <a:tc>
                   <a:txBody>
                     <a:bodyPr/>
@@ -29060,14 +29060,14 @@
                         </a:spcAft>
                       </a:pPr>
                       <a:r>
-                        <a:rPr lang="en-US" sz="1800" kern="100" dirty="0">
+                        <a:rPr lang="en-US" sz="1800" b="1" kern="100" dirty="0">
                           <a:latin typeface="Century"/>
                           <a:ea typeface="Mincho"/>
                           <a:cs typeface="Times New Roman"/>
                         </a:rPr>
                         <a:t>11</a:t>
                       </a:r>
-                      <a:endParaRPr lang="ja-JP" sz="1800" kern="100" dirty="0">
+                      <a:endParaRPr lang="ja-JP" sz="1800" b="1" kern="100" dirty="0">
                         <a:latin typeface="Century"/>
                         <a:ea typeface="Mincho"/>
                         <a:cs typeface="Times New Roman"/>
@@ -29133,7 +29133,7 @@
                         </a:spcAft>
                       </a:pPr>
                       <a:r>
-                        <a:rPr lang="ja-JP" sz="1800" kern="100" dirty="0">
+                        <a:rPr lang="ja-JP" sz="1800" b="1" kern="100" dirty="0">
                           <a:latin typeface="+mn-lt"/>
                           <a:ea typeface="Mincho"/>
                           <a:cs typeface="Times New Roman"/>
@@ -29201,14 +29201,14 @@
                         </a:spcAft>
                       </a:pPr>
                       <a:r>
-                        <a:rPr lang="ja-JP" altLang="en-US" sz="1800" kern="100" dirty="0" smtClean="0">
+                        <a:rPr lang="ja-JP" altLang="en-US" sz="1800" b="1" kern="100" dirty="0" smtClean="0">
                           <a:latin typeface="+mn-lt"/>
                           <a:ea typeface="Mincho"/>
                           <a:cs typeface="Times New Roman"/>
                         </a:rPr>
                         <a:t>リアルタイムバリデーション</a:t>
                       </a:r>
-                      <a:endParaRPr lang="ja-JP" sz="1800" kern="100" dirty="0">
+                      <a:endParaRPr lang="ja-JP" sz="1800" b="1" kern="100" dirty="0">
                         <a:latin typeface="+mn-lt"/>
                         <a:ea typeface="Mincho"/>
                         <a:cs typeface="Times New Roman"/>
@@ -29258,7 +29258,7 @@
                   </a:tcPr>
                 </a:tc>
               </a:tr>
-              <a:tr h="432048">
+              <a:tr h="438049">
                 <a:tc>
                   <a:txBody>
                     <a:bodyPr/>
@@ -29273,14 +29273,14 @@
                         </a:spcAft>
                       </a:pPr>
                       <a:r>
-                        <a:rPr lang="en-US" sz="1800" kern="100" dirty="0">
+                        <a:rPr lang="en-US" sz="1800" b="1" kern="100" dirty="0">
                           <a:latin typeface="Century"/>
                           <a:ea typeface="Mincho"/>
                           <a:cs typeface="Times New Roman"/>
                         </a:rPr>
                         <a:t>12</a:t>
                       </a:r>
-                      <a:endParaRPr lang="ja-JP" sz="1800" kern="100" dirty="0">
+                      <a:endParaRPr lang="ja-JP" sz="1800" b="1" kern="100" dirty="0">
                         <a:latin typeface="Century"/>
                         <a:ea typeface="Mincho"/>
                         <a:cs typeface="Times New Roman"/>
@@ -29346,7 +29346,7 @@
                         </a:spcAft>
                       </a:pPr>
                       <a:r>
-                        <a:rPr lang="ja-JP" sz="1800" kern="100" dirty="0">
+                        <a:rPr lang="ja-JP" sz="1800" b="1" kern="100" dirty="0">
                           <a:latin typeface="+mn-lt"/>
                           <a:ea typeface="Mincho"/>
                           <a:cs typeface="Times New Roman"/>
@@ -29354,7 +29354,7 @@
                         <a:t>エラー箇所に正しい情報が入力</a:t>
                       </a:r>
                       <a:r>
-                        <a:rPr lang="ja-JP" sz="1800" kern="100" dirty="0" smtClean="0">
+                        <a:rPr lang="ja-JP" sz="1800" b="1" kern="100" dirty="0" smtClean="0">
                           <a:latin typeface="+mn-lt"/>
                           <a:ea typeface="Mincho"/>
                           <a:cs typeface="Times New Roman"/>
@@ -29362,7 +29362,7 @@
                         <a:t>されたらエラー</a:t>
                       </a:r>
                       <a:r>
-                        <a:rPr lang="ja-JP" sz="1800" kern="100" dirty="0">
+                        <a:rPr lang="ja-JP" sz="1800" b="1" kern="100" dirty="0">
                           <a:latin typeface="+mn-lt"/>
                           <a:ea typeface="Mincho"/>
                           <a:cs typeface="Times New Roman"/>
@@ -29482,7 +29482,7 @@
                   </a:tcPr>
                 </a:tc>
               </a:tr>
-              <a:tr h="432048">
+              <a:tr h="438049">
                 <a:tc>
                   <a:txBody>
                     <a:bodyPr/>
@@ -29497,14 +29497,14 @@
                         </a:spcAft>
                       </a:pPr>
                       <a:r>
-                        <a:rPr lang="en-US" sz="1800" kern="100" dirty="0" smtClean="0">
+                        <a:rPr lang="en-US" sz="1800" b="1" kern="100" dirty="0" smtClean="0">
                           <a:latin typeface="Century"/>
                           <a:ea typeface="Mincho"/>
                           <a:cs typeface="Times New Roman"/>
                         </a:rPr>
                         <a:t>13</a:t>
                       </a:r>
-                      <a:endParaRPr lang="ja-JP" sz="1800" kern="100" dirty="0">
+                      <a:endParaRPr lang="ja-JP" sz="1800" b="1" kern="100" dirty="0">
                         <a:latin typeface="Century"/>
                         <a:ea typeface="Mincho"/>
                         <a:cs typeface="Times New Roman"/>
@@ -29570,7 +29570,7 @@
                         </a:spcAft>
                       </a:pPr>
                       <a:r>
-                        <a:rPr lang="ja-JP" sz="1800" kern="100" dirty="0" smtClean="0">
+                        <a:rPr lang="ja-JP" sz="1800" b="1" kern="100" dirty="0" smtClean="0">
                           <a:latin typeface="+mn-lt"/>
                           <a:ea typeface="Mincho"/>
                           <a:cs typeface="Times New Roman"/>
@@ -29578,7 +29578,7 @@
                         <a:t>登録</a:t>
                       </a:r>
                       <a:r>
-                        <a:rPr lang="ja-JP" sz="1800" kern="100" dirty="0">
+                        <a:rPr lang="ja-JP" sz="1800" b="1" kern="100" dirty="0">
                           <a:latin typeface="+mn-lt"/>
                           <a:ea typeface="Mincho"/>
                           <a:cs typeface="Times New Roman"/>
@@ -29646,14 +29646,14 @@
                         </a:spcAft>
                       </a:pPr>
                       <a:r>
-                        <a:rPr lang="ja-JP" altLang="en-US" sz="1800" kern="100" dirty="0" smtClean="0">
+                        <a:rPr lang="ja-JP" altLang="en-US" sz="1800" b="1" kern="100" dirty="0" smtClean="0">
                           <a:latin typeface="+mn-lt"/>
                           <a:ea typeface="Mincho"/>
                           <a:cs typeface="Times New Roman"/>
                         </a:rPr>
                         <a:t>サブミットロック</a:t>
                       </a:r>
-                      <a:endParaRPr lang="ja-JP" sz="1800" kern="100" dirty="0">
+                      <a:endParaRPr lang="ja-JP" sz="1800" b="1" kern="100" dirty="0">
                         <a:latin typeface="+mn-lt"/>
                         <a:ea typeface="Mincho"/>
                         <a:cs typeface="Times New Roman"/>
@@ -34542,13 +34542,13 @@
           <a:p>
             <a:pPr algn="ctr"/>
             <a:r>
-              <a:rPr kumimoji="1" lang="ja-JP" altLang="en-US" sz="2400" dirty="0" smtClean="0">
+              <a:rPr kumimoji="1" lang="ja-JP" altLang="en-US" sz="2400" b="1" dirty="0" smtClean="0">
                 <a:latin typeface="+mj-ea"/>
                 <a:ea typeface="+mj-ea"/>
               </a:rPr>
               <a:t>継続的な更新</a:t>
             </a:r>
-            <a:endParaRPr kumimoji="1" lang="ja-JP" altLang="en-US" sz="2400" dirty="0">
+            <a:endParaRPr kumimoji="1" lang="ja-JP" altLang="en-US" sz="2400" b="1" dirty="0">
               <a:latin typeface="+mj-ea"/>
               <a:ea typeface="+mj-ea"/>
             </a:endParaRPr>
@@ -34596,7 +34596,7 @@
           <a:p>
             <a:pPr algn="ctr"/>
             <a:r>
-              <a:rPr lang="en-US" altLang="ja-JP" sz="2800" dirty="0" smtClean="0">
+              <a:rPr lang="en-US" altLang="ja-JP" sz="2400" b="1" dirty="0" smtClean="0">
                 <a:solidFill>
                   <a:sysClr val="windowText" lastClr="000000"/>
                 </a:solidFill>
@@ -34606,7 +34606,7 @@
               <a:t>Model</a:t>
             </a:r>
             <a:r>
-              <a:rPr lang="ja-JP" altLang="en-US" sz="2800" dirty="0" smtClean="0">
+              <a:rPr lang="ja-JP" altLang="en-US" sz="2400" b="1" dirty="0" smtClean="0">
                 <a:solidFill>
                   <a:sysClr val="windowText" lastClr="000000"/>
                 </a:solidFill>
@@ -34615,7 +34615,7 @@
               </a:rPr>
               <a:t>の更新を</a:t>
             </a:r>
-            <a:endParaRPr lang="en-US" altLang="ja-JP" sz="2800" dirty="0" smtClean="0">
+            <a:endParaRPr lang="en-US" altLang="ja-JP" sz="2400" b="1" dirty="0" smtClean="0">
               <a:solidFill>
                 <a:sysClr val="windowText" lastClr="000000"/>
               </a:solidFill>
@@ -34626,7 +34626,7 @@
           <a:p>
             <a:pPr algn="ctr"/>
             <a:r>
-              <a:rPr lang="en-US" altLang="ja-JP" sz="2800" dirty="0" smtClean="0">
+              <a:rPr lang="en-US" altLang="ja-JP" sz="2400" b="1" dirty="0" smtClean="0">
                 <a:solidFill>
                   <a:sysClr val="windowText" lastClr="000000"/>
                 </a:solidFill>
@@ -34636,7 +34636,7 @@
               <a:t>View</a:t>
             </a:r>
             <a:r>
-              <a:rPr lang="ja-JP" altLang="en-US" sz="2800" dirty="0" smtClean="0">
+              <a:rPr lang="ja-JP" altLang="en-US" sz="2400" b="1" dirty="0" smtClean="0">
                 <a:solidFill>
                   <a:sysClr val="windowText" lastClr="000000"/>
                 </a:solidFill>
@@ -34645,7 +34645,7 @@
               </a:rPr>
               <a:t>に反映</a:t>
             </a:r>
-            <a:endParaRPr kumimoji="1" lang="ja-JP" altLang="en-US" sz="2800" dirty="0">
+            <a:endParaRPr kumimoji="1" lang="ja-JP" altLang="en-US" sz="2400" b="1" dirty="0">
               <a:solidFill>
                 <a:sysClr val="windowText" lastClr="000000"/>
               </a:solidFill>
@@ -34696,7 +34696,7 @@
           <a:p>
             <a:pPr algn="ctr"/>
             <a:r>
-              <a:rPr lang="en-US" altLang="ja-JP" sz="2800" dirty="0" smtClean="0">
+              <a:rPr lang="en-US" altLang="ja-JP" sz="2400" b="1" dirty="0" smtClean="0">
                 <a:solidFill>
                   <a:sysClr val="windowText" lastClr="000000"/>
                 </a:solidFill>
@@ -34706,7 +34706,7 @@
               <a:t>View</a:t>
             </a:r>
             <a:r>
-              <a:rPr lang="ja-JP" altLang="en-US" sz="2800" dirty="0" smtClean="0">
+              <a:rPr lang="ja-JP" altLang="en-US" sz="2400" b="1" dirty="0" smtClean="0">
                 <a:solidFill>
                   <a:sysClr val="windowText" lastClr="000000"/>
                 </a:solidFill>
@@ -34715,7 +34715,7 @@
               </a:rPr>
               <a:t>の更新を</a:t>
             </a:r>
-            <a:endParaRPr lang="en-US" altLang="ja-JP" sz="2800" dirty="0" smtClean="0">
+            <a:endParaRPr lang="en-US" altLang="ja-JP" sz="2400" b="1" dirty="0" smtClean="0">
               <a:solidFill>
                 <a:sysClr val="windowText" lastClr="000000"/>
               </a:solidFill>
@@ -34726,7 +34726,7 @@
           <a:p>
             <a:pPr algn="ctr"/>
             <a:r>
-              <a:rPr lang="en-US" altLang="ja-JP" sz="2800" dirty="0" smtClean="0">
+              <a:rPr lang="en-US" altLang="ja-JP" sz="2400" b="1" dirty="0" smtClean="0">
                 <a:solidFill>
                   <a:sysClr val="windowText" lastClr="000000"/>
                 </a:solidFill>
@@ -34736,7 +34736,7 @@
               <a:t>Model</a:t>
             </a:r>
             <a:r>
-              <a:rPr lang="ja-JP" altLang="en-US" sz="2800" dirty="0" smtClean="0">
+              <a:rPr lang="ja-JP" altLang="en-US" sz="2400" b="1" dirty="0" smtClean="0">
                 <a:solidFill>
                   <a:sysClr val="windowText" lastClr="000000"/>
                 </a:solidFill>
@@ -34745,7 +34745,7 @@
               </a:rPr>
               <a:t>に反映</a:t>
             </a:r>
-            <a:endParaRPr kumimoji="1" lang="ja-JP" altLang="en-US" sz="2800" dirty="0">
+            <a:endParaRPr kumimoji="1" lang="ja-JP" altLang="en-US" sz="2400" b="1" dirty="0">
               <a:solidFill>
                 <a:sysClr val="windowText" lastClr="000000"/>
               </a:solidFill>
